--- a/HR Foundation Setup.pptx
+++ b/HR Foundation Setup.pptx
@@ -1,33 +1,24 @@
 
 <file path=ppt/presentation.xml><?xml version="1.0" encoding="utf-8"?>
-<p:presentation xmlns:a="http://schemas.openxmlformats.org/drawingml/2006/main" xmlns:r="http://schemas.openxmlformats.org/officeDocument/2006/relationships" xmlns:mc="http://schemas.openxmlformats.org/markup-compatibility/2006" xmlns:mv="urn:schemas-microsoft-com:mac:vml" xmlns:p="http://schemas.openxmlformats.org/presentationml/2006/main" xmlns:c="http://schemas.openxmlformats.org/drawingml/2006/chart" xmlns:dgm="http://schemas.openxmlformats.org/drawingml/2006/diagram" xmlns:o="urn:schemas-microsoft-com:office:office" xmlns:v="urn:schemas-microsoft-com:vml" xmlns:pvml="urn:schemas-microsoft-com:office:powerpoint" xmlns:com="http://schemas.openxmlformats.org/drawingml/2006/compatibility" xmlns:p14="http://schemas.microsoft.com/office/powerpoint/2010/main" xmlns:p15="http://schemas.microsoft.com/office/powerpoint/2012/main" xmlns:ahyp="http://schemas.microsoft.com/office/drawing/2018/hyperlinkcolor" autoCompressPictures="0" embedTrueTypeFonts="1" strictFirstAndLastChars="0" saveSubsetFonts="1">
+<p:presentation xmlns:a="http://schemas.openxmlformats.org/drawingml/2006/main" xmlns:r="http://schemas.openxmlformats.org/officeDocument/2006/relationships" xmlns:p="http://schemas.openxmlformats.org/presentationml/2006/main" strictFirstAndLastChars="0" embedTrueTypeFonts="1" saveSubsetFonts="1" autoCompressPictures="0">
   <p:sldMasterIdLst>
-    <p:sldMasterId id="2147483659" r:id="rId5"/>
+    <p:sldMasterId id="2147483659" r:id="rId1"/>
   </p:sldMasterIdLst>
   <p:notesMasterIdLst>
-    <p:notesMasterId r:id="rId6"/>
+    <p:notesMasterId r:id="rId8"/>
   </p:notesMasterIdLst>
   <p:sldIdLst>
-    <p:sldId id="256" r:id="rId7"/>
-    <p:sldId id="257" r:id="rId8"/>
-    <p:sldId id="258" r:id="rId9"/>
-    <p:sldId id="259" r:id="rId10"/>
-    <p:sldId id="260" r:id="rId11"/>
-    <p:sldId id="261" r:id="rId12"/>
+    <p:sldId id="256" r:id="rId2"/>
+    <p:sldId id="257" r:id="rId3"/>
+    <p:sldId id="258" r:id="rId4"/>
+    <p:sldId id="259" r:id="rId5"/>
+    <p:sldId id="260" r:id="rId6"/>
+    <p:sldId id="263" r:id="rId7"/>
   </p:sldIdLst>
-  <p:sldSz cy="5143500" cx="9144000"/>
+  <p:sldSz cx="9144000" cy="5143500" type="screen16x9"/>
   <p:notesSz cx="6858000" cy="9144000"/>
-  <p:embeddedFontLst>
-    <p:embeddedFont>
-      <p:font typeface="Roboto"/>
-      <p:regular r:id="rId13"/>
-      <p:bold r:id="rId14"/>
-      <p:italic r:id="rId15"/>
-      <p:boldItalic r:id="rId16"/>
-    </p:embeddedFont>
-  </p:embeddedFontLst>
   <p:defaultTextStyle>
-    <a:defPPr lvl="0" marR="0" rtl="0" algn="l">
+    <a:defPPr marR="0" lvl="0" algn="l" rtl="0">
       <a:lnSpc>
         <a:spcPct val="100000"/>
       </a:lnSpc>
@@ -38,7 +29,7 @@
         <a:spcPts val="0"/>
       </a:spcAft>
     </a:defPPr>
-    <a:lvl1pPr lvl="0" marR="0" rtl="0" algn="l">
+    <a:lvl1pPr marR="0" lvl="0" algn="l" rtl="0">
       <a:lnSpc>
         <a:spcPct val="100000"/>
       </a:lnSpc>
@@ -52,7 +43,7 @@
         <a:srgbClr val="000000"/>
       </a:buClr>
       <a:buFont typeface="Arial"/>
-      <a:defRPr b="0" i="0" sz="1400" u="none" cap="none" strike="noStrike">
+      <a:defRPr sz="1400" b="0" i="0" u="none" strike="noStrike" cap="none">
         <a:solidFill>
           <a:srgbClr val="000000"/>
         </a:solidFill>
@@ -62,7 +53,7 @@
         <a:sym typeface="Arial"/>
       </a:defRPr>
     </a:lvl1pPr>
-    <a:lvl2pPr lvl="1" marR="0" rtl="0" algn="l">
+    <a:lvl2pPr marR="0" lvl="1" algn="l" rtl="0">
       <a:lnSpc>
         <a:spcPct val="100000"/>
       </a:lnSpc>
@@ -76,7 +67,7 @@
         <a:srgbClr val="000000"/>
       </a:buClr>
       <a:buFont typeface="Arial"/>
-      <a:defRPr b="0" i="0" sz="1400" u="none" cap="none" strike="noStrike">
+      <a:defRPr sz="1400" b="0" i="0" u="none" strike="noStrike" cap="none">
         <a:solidFill>
           <a:srgbClr val="000000"/>
         </a:solidFill>
@@ -86,7 +77,7 @@
         <a:sym typeface="Arial"/>
       </a:defRPr>
     </a:lvl2pPr>
-    <a:lvl3pPr lvl="2" marR="0" rtl="0" algn="l">
+    <a:lvl3pPr marR="0" lvl="2" algn="l" rtl="0">
       <a:lnSpc>
         <a:spcPct val="100000"/>
       </a:lnSpc>
@@ -100,7 +91,7 @@
         <a:srgbClr val="000000"/>
       </a:buClr>
       <a:buFont typeface="Arial"/>
-      <a:defRPr b="0" i="0" sz="1400" u="none" cap="none" strike="noStrike">
+      <a:defRPr sz="1400" b="0" i="0" u="none" strike="noStrike" cap="none">
         <a:solidFill>
           <a:srgbClr val="000000"/>
         </a:solidFill>
@@ -110,7 +101,7 @@
         <a:sym typeface="Arial"/>
       </a:defRPr>
     </a:lvl3pPr>
-    <a:lvl4pPr lvl="3" marR="0" rtl="0" algn="l">
+    <a:lvl4pPr marR="0" lvl="3" algn="l" rtl="0">
       <a:lnSpc>
         <a:spcPct val="100000"/>
       </a:lnSpc>
@@ -124,7 +115,7 @@
         <a:srgbClr val="000000"/>
       </a:buClr>
       <a:buFont typeface="Arial"/>
-      <a:defRPr b="0" i="0" sz="1400" u="none" cap="none" strike="noStrike">
+      <a:defRPr sz="1400" b="0" i="0" u="none" strike="noStrike" cap="none">
         <a:solidFill>
           <a:srgbClr val="000000"/>
         </a:solidFill>
@@ -134,7 +125,7 @@
         <a:sym typeface="Arial"/>
       </a:defRPr>
     </a:lvl4pPr>
-    <a:lvl5pPr lvl="4" marR="0" rtl="0" algn="l">
+    <a:lvl5pPr marR="0" lvl="4" algn="l" rtl="0">
       <a:lnSpc>
         <a:spcPct val="100000"/>
       </a:lnSpc>
@@ -148,7 +139,7 @@
         <a:srgbClr val="000000"/>
       </a:buClr>
       <a:buFont typeface="Arial"/>
-      <a:defRPr b="0" i="0" sz="1400" u="none" cap="none" strike="noStrike">
+      <a:defRPr sz="1400" b="0" i="0" u="none" strike="noStrike" cap="none">
         <a:solidFill>
           <a:srgbClr val="000000"/>
         </a:solidFill>
@@ -158,7 +149,7 @@
         <a:sym typeface="Arial"/>
       </a:defRPr>
     </a:lvl5pPr>
-    <a:lvl6pPr lvl="5" marR="0" rtl="0" algn="l">
+    <a:lvl6pPr marR="0" lvl="5" algn="l" rtl="0">
       <a:lnSpc>
         <a:spcPct val="100000"/>
       </a:lnSpc>
@@ -172,7 +163,7 @@
         <a:srgbClr val="000000"/>
       </a:buClr>
       <a:buFont typeface="Arial"/>
-      <a:defRPr b="0" i="0" sz="1400" u="none" cap="none" strike="noStrike">
+      <a:defRPr sz="1400" b="0" i="0" u="none" strike="noStrike" cap="none">
         <a:solidFill>
           <a:srgbClr val="000000"/>
         </a:solidFill>
@@ -182,7 +173,7 @@
         <a:sym typeface="Arial"/>
       </a:defRPr>
     </a:lvl6pPr>
-    <a:lvl7pPr lvl="6" marR="0" rtl="0" algn="l">
+    <a:lvl7pPr marR="0" lvl="6" algn="l" rtl="0">
       <a:lnSpc>
         <a:spcPct val="100000"/>
       </a:lnSpc>
@@ -196,7 +187,7 @@
         <a:srgbClr val="000000"/>
       </a:buClr>
       <a:buFont typeface="Arial"/>
-      <a:defRPr b="0" i="0" sz="1400" u="none" cap="none" strike="noStrike">
+      <a:defRPr sz="1400" b="0" i="0" u="none" strike="noStrike" cap="none">
         <a:solidFill>
           <a:srgbClr val="000000"/>
         </a:solidFill>
@@ -206,7 +197,7 @@
         <a:sym typeface="Arial"/>
       </a:defRPr>
     </a:lvl7pPr>
-    <a:lvl8pPr lvl="7" marR="0" rtl="0" algn="l">
+    <a:lvl8pPr marR="0" lvl="7" algn="l" rtl="0">
       <a:lnSpc>
         <a:spcPct val="100000"/>
       </a:lnSpc>
@@ -220,7 +211,7 @@
         <a:srgbClr val="000000"/>
       </a:buClr>
       <a:buFont typeface="Arial"/>
-      <a:defRPr b="0" i="0" sz="1400" u="none" cap="none" strike="noStrike">
+      <a:defRPr sz="1400" b="0" i="0" u="none" strike="noStrike" cap="none">
         <a:solidFill>
           <a:srgbClr val="000000"/>
         </a:solidFill>
@@ -230,7 +221,7 @@
         <a:sym typeface="Arial"/>
       </a:defRPr>
     </a:lvl8pPr>
-    <a:lvl9pPr lvl="8" marR="0" rtl="0" algn="l">
+    <a:lvl9pPr marR="0" lvl="8" algn="l" rtl="0">
       <a:lnSpc>
         <a:spcPct val="100000"/>
       </a:lnSpc>
@@ -244,7 +235,7 @@
         <a:srgbClr val="000000"/>
       </a:buClr>
       <a:buFont typeface="Arial"/>
-      <a:defRPr b="0" i="0" sz="1400" u="none" cap="none" strike="noStrike">
+      <a:defRPr sz="1400" b="0" i="0" u="none" strike="noStrike" cap="none">
         <a:solidFill>
           <a:srgbClr val="000000"/>
         </a:solidFill>
@@ -257,7 +248,7 @@
   </p:defaultTextStyle>
   <p:extLst>
     <p:ext uri="{EFAFB233-063F-42B5-8137-9DF3F51BA10A}">
-      <p15:sldGuideLst>
+      <p15:sldGuideLst xmlns:p15="http://schemas.microsoft.com/office/powerpoint/2012/main">
         <p15:guide id="1" orient="horz" pos="1620">
           <p15:clr>
             <a:srgbClr val="747775"/>
@@ -275,11 +266,16 @@
 </file>
 
 <file path=ppt/notesMasters/notesMaster1.xml><?xml version="1.0" encoding="utf-8"?>
-<p:notesMaster xmlns:a="http://schemas.openxmlformats.org/drawingml/2006/main" xmlns:r="http://schemas.openxmlformats.org/officeDocument/2006/relationships" xmlns:mc="http://schemas.openxmlformats.org/markup-compatibility/2006" xmlns:mv="urn:schemas-microsoft-com:mac:vml" xmlns:p="http://schemas.openxmlformats.org/presentationml/2006/main" xmlns:c="http://schemas.openxmlformats.org/drawingml/2006/chart" xmlns:dgm="http://schemas.openxmlformats.org/drawingml/2006/diagram" xmlns:o="urn:schemas-microsoft-com:office:office" xmlns:v="urn:schemas-microsoft-com:vml" xmlns:pvml="urn:schemas-microsoft-com:office:powerpoint" xmlns:com="http://schemas.openxmlformats.org/drawingml/2006/compatibility" xmlns:p14="http://schemas.microsoft.com/office/powerpoint/2010/main" xmlns:p15="http://schemas.microsoft.com/office/powerpoint/2012/main" xmlns:ahyp="http://schemas.microsoft.com/office/drawing/2018/hyperlinkcolor">
+<p:notesMaster xmlns:a="http://schemas.openxmlformats.org/drawingml/2006/main" xmlns:r="http://schemas.openxmlformats.org/officeDocument/2006/relationships" xmlns:p="http://schemas.openxmlformats.org/presentationml/2006/main">
   <p:cSld>
+    <p:bg>
+      <p:bgRef idx="1001">
+        <a:schemeClr val="bg1"/>
+      </p:bgRef>
+    </p:bg>
     <p:spTree>
       <p:nvGrpSpPr>
-        <p:cNvPr id="2" name="Shape 2"/>
+        <p:cNvPr id="1" name="Shape 2"/>
         <p:cNvGrpSpPr/>
         <p:nvPr/>
       </p:nvGrpSpPr>
@@ -294,9 +290,11 @@
       <p:sp>
         <p:nvSpPr>
           <p:cNvPr id="3" name="Google Shape;3;n"/>
-          <p:cNvSpPr/>
+          <p:cNvSpPr>
+            <a:spLocks noGrp="1" noRot="1" noChangeAspect="1"/>
+          </p:cNvSpPr>
           <p:nvPr>
-            <p:ph idx="2" type="sldImg"/>
+            <p:ph type="sldImg" idx="2"/>
           </p:nvPr>
         </p:nvSpPr>
         <p:spPr>
@@ -305,9 +303,13 @@
             <a:ext cx="6096075" cy="3429000"/>
           </a:xfrm>
           <a:custGeom>
-            <a:rect b="b" l="l" r="r" t="t"/>
+            <a:avLst/>
+            <a:gdLst/>
+            <a:ahLst/>
+            <a:cxnLst/>
+            <a:rect l="l" t="t" r="r" b="b"/>
             <a:pathLst>
-              <a:path extrusionOk="0" h="120000" w="120000">
+              <a:path w="120000" h="120000" extrusionOk="0">
                 <a:moveTo>
                   <a:pt x="0" y="0"/>
                 </a:moveTo>
@@ -325,23 +327,25 @@
             </a:pathLst>
           </a:custGeom>
           <a:noFill/>
-          <a:ln cap="flat" cmpd="sng" w="9525">
+          <a:ln w="9525" cap="flat" cmpd="sng">
             <a:solidFill>
               <a:srgbClr val="000000"/>
             </a:solidFill>
             <a:prstDash val="solid"/>
             <a:round/>
-            <a:headEnd len="sm" w="sm" type="none"/>
-            <a:tailEnd len="sm" w="sm" type="none"/>
+            <a:headEnd type="none" w="sm" len="sm"/>
+            <a:tailEnd type="none" w="sm" len="sm"/>
           </a:ln>
         </p:spPr>
       </p:sp>
       <p:sp>
         <p:nvSpPr>
           <p:cNvPr id="4" name="Google Shape;4;n"/>
-          <p:cNvSpPr txBox="1"/>
+          <p:cNvSpPr txBox="1">
+            <a:spLocks noGrp="1"/>
+          </p:cNvSpPr>
           <p:nvPr>
-            <p:ph idx="1" type="body"/>
+            <p:ph type="body" idx="1"/>
           </p:nvPr>
         </p:nvSpPr>
         <p:spPr>
@@ -358,11 +362,11 @@
           </a:ln>
         </p:spPr>
         <p:txBody>
-          <a:bodyPr anchorCtr="0" anchor="t" bIns="91425" lIns="91425" spcFirstLastPara="1" rIns="91425" wrap="square" tIns="91425">
+          <a:bodyPr spcFirstLastPara="1" wrap="square" lIns="91425" tIns="91425" rIns="91425" bIns="91425" anchor="t" anchorCtr="0">
             <a:noAutofit/>
           </a:bodyPr>
           <a:lstStyle>
-            <a:lvl1pPr indent="-298450" lvl="0" marL="457200">
+            <a:lvl1pPr marL="457200" lvl="0" indent="-298450">
               <a:spcBef>
                 <a:spcPts val="0"/>
               </a:spcBef>
@@ -373,7 +377,7 @@
               <a:buChar char="●"/>
               <a:defRPr sz="1100"/>
             </a:lvl1pPr>
-            <a:lvl2pPr indent="-298450" lvl="1" marL="914400">
+            <a:lvl2pPr marL="914400" lvl="1" indent="-298450">
               <a:spcBef>
                 <a:spcPts val="0"/>
               </a:spcBef>
@@ -384,7 +388,7 @@
               <a:buChar char="○"/>
               <a:defRPr sz="1100"/>
             </a:lvl2pPr>
-            <a:lvl3pPr indent="-298450" lvl="2" marL="1371600">
+            <a:lvl3pPr marL="1371600" lvl="2" indent="-298450">
               <a:spcBef>
                 <a:spcPts val="0"/>
               </a:spcBef>
@@ -395,7 +399,7 @@
               <a:buChar char="■"/>
               <a:defRPr sz="1100"/>
             </a:lvl3pPr>
-            <a:lvl4pPr indent="-298450" lvl="3" marL="1828800">
+            <a:lvl4pPr marL="1828800" lvl="3" indent="-298450">
               <a:spcBef>
                 <a:spcPts val="0"/>
               </a:spcBef>
@@ -406,7 +410,7 @@
               <a:buChar char="●"/>
               <a:defRPr sz="1100"/>
             </a:lvl4pPr>
-            <a:lvl5pPr indent="-298450" lvl="4" marL="2286000">
+            <a:lvl5pPr marL="2286000" lvl="4" indent="-298450">
               <a:spcBef>
                 <a:spcPts val="0"/>
               </a:spcBef>
@@ -417,7 +421,7 @@
               <a:buChar char="○"/>
               <a:defRPr sz="1100"/>
             </a:lvl5pPr>
-            <a:lvl6pPr indent="-298450" lvl="5" marL="2743200">
+            <a:lvl6pPr marL="2743200" lvl="5" indent="-298450">
               <a:spcBef>
                 <a:spcPts val="0"/>
               </a:spcBef>
@@ -428,7 +432,7 @@
               <a:buChar char="■"/>
               <a:defRPr sz="1100"/>
             </a:lvl6pPr>
-            <a:lvl7pPr indent="-298450" lvl="6" marL="3200400">
+            <a:lvl7pPr marL="3200400" lvl="6" indent="-298450">
               <a:spcBef>
                 <a:spcPts val="0"/>
               </a:spcBef>
@@ -439,7 +443,7 @@
               <a:buChar char="●"/>
               <a:defRPr sz="1100"/>
             </a:lvl7pPr>
-            <a:lvl8pPr indent="-298450" lvl="7" marL="3657600">
+            <a:lvl8pPr marL="3657600" lvl="7" indent="-298450">
               <a:spcBef>
                 <a:spcPts val="0"/>
               </a:spcBef>
@@ -450,7 +454,7 @@
               <a:buChar char="○"/>
               <a:defRPr sz="1100"/>
             </a:lvl8pPr>
-            <a:lvl9pPr indent="-298450" lvl="8" marL="4114800">
+            <a:lvl9pPr marL="4114800" lvl="8" indent="-298450">
               <a:spcBef>
                 <a:spcPts val="0"/>
               </a:spcBef>
@@ -462,14 +466,16 @@
               <a:defRPr sz="1100"/>
             </a:lvl9pPr>
           </a:lstStyle>
-          <a:p/>
+          <a:p>
+            <a:endParaRPr/>
+          </a:p>
         </p:txBody>
       </p:sp>
     </p:spTree>
   </p:cSld>
-  <p:clrMap accent1="accent1" accent2="accent2" accent3="accent3" accent4="accent4" accent5="accent5" accent6="accent6" bg1="lt1" bg2="dk2" tx1="dk1" tx2="lt2" folHlink="folHlink" hlink="hlink"/>
+  <p:clrMap bg1="lt1" tx1="dk1" bg2="dk2" tx2="lt2" accent1="accent1" accent2="accent2" accent3="accent3" accent4="accent4" accent5="accent5" accent6="accent6" hlink="hlink" folHlink="folHlink"/>
   <p:notesStyle>
-    <a:defPPr lvl="0" marR="0" rtl="0" algn="l">
+    <a:defPPr marR="0" lvl="0" algn="l" rtl="0">
       <a:lnSpc>
         <a:spcPct val="100000"/>
       </a:lnSpc>
@@ -480,7 +486,7 @@
         <a:spcPts val="0"/>
       </a:spcAft>
     </a:defPPr>
-    <a:lvl1pPr lvl="0" marR="0" rtl="0" algn="l">
+    <a:lvl1pPr marR="0" lvl="0" algn="l" rtl="0">
       <a:lnSpc>
         <a:spcPct val="100000"/>
       </a:lnSpc>
@@ -494,7 +500,7 @@
         <a:srgbClr val="000000"/>
       </a:buClr>
       <a:buFont typeface="Arial"/>
-      <a:defRPr b="0" i="0" sz="1400" u="none" cap="none" strike="noStrike">
+      <a:defRPr sz="1400" b="0" i="0" u="none" strike="noStrike" cap="none">
         <a:solidFill>
           <a:srgbClr val="000000"/>
         </a:solidFill>
@@ -504,7 +510,7 @@
         <a:sym typeface="Arial"/>
       </a:defRPr>
     </a:lvl1pPr>
-    <a:lvl2pPr lvl="1" marR="0" rtl="0" algn="l">
+    <a:lvl2pPr marR="0" lvl="1" algn="l" rtl="0">
       <a:lnSpc>
         <a:spcPct val="100000"/>
       </a:lnSpc>
@@ -518,7 +524,7 @@
         <a:srgbClr val="000000"/>
       </a:buClr>
       <a:buFont typeface="Arial"/>
-      <a:defRPr b="0" i="0" sz="1400" u="none" cap="none" strike="noStrike">
+      <a:defRPr sz="1400" b="0" i="0" u="none" strike="noStrike" cap="none">
         <a:solidFill>
           <a:srgbClr val="000000"/>
         </a:solidFill>
@@ -528,7 +534,7 @@
         <a:sym typeface="Arial"/>
       </a:defRPr>
     </a:lvl2pPr>
-    <a:lvl3pPr lvl="2" marR="0" rtl="0" algn="l">
+    <a:lvl3pPr marR="0" lvl="2" algn="l" rtl="0">
       <a:lnSpc>
         <a:spcPct val="100000"/>
       </a:lnSpc>
@@ -542,7 +548,7 @@
         <a:srgbClr val="000000"/>
       </a:buClr>
       <a:buFont typeface="Arial"/>
-      <a:defRPr b="0" i="0" sz="1400" u="none" cap="none" strike="noStrike">
+      <a:defRPr sz="1400" b="0" i="0" u="none" strike="noStrike" cap="none">
         <a:solidFill>
           <a:srgbClr val="000000"/>
         </a:solidFill>
@@ -552,7 +558,7 @@
         <a:sym typeface="Arial"/>
       </a:defRPr>
     </a:lvl3pPr>
-    <a:lvl4pPr lvl="3" marR="0" rtl="0" algn="l">
+    <a:lvl4pPr marR="0" lvl="3" algn="l" rtl="0">
       <a:lnSpc>
         <a:spcPct val="100000"/>
       </a:lnSpc>
@@ -566,7 +572,7 @@
         <a:srgbClr val="000000"/>
       </a:buClr>
       <a:buFont typeface="Arial"/>
-      <a:defRPr b="0" i="0" sz="1400" u="none" cap="none" strike="noStrike">
+      <a:defRPr sz="1400" b="0" i="0" u="none" strike="noStrike" cap="none">
         <a:solidFill>
           <a:srgbClr val="000000"/>
         </a:solidFill>
@@ -576,7 +582,7 @@
         <a:sym typeface="Arial"/>
       </a:defRPr>
     </a:lvl4pPr>
-    <a:lvl5pPr lvl="4" marR="0" rtl="0" algn="l">
+    <a:lvl5pPr marR="0" lvl="4" algn="l" rtl="0">
       <a:lnSpc>
         <a:spcPct val="100000"/>
       </a:lnSpc>
@@ -590,7 +596,7 @@
         <a:srgbClr val="000000"/>
       </a:buClr>
       <a:buFont typeface="Arial"/>
-      <a:defRPr b="0" i="0" sz="1400" u="none" cap="none" strike="noStrike">
+      <a:defRPr sz="1400" b="0" i="0" u="none" strike="noStrike" cap="none">
         <a:solidFill>
           <a:srgbClr val="000000"/>
         </a:solidFill>
@@ -600,7 +606,7 @@
         <a:sym typeface="Arial"/>
       </a:defRPr>
     </a:lvl5pPr>
-    <a:lvl6pPr lvl="5" marR="0" rtl="0" algn="l">
+    <a:lvl6pPr marR="0" lvl="5" algn="l" rtl="0">
       <a:lnSpc>
         <a:spcPct val="100000"/>
       </a:lnSpc>
@@ -614,7 +620,7 @@
         <a:srgbClr val="000000"/>
       </a:buClr>
       <a:buFont typeface="Arial"/>
-      <a:defRPr b="0" i="0" sz="1400" u="none" cap="none" strike="noStrike">
+      <a:defRPr sz="1400" b="0" i="0" u="none" strike="noStrike" cap="none">
         <a:solidFill>
           <a:srgbClr val="000000"/>
         </a:solidFill>
@@ -624,7 +630,7 @@
         <a:sym typeface="Arial"/>
       </a:defRPr>
     </a:lvl6pPr>
-    <a:lvl7pPr lvl="6" marR="0" rtl="0" algn="l">
+    <a:lvl7pPr marR="0" lvl="6" algn="l" rtl="0">
       <a:lnSpc>
         <a:spcPct val="100000"/>
       </a:lnSpc>
@@ -638,7 +644,7 @@
         <a:srgbClr val="000000"/>
       </a:buClr>
       <a:buFont typeface="Arial"/>
-      <a:defRPr b="0" i="0" sz="1400" u="none" cap="none" strike="noStrike">
+      <a:defRPr sz="1400" b="0" i="0" u="none" strike="noStrike" cap="none">
         <a:solidFill>
           <a:srgbClr val="000000"/>
         </a:solidFill>
@@ -648,7 +654,7 @@
         <a:sym typeface="Arial"/>
       </a:defRPr>
     </a:lvl7pPr>
-    <a:lvl8pPr lvl="7" marR="0" rtl="0" algn="l">
+    <a:lvl8pPr marR="0" lvl="7" algn="l" rtl="0">
       <a:lnSpc>
         <a:spcPct val="100000"/>
       </a:lnSpc>
@@ -662,7 +668,7 @@
         <a:srgbClr val="000000"/>
       </a:buClr>
       <a:buFont typeface="Arial"/>
-      <a:defRPr b="0" i="0" sz="1400" u="none" cap="none" strike="noStrike">
+      <a:defRPr sz="1400" b="0" i="0" u="none" strike="noStrike" cap="none">
         <a:solidFill>
           <a:srgbClr val="000000"/>
         </a:solidFill>
@@ -672,7 +678,7 @@
         <a:sym typeface="Arial"/>
       </a:defRPr>
     </a:lvl8pPr>
-    <a:lvl9pPr lvl="8" marR="0" rtl="0" algn="l">
+    <a:lvl9pPr marR="0" lvl="8" algn="l" rtl="0">
       <a:lnSpc>
         <a:spcPct val="100000"/>
       </a:lnSpc>
@@ -686,7 +692,7 @@
         <a:srgbClr val="000000"/>
       </a:buClr>
       <a:buFont typeface="Arial"/>
-      <a:defRPr b="0" i="0" sz="1400" u="none" cap="none" strike="noStrike">
+      <a:defRPr sz="1400" b="0" i="0" u="none" strike="noStrike" cap="none">
         <a:solidFill>
           <a:srgbClr val="000000"/>
         </a:solidFill>
@@ -701,11 +707,11 @@
 </file>
 
 <file path=ppt/notesSlides/notesSlide1.xml><?xml version="1.0" encoding="utf-8"?>
-<p:notes xmlns:a="http://schemas.openxmlformats.org/drawingml/2006/main" xmlns:r="http://schemas.openxmlformats.org/officeDocument/2006/relationships" xmlns:mc="http://schemas.openxmlformats.org/markup-compatibility/2006" xmlns:mv="urn:schemas-microsoft-com:mac:vml" xmlns:p="http://schemas.openxmlformats.org/presentationml/2006/main" xmlns:c="http://schemas.openxmlformats.org/drawingml/2006/chart" xmlns:dgm="http://schemas.openxmlformats.org/drawingml/2006/diagram" xmlns:o="urn:schemas-microsoft-com:office:office" xmlns:v="urn:schemas-microsoft-com:vml" xmlns:pvml="urn:schemas-microsoft-com:office:powerpoint" xmlns:com="http://schemas.openxmlformats.org/drawingml/2006/compatibility" xmlns:p14="http://schemas.microsoft.com/office/powerpoint/2010/main" xmlns:p15="http://schemas.microsoft.com/office/powerpoint/2012/main" xmlns:ahyp="http://schemas.microsoft.com/office/drawing/2018/hyperlinkcolor" showMasterPhAnim="0" showMasterSp="0">
+<p:notes xmlns:a="http://schemas.openxmlformats.org/drawingml/2006/main" xmlns:r="http://schemas.openxmlformats.org/officeDocument/2006/relationships" xmlns:p="http://schemas.openxmlformats.org/presentationml/2006/main" showMasterSp="0" showMasterPhAnim="0">
   <p:cSld>
     <p:spTree>
       <p:nvGrpSpPr>
-        <p:cNvPr id="50" name="Shape 50"/>
+        <p:cNvPr id="1" name="Shape 50"/>
         <p:cNvGrpSpPr/>
         <p:nvPr/>
       </p:nvGrpSpPr>
@@ -720,9 +726,11 @@
       <p:sp>
         <p:nvSpPr>
           <p:cNvPr id="51" name="Google Shape;51;p:notes"/>
-          <p:cNvSpPr/>
+          <p:cNvSpPr>
+            <a:spLocks noGrp="1" noRot="1" noChangeAspect="1"/>
+          </p:cNvSpPr>
           <p:nvPr>
-            <p:ph idx="2" type="sldImg"/>
+            <p:ph type="sldImg" idx="2"/>
           </p:nvPr>
         </p:nvSpPr>
         <p:spPr>
@@ -731,9 +739,13 @@
             <a:ext cx="6096075" cy="3429000"/>
           </a:xfrm>
           <a:custGeom>
-            <a:rect b="b" l="l" r="r" t="t"/>
+            <a:avLst/>
+            <a:gdLst/>
+            <a:ahLst/>
+            <a:cxnLst/>
+            <a:rect l="l" t="t" r="r" b="b"/>
             <a:pathLst>
-              <a:path extrusionOk="0" h="120000" w="120000">
+              <a:path w="120000" h="120000" extrusionOk="0">
                 <a:moveTo>
                   <a:pt x="0" y="0"/>
                 </a:moveTo>
@@ -755,9 +767,11 @@
       <p:sp>
         <p:nvSpPr>
           <p:cNvPr id="52" name="Google Shape;52;p:notes"/>
-          <p:cNvSpPr txBox="1"/>
+          <p:cNvSpPr txBox="1">
+            <a:spLocks noGrp="1"/>
+          </p:cNvSpPr>
           <p:nvPr>
-            <p:ph idx="1" type="body"/>
+            <p:ph type="body" idx="1"/>
           </p:nvPr>
         </p:nvSpPr>
         <p:spPr>
@@ -770,12 +784,12 @@
           </a:prstGeom>
         </p:spPr>
         <p:txBody>
-          <a:bodyPr anchorCtr="0" anchor="t" bIns="91425" lIns="91425" spcFirstLastPara="1" rIns="91425" wrap="square" tIns="91425">
+          <a:bodyPr spcFirstLastPara="1" wrap="square" lIns="91425" tIns="91425" rIns="91425" bIns="91425" anchor="t" anchorCtr="0">
             <a:noAutofit/>
           </a:bodyPr>
           <a:lstStyle/>
           <a:p>
-            <a:pPr indent="0" lvl="0" marL="0" rtl="0" algn="l">
+            <a:pPr marL="0" lvl="0" indent="0" algn="l" rtl="0">
               <a:spcBef>
                 <a:spcPts val="0"/>
               </a:spcBef>
@@ -784,9 +798,6 @@
               </a:spcAft>
               <a:buNone/>
             </a:pPr>
-            <a:r>
-              <a:t/>
-            </a:r>
             <a:endParaRPr/>
           </a:p>
         </p:txBody>
@@ -800,11 +811,11 @@
 </file>
 
 <file path=ppt/notesSlides/notesSlide2.xml><?xml version="1.0" encoding="utf-8"?>
-<p:notes xmlns:a="http://schemas.openxmlformats.org/drawingml/2006/main" xmlns:r="http://schemas.openxmlformats.org/officeDocument/2006/relationships" xmlns:mc="http://schemas.openxmlformats.org/markup-compatibility/2006" xmlns:mv="urn:schemas-microsoft-com:mac:vml" xmlns:p="http://schemas.openxmlformats.org/presentationml/2006/main" xmlns:c="http://schemas.openxmlformats.org/drawingml/2006/chart" xmlns:dgm="http://schemas.openxmlformats.org/drawingml/2006/diagram" xmlns:o="urn:schemas-microsoft-com:office:office" xmlns:v="urn:schemas-microsoft-com:vml" xmlns:pvml="urn:schemas-microsoft-com:office:powerpoint" xmlns:com="http://schemas.openxmlformats.org/drawingml/2006/compatibility" xmlns:p14="http://schemas.microsoft.com/office/powerpoint/2010/main" xmlns:p15="http://schemas.microsoft.com/office/powerpoint/2012/main" xmlns:ahyp="http://schemas.microsoft.com/office/drawing/2018/hyperlinkcolor" showMasterPhAnim="0" showMasterSp="0">
+<p:notes xmlns:a="http://schemas.openxmlformats.org/drawingml/2006/main" xmlns:r="http://schemas.openxmlformats.org/officeDocument/2006/relationships" xmlns:p="http://schemas.openxmlformats.org/presentationml/2006/main" showMasterSp="0" showMasterPhAnim="0">
   <p:cSld>
     <p:spTree>
       <p:nvGrpSpPr>
-        <p:cNvPr id="56" name="Shape 56"/>
+        <p:cNvPr id="1" name="Shape 56"/>
         <p:cNvGrpSpPr/>
         <p:nvPr/>
       </p:nvGrpSpPr>
@@ -819,9 +830,11 @@
       <p:sp>
         <p:nvSpPr>
           <p:cNvPr id="57" name="Google Shape;57;g38630c41966_0_2:notes"/>
-          <p:cNvSpPr/>
+          <p:cNvSpPr>
+            <a:spLocks noGrp="1" noRot="1" noChangeAspect="1"/>
+          </p:cNvSpPr>
           <p:nvPr>
-            <p:ph idx="2" type="sldImg"/>
+            <p:ph type="sldImg" idx="2"/>
           </p:nvPr>
         </p:nvSpPr>
         <p:spPr>
@@ -830,9 +843,13 @@
             <a:ext cx="6096000" cy="3429000"/>
           </a:xfrm>
           <a:custGeom>
-            <a:rect b="b" l="l" r="r" t="t"/>
+            <a:avLst/>
+            <a:gdLst/>
+            <a:ahLst/>
+            <a:cxnLst/>
+            <a:rect l="l" t="t" r="r" b="b"/>
             <a:pathLst>
-              <a:path extrusionOk="0" h="120000" w="120000">
+              <a:path w="120000" h="120000" extrusionOk="0">
                 <a:moveTo>
                   <a:pt x="0" y="0"/>
                 </a:moveTo>
@@ -854,9 +871,11 @@
       <p:sp>
         <p:nvSpPr>
           <p:cNvPr id="58" name="Google Shape;58;g38630c41966_0_2:notes"/>
-          <p:cNvSpPr txBox="1"/>
+          <p:cNvSpPr txBox="1">
+            <a:spLocks noGrp="1"/>
+          </p:cNvSpPr>
           <p:nvPr>
-            <p:ph idx="1" type="body"/>
+            <p:ph type="body" idx="1"/>
           </p:nvPr>
         </p:nvSpPr>
         <p:spPr>
@@ -869,12 +888,12 @@
           </a:prstGeom>
         </p:spPr>
         <p:txBody>
-          <a:bodyPr anchorCtr="0" anchor="t" bIns="91425" lIns="91425" spcFirstLastPara="1" rIns="91425" wrap="square" tIns="91425">
+          <a:bodyPr spcFirstLastPara="1" wrap="square" lIns="91425" tIns="91425" rIns="91425" bIns="91425" anchor="t" anchorCtr="0">
             <a:noAutofit/>
           </a:bodyPr>
           <a:lstStyle/>
           <a:p>
-            <a:pPr indent="0" lvl="0" marL="0" rtl="0" algn="l">
+            <a:pPr marL="0" lvl="0" indent="0" algn="l" rtl="0">
               <a:spcBef>
                 <a:spcPts val="0"/>
               </a:spcBef>
@@ -883,9 +902,6 @@
               </a:spcAft>
               <a:buNone/>
             </a:pPr>
-            <a:r>
-              <a:t/>
-            </a:r>
             <a:endParaRPr/>
           </a:p>
         </p:txBody>
@@ -899,11 +915,11 @@
 </file>
 
 <file path=ppt/notesSlides/notesSlide3.xml><?xml version="1.0" encoding="utf-8"?>
-<p:notes xmlns:a="http://schemas.openxmlformats.org/drawingml/2006/main" xmlns:r="http://schemas.openxmlformats.org/officeDocument/2006/relationships" xmlns:mc="http://schemas.openxmlformats.org/markup-compatibility/2006" xmlns:mv="urn:schemas-microsoft-com:mac:vml" xmlns:p="http://schemas.openxmlformats.org/presentationml/2006/main" xmlns:c="http://schemas.openxmlformats.org/drawingml/2006/chart" xmlns:dgm="http://schemas.openxmlformats.org/drawingml/2006/diagram" xmlns:o="urn:schemas-microsoft-com:office:office" xmlns:v="urn:schemas-microsoft-com:vml" xmlns:pvml="urn:schemas-microsoft-com:office:powerpoint" xmlns:com="http://schemas.openxmlformats.org/drawingml/2006/compatibility" xmlns:p14="http://schemas.microsoft.com/office/powerpoint/2010/main" xmlns:p15="http://schemas.microsoft.com/office/powerpoint/2012/main" xmlns:ahyp="http://schemas.microsoft.com/office/drawing/2018/hyperlinkcolor" showMasterPhAnim="0" showMasterSp="0">
+<p:notes xmlns:a="http://schemas.openxmlformats.org/drawingml/2006/main" xmlns:r="http://schemas.openxmlformats.org/officeDocument/2006/relationships" xmlns:p="http://schemas.openxmlformats.org/presentationml/2006/main" showMasterSp="0" showMasterPhAnim="0">
   <p:cSld>
     <p:spTree>
       <p:nvGrpSpPr>
-        <p:cNvPr id="62" name="Shape 62"/>
+        <p:cNvPr id="1" name="Shape 62"/>
         <p:cNvGrpSpPr/>
         <p:nvPr/>
       </p:nvGrpSpPr>
@@ -918,20 +934,26 @@
       <p:sp>
         <p:nvSpPr>
           <p:cNvPr id="63" name="Google Shape;63;g38630c41966_0_9:notes"/>
-          <p:cNvSpPr/>
+          <p:cNvSpPr>
+            <a:spLocks noGrp="1" noRot="1" noChangeAspect="1"/>
+          </p:cNvSpPr>
           <p:nvPr>
-            <p:ph idx="2" type="sldImg"/>
+            <p:ph type="sldImg" idx="2"/>
           </p:nvPr>
         </p:nvSpPr>
         <p:spPr>
           <a:xfrm>
-            <a:off x="381300" y="685800"/>
+            <a:off x="381000" y="685800"/>
             <a:ext cx="6096000" cy="3429000"/>
           </a:xfrm>
           <a:custGeom>
-            <a:rect b="b" l="l" r="r" t="t"/>
+            <a:avLst/>
+            <a:gdLst/>
+            <a:ahLst/>
+            <a:cxnLst/>
+            <a:rect l="l" t="t" r="r" b="b"/>
             <a:pathLst>
-              <a:path extrusionOk="0" h="120000" w="120000">
+              <a:path w="120000" h="120000" extrusionOk="0">
                 <a:moveTo>
                   <a:pt x="0" y="0"/>
                 </a:moveTo>
@@ -953,9 +975,11 @@
       <p:sp>
         <p:nvSpPr>
           <p:cNvPr id="64" name="Google Shape;64;g38630c41966_0_9:notes"/>
-          <p:cNvSpPr txBox="1"/>
+          <p:cNvSpPr txBox="1">
+            <a:spLocks noGrp="1"/>
+          </p:cNvSpPr>
           <p:nvPr>
-            <p:ph idx="1" type="body"/>
+            <p:ph type="body" idx="1"/>
           </p:nvPr>
         </p:nvSpPr>
         <p:spPr>
@@ -968,12 +992,12 @@
           </a:prstGeom>
         </p:spPr>
         <p:txBody>
-          <a:bodyPr anchorCtr="0" anchor="t" bIns="91425" lIns="91425" spcFirstLastPara="1" rIns="91425" wrap="square" tIns="91425">
+          <a:bodyPr spcFirstLastPara="1" wrap="square" lIns="91425" tIns="91425" rIns="91425" bIns="91425" anchor="t" anchorCtr="0">
             <a:noAutofit/>
           </a:bodyPr>
           <a:lstStyle/>
           <a:p>
-            <a:pPr indent="0" lvl="0" marL="0" rtl="0" algn="l">
+            <a:pPr marL="0" lvl="0" indent="0" algn="l" rtl="0">
               <a:spcBef>
                 <a:spcPts val="0"/>
               </a:spcBef>
@@ -982,9 +1006,6 @@
               </a:spcAft>
               <a:buNone/>
             </a:pPr>
-            <a:r>
-              <a:t/>
-            </a:r>
             <a:endParaRPr/>
           </a:p>
         </p:txBody>
@@ -998,11 +1019,11 @@
 </file>
 
 <file path=ppt/notesSlides/notesSlide4.xml><?xml version="1.0" encoding="utf-8"?>
-<p:notes xmlns:a="http://schemas.openxmlformats.org/drawingml/2006/main" xmlns:r="http://schemas.openxmlformats.org/officeDocument/2006/relationships" xmlns:mc="http://schemas.openxmlformats.org/markup-compatibility/2006" xmlns:mv="urn:schemas-microsoft-com:mac:vml" xmlns:p="http://schemas.openxmlformats.org/presentationml/2006/main" xmlns:c="http://schemas.openxmlformats.org/drawingml/2006/chart" xmlns:dgm="http://schemas.openxmlformats.org/drawingml/2006/diagram" xmlns:o="urn:schemas-microsoft-com:office:office" xmlns:v="urn:schemas-microsoft-com:vml" xmlns:pvml="urn:schemas-microsoft-com:office:powerpoint" xmlns:com="http://schemas.openxmlformats.org/drawingml/2006/compatibility" xmlns:p14="http://schemas.microsoft.com/office/powerpoint/2010/main" xmlns:p15="http://schemas.microsoft.com/office/powerpoint/2012/main" xmlns:ahyp="http://schemas.microsoft.com/office/drawing/2018/hyperlinkcolor" showMasterPhAnim="0" showMasterSp="0">
+<p:notes xmlns:a="http://schemas.openxmlformats.org/drawingml/2006/main" xmlns:r="http://schemas.openxmlformats.org/officeDocument/2006/relationships" xmlns:p="http://schemas.openxmlformats.org/presentationml/2006/main" showMasterSp="0" showMasterPhAnim="0">
   <p:cSld>
     <p:spTree>
       <p:nvGrpSpPr>
-        <p:cNvPr id="69" name="Shape 69"/>
+        <p:cNvPr id="1" name="Shape 69"/>
         <p:cNvGrpSpPr/>
         <p:nvPr/>
       </p:nvGrpSpPr>
@@ -1017,20 +1038,26 @@
       <p:sp>
         <p:nvSpPr>
           <p:cNvPr id="70" name="Google Shape;70;g38630c41966_0_17:notes"/>
-          <p:cNvSpPr/>
+          <p:cNvSpPr>
+            <a:spLocks noGrp="1" noRot="1" noChangeAspect="1"/>
+          </p:cNvSpPr>
           <p:nvPr>
-            <p:ph idx="2" type="sldImg"/>
+            <p:ph type="sldImg" idx="2"/>
           </p:nvPr>
         </p:nvSpPr>
         <p:spPr>
           <a:xfrm>
-            <a:off x="381300" y="685800"/>
+            <a:off x="381000" y="685800"/>
             <a:ext cx="6096000" cy="3429000"/>
           </a:xfrm>
           <a:custGeom>
-            <a:rect b="b" l="l" r="r" t="t"/>
+            <a:avLst/>
+            <a:gdLst/>
+            <a:ahLst/>
+            <a:cxnLst/>
+            <a:rect l="l" t="t" r="r" b="b"/>
             <a:pathLst>
-              <a:path extrusionOk="0" h="120000" w="120000">
+              <a:path w="120000" h="120000" extrusionOk="0">
                 <a:moveTo>
                   <a:pt x="0" y="0"/>
                 </a:moveTo>
@@ -1052,9 +1079,11 @@
       <p:sp>
         <p:nvSpPr>
           <p:cNvPr id="71" name="Google Shape;71;g38630c41966_0_17:notes"/>
-          <p:cNvSpPr txBox="1"/>
+          <p:cNvSpPr txBox="1">
+            <a:spLocks noGrp="1"/>
+          </p:cNvSpPr>
           <p:nvPr>
-            <p:ph idx="1" type="body"/>
+            <p:ph type="body" idx="1"/>
           </p:nvPr>
         </p:nvSpPr>
         <p:spPr>
@@ -1067,12 +1096,12 @@
           </a:prstGeom>
         </p:spPr>
         <p:txBody>
-          <a:bodyPr anchorCtr="0" anchor="t" bIns="91425" lIns="91425" spcFirstLastPara="1" rIns="91425" wrap="square" tIns="91425">
+          <a:bodyPr spcFirstLastPara="1" wrap="square" lIns="91425" tIns="91425" rIns="91425" bIns="91425" anchor="t" anchorCtr="0">
             <a:noAutofit/>
           </a:bodyPr>
           <a:lstStyle/>
           <a:p>
-            <a:pPr indent="0" lvl="0" marL="0" rtl="0" algn="l">
+            <a:pPr marL="0" lvl="0" indent="0" algn="l" rtl="0">
               <a:spcBef>
                 <a:spcPts val="0"/>
               </a:spcBef>
@@ -1081,9 +1110,6 @@
               </a:spcAft>
               <a:buNone/>
             </a:pPr>
-            <a:r>
-              <a:t/>
-            </a:r>
             <a:endParaRPr/>
           </a:p>
         </p:txBody>
@@ -1097,11 +1123,11 @@
 </file>
 
 <file path=ppt/notesSlides/notesSlide5.xml><?xml version="1.0" encoding="utf-8"?>
-<p:notes xmlns:a="http://schemas.openxmlformats.org/drawingml/2006/main" xmlns:r="http://schemas.openxmlformats.org/officeDocument/2006/relationships" xmlns:mc="http://schemas.openxmlformats.org/markup-compatibility/2006" xmlns:mv="urn:schemas-microsoft-com:mac:vml" xmlns:p="http://schemas.openxmlformats.org/presentationml/2006/main" xmlns:c="http://schemas.openxmlformats.org/drawingml/2006/chart" xmlns:dgm="http://schemas.openxmlformats.org/drawingml/2006/diagram" xmlns:o="urn:schemas-microsoft-com:office:office" xmlns:v="urn:schemas-microsoft-com:vml" xmlns:pvml="urn:schemas-microsoft-com:office:powerpoint" xmlns:com="http://schemas.openxmlformats.org/drawingml/2006/compatibility" xmlns:p14="http://schemas.microsoft.com/office/powerpoint/2010/main" xmlns:p15="http://schemas.microsoft.com/office/powerpoint/2012/main" xmlns:ahyp="http://schemas.microsoft.com/office/drawing/2018/hyperlinkcolor" showMasterPhAnim="0" showMasterSp="0">
+<p:notes xmlns:a="http://schemas.openxmlformats.org/drawingml/2006/main" xmlns:r="http://schemas.openxmlformats.org/officeDocument/2006/relationships" xmlns:p="http://schemas.openxmlformats.org/presentationml/2006/main" showMasterSp="0" showMasterPhAnim="0">
   <p:cSld>
     <p:spTree>
       <p:nvGrpSpPr>
-        <p:cNvPr id="76" name="Shape 76"/>
+        <p:cNvPr id="1" name="Shape 76"/>
         <p:cNvGrpSpPr/>
         <p:nvPr/>
       </p:nvGrpSpPr>
@@ -1116,9 +1142,11 @@
       <p:sp>
         <p:nvSpPr>
           <p:cNvPr id="77" name="Google Shape;77;g38630c41966_1_3:notes"/>
-          <p:cNvSpPr/>
+          <p:cNvSpPr>
+            <a:spLocks noGrp="1" noRot="1" noChangeAspect="1"/>
+          </p:cNvSpPr>
           <p:nvPr>
-            <p:ph idx="2" type="sldImg"/>
+            <p:ph type="sldImg" idx="2"/>
           </p:nvPr>
         </p:nvSpPr>
         <p:spPr>
@@ -1127,9 +1155,13 @@
             <a:ext cx="6096000" cy="3429000"/>
           </a:xfrm>
           <a:custGeom>
-            <a:rect b="b" l="l" r="r" t="t"/>
+            <a:avLst/>
+            <a:gdLst/>
+            <a:ahLst/>
+            <a:cxnLst/>
+            <a:rect l="l" t="t" r="r" b="b"/>
             <a:pathLst>
-              <a:path extrusionOk="0" h="120000" w="120000">
+              <a:path w="120000" h="120000" extrusionOk="0">
                 <a:moveTo>
                   <a:pt x="0" y="0"/>
                 </a:moveTo>
@@ -1151,9 +1183,11 @@
       <p:sp>
         <p:nvSpPr>
           <p:cNvPr id="78" name="Google Shape;78;g38630c41966_1_3:notes"/>
-          <p:cNvSpPr txBox="1"/>
+          <p:cNvSpPr txBox="1">
+            <a:spLocks noGrp="1"/>
+          </p:cNvSpPr>
           <p:nvPr>
-            <p:ph idx="1" type="body"/>
+            <p:ph type="body" idx="1"/>
           </p:nvPr>
         </p:nvSpPr>
         <p:spPr>
@@ -1166,12 +1200,12 @@
           </a:prstGeom>
         </p:spPr>
         <p:txBody>
-          <a:bodyPr anchorCtr="0" anchor="t" bIns="91425" lIns="91425" spcFirstLastPara="1" rIns="91425" wrap="square" tIns="91425">
+          <a:bodyPr spcFirstLastPara="1" wrap="square" lIns="91425" tIns="91425" rIns="91425" bIns="91425" anchor="t" anchorCtr="0">
             <a:noAutofit/>
           </a:bodyPr>
           <a:lstStyle/>
           <a:p>
-            <a:pPr indent="0" lvl="0" marL="0" rtl="0" algn="l">
+            <a:pPr marL="0" lvl="0" indent="0" algn="l" rtl="0">
               <a:spcBef>
                 <a:spcPts val="0"/>
               </a:spcBef>
@@ -1180,108 +1214,6 @@
               </a:spcAft>
               <a:buNone/>
             </a:pPr>
-            <a:r>
-              <a:t/>
-            </a:r>
-            <a:endParaRPr/>
-          </a:p>
-        </p:txBody>
-      </p:sp>
-    </p:spTree>
-  </p:cSld>
-  <p:clrMapOvr>
-    <a:masterClrMapping/>
-  </p:clrMapOvr>
-</p:notes>
-</file>
-
-<file path=ppt/notesSlides/notesSlide6.xml><?xml version="1.0" encoding="utf-8"?>
-<p:notes xmlns:a="http://schemas.openxmlformats.org/drawingml/2006/main" xmlns:r="http://schemas.openxmlformats.org/officeDocument/2006/relationships" xmlns:mc="http://schemas.openxmlformats.org/markup-compatibility/2006" xmlns:mv="urn:schemas-microsoft-com:mac:vml" xmlns:p="http://schemas.openxmlformats.org/presentationml/2006/main" xmlns:c="http://schemas.openxmlformats.org/drawingml/2006/chart" xmlns:dgm="http://schemas.openxmlformats.org/drawingml/2006/diagram" xmlns:o="urn:schemas-microsoft-com:office:office" xmlns:v="urn:schemas-microsoft-com:vml" xmlns:pvml="urn:schemas-microsoft-com:office:powerpoint" xmlns:com="http://schemas.openxmlformats.org/drawingml/2006/compatibility" xmlns:p14="http://schemas.microsoft.com/office/powerpoint/2010/main" xmlns:p15="http://schemas.microsoft.com/office/powerpoint/2012/main" xmlns:ahyp="http://schemas.microsoft.com/office/drawing/2018/hyperlinkcolor" showMasterPhAnim="0" showMasterSp="0">
-  <p:cSld>
-    <p:spTree>
-      <p:nvGrpSpPr>
-        <p:cNvPr id="82" name="Shape 82"/>
-        <p:cNvGrpSpPr/>
-        <p:nvPr/>
-      </p:nvGrpSpPr>
-      <p:grpSpPr>
-        <a:xfrm>
-          <a:off x="0" y="0"/>
-          <a:ext cx="0" cy="0"/>
-          <a:chOff x="0" y="0"/>
-          <a:chExt cx="0" cy="0"/>
-        </a:xfrm>
-      </p:grpSpPr>
-      <p:sp>
-        <p:nvSpPr>
-          <p:cNvPr id="83" name="Google Shape;83;g38630c41966_1_10:notes"/>
-          <p:cNvSpPr/>
-          <p:nvPr>
-            <p:ph idx="2" type="sldImg"/>
-          </p:nvPr>
-        </p:nvSpPr>
-        <p:spPr>
-          <a:xfrm>
-            <a:off x="381300" y="685800"/>
-            <a:ext cx="6096000" cy="3429000"/>
-          </a:xfrm>
-          <a:custGeom>
-            <a:rect b="b" l="l" r="r" t="t"/>
-            <a:pathLst>
-              <a:path extrusionOk="0" h="120000" w="120000">
-                <a:moveTo>
-                  <a:pt x="0" y="0"/>
-                </a:moveTo>
-                <a:lnTo>
-                  <a:pt x="120000" y="0"/>
-                </a:lnTo>
-                <a:lnTo>
-                  <a:pt x="120000" y="120000"/>
-                </a:lnTo>
-                <a:lnTo>
-                  <a:pt x="0" y="120000"/>
-                </a:lnTo>
-                <a:close/>
-              </a:path>
-            </a:pathLst>
-          </a:custGeom>
-        </p:spPr>
-      </p:sp>
-      <p:sp>
-        <p:nvSpPr>
-          <p:cNvPr id="84" name="Google Shape;84;g38630c41966_1_10:notes"/>
-          <p:cNvSpPr txBox="1"/>
-          <p:nvPr>
-            <p:ph idx="1" type="body"/>
-          </p:nvPr>
-        </p:nvSpPr>
-        <p:spPr>
-          <a:xfrm>
-            <a:off x="685800" y="4343400"/>
-            <a:ext cx="5486400" cy="4114800"/>
-          </a:xfrm>
-          <a:prstGeom prst="rect">
-            <a:avLst/>
-          </a:prstGeom>
-        </p:spPr>
-        <p:txBody>
-          <a:bodyPr anchorCtr="0" anchor="t" bIns="91425" lIns="91425" spcFirstLastPara="1" rIns="91425" wrap="square" tIns="91425">
-            <a:noAutofit/>
-          </a:bodyPr>
-          <a:lstStyle/>
-          <a:p>
-            <a:pPr indent="0" lvl="0" marL="0" rtl="0" algn="l">
-              <a:spcBef>
-                <a:spcPts val="0"/>
-              </a:spcBef>
-              <a:spcAft>
-                <a:spcPts val="0"/>
-              </a:spcAft>
-              <a:buNone/>
-            </a:pPr>
-            <a:r>
-              <a:t/>
-            </a:r>
             <a:endParaRPr/>
           </a:p>
         </p:txBody>
@@ -1295,11 +1227,11 @@
 </file>
 
 <file path=ppt/slideLayouts/slideLayout1.xml><?xml version="1.0" encoding="utf-8"?>
-<p:sldLayout xmlns:a="http://schemas.openxmlformats.org/drawingml/2006/main" xmlns:r="http://schemas.openxmlformats.org/officeDocument/2006/relationships" xmlns:mc="http://schemas.openxmlformats.org/markup-compatibility/2006" xmlns:mv="urn:schemas-microsoft-com:mac:vml" xmlns:p="http://schemas.openxmlformats.org/presentationml/2006/main" xmlns:c="http://schemas.openxmlformats.org/drawingml/2006/chart" xmlns:dgm="http://schemas.openxmlformats.org/drawingml/2006/diagram" xmlns:o="urn:schemas-microsoft-com:office:office" xmlns:v="urn:schemas-microsoft-com:vml" xmlns:pvml="urn:schemas-microsoft-com:office:powerpoint" xmlns:com="http://schemas.openxmlformats.org/drawingml/2006/compatibility" xmlns:p14="http://schemas.microsoft.com/office/powerpoint/2010/main" xmlns:p15="http://schemas.microsoft.com/office/powerpoint/2012/main" xmlns:ahyp="http://schemas.microsoft.com/office/drawing/2018/hyperlinkcolor" matchingName="Title slide" type="title">
+<p:sldLayout xmlns:a="http://schemas.openxmlformats.org/drawingml/2006/main" xmlns:r="http://schemas.openxmlformats.org/officeDocument/2006/relationships" xmlns:p="http://schemas.openxmlformats.org/presentationml/2006/main" matchingName="Title slide" type="title">
   <p:cSld name="TITLE">
     <p:spTree>
       <p:nvGrpSpPr>
-        <p:cNvPr id="9" name="Shape 9"/>
+        <p:cNvPr id="1" name="Shape 9"/>
         <p:cNvGrpSpPr/>
         <p:nvPr/>
       </p:nvGrpSpPr>
@@ -1314,7 +1246,9 @@
       <p:sp>
         <p:nvSpPr>
           <p:cNvPr id="10" name="Google Shape;10;p2"/>
-          <p:cNvSpPr txBox="1"/>
+          <p:cNvSpPr txBox="1">
+            <a:spLocks noGrp="1"/>
+          </p:cNvSpPr>
           <p:nvPr>
             <p:ph type="ctrTitle"/>
           </p:nvPr>
@@ -1329,7 +1263,7 @@
           </a:prstGeom>
         </p:spPr>
         <p:txBody>
-          <a:bodyPr anchorCtr="0" anchor="b" bIns="91425" lIns="91425" spcFirstLastPara="1" rIns="91425" wrap="square" tIns="91425">
+          <a:bodyPr spcFirstLastPara="1" wrap="square" lIns="91425" tIns="91425" rIns="91425" bIns="91425" anchor="b" anchorCtr="0">
             <a:normAutofit/>
           </a:bodyPr>
           <a:lstStyle>
@@ -1433,15 +1367,19 @@
               <a:defRPr sz="5200"/>
             </a:lvl9pPr>
           </a:lstStyle>
-          <a:p/>
+          <a:p>
+            <a:endParaRPr/>
+          </a:p>
         </p:txBody>
       </p:sp>
       <p:sp>
         <p:nvSpPr>
           <p:cNvPr id="11" name="Google Shape;11;p2"/>
-          <p:cNvSpPr txBox="1"/>
+          <p:cNvSpPr txBox="1">
+            <a:spLocks noGrp="1"/>
+          </p:cNvSpPr>
           <p:nvPr>
-            <p:ph idx="1" type="subTitle"/>
+            <p:ph type="subTitle" idx="1"/>
           </p:nvPr>
         </p:nvSpPr>
         <p:spPr>
@@ -1454,7 +1392,7 @@
           </a:prstGeom>
         </p:spPr>
         <p:txBody>
-          <a:bodyPr anchorCtr="0" anchor="t" bIns="91425" lIns="91425" spcFirstLastPara="1" rIns="91425" wrap="square" tIns="91425">
+          <a:bodyPr spcFirstLastPara="1" wrap="square" lIns="91425" tIns="91425" rIns="91425" bIns="91425" anchor="t" anchorCtr="0">
             <a:normAutofit/>
           </a:bodyPr>
           <a:lstStyle>
@@ -1585,15 +1523,19 @@
               <a:defRPr sz="2800"/>
             </a:lvl9pPr>
           </a:lstStyle>
-          <a:p/>
+          <a:p>
+            <a:endParaRPr/>
+          </a:p>
         </p:txBody>
       </p:sp>
       <p:sp>
         <p:nvSpPr>
           <p:cNvPr id="12" name="Google Shape;12;p2"/>
-          <p:cNvSpPr txBox="1"/>
+          <p:cNvSpPr txBox="1">
+            <a:spLocks noGrp="1"/>
+          </p:cNvSpPr>
           <p:nvPr>
-            <p:ph idx="12" type="sldNum"/>
+            <p:ph type="sldNum" idx="12"/>
           </p:nvPr>
         </p:nvSpPr>
         <p:spPr>
@@ -1606,7 +1548,7 @@
           </a:prstGeom>
         </p:spPr>
         <p:txBody>
-          <a:bodyPr anchorCtr="0" anchor="ctr" bIns="91425" lIns="91425" spcFirstLastPara="1" rIns="91425" wrap="square" tIns="91425">
+          <a:bodyPr spcFirstLastPara="1" wrap="square" lIns="91425" tIns="91425" rIns="91425" bIns="91425" anchor="ctr" anchorCtr="0">
             <a:normAutofit/>
           </a:bodyPr>
           <a:lstStyle>
@@ -1648,7 +1590,7 @@
             </a:lvl9pPr>
           </a:lstStyle>
           <a:p>
-            <a:pPr indent="0" lvl="0" marL="0" rtl="0" algn="r">
+            <a:pPr marL="0" lvl="0" indent="0" algn="r" rtl="0">
               <a:spcBef>
                 <a:spcPts val="0"/>
               </a:spcBef>
@@ -1674,11 +1616,11 @@
 </file>
 
 <file path=ppt/slideLayouts/slideLayout10.xml><?xml version="1.0" encoding="utf-8"?>
-<p:sldLayout xmlns:a="http://schemas.openxmlformats.org/drawingml/2006/main" xmlns:r="http://schemas.openxmlformats.org/officeDocument/2006/relationships" xmlns:mc="http://schemas.openxmlformats.org/markup-compatibility/2006" xmlns:mv="urn:schemas-microsoft-com:mac:vml" xmlns:p="http://schemas.openxmlformats.org/presentationml/2006/main" xmlns:c="http://schemas.openxmlformats.org/drawingml/2006/chart" xmlns:dgm="http://schemas.openxmlformats.org/drawingml/2006/diagram" xmlns:o="urn:schemas-microsoft-com:office:office" xmlns:v="urn:schemas-microsoft-com:vml" xmlns:pvml="urn:schemas-microsoft-com:office:powerpoint" xmlns:com="http://schemas.openxmlformats.org/drawingml/2006/compatibility" xmlns:p14="http://schemas.microsoft.com/office/powerpoint/2010/main" xmlns:p15="http://schemas.microsoft.com/office/powerpoint/2012/main" xmlns:ahyp="http://schemas.microsoft.com/office/drawing/2018/hyperlinkcolor" matchingName="Big number">
+<p:sldLayout xmlns:a="http://schemas.openxmlformats.org/drawingml/2006/main" xmlns:r="http://schemas.openxmlformats.org/officeDocument/2006/relationships" xmlns:p="http://schemas.openxmlformats.org/presentationml/2006/main" matchingName="Big number">
   <p:cSld name="BIG_NUMBER">
     <p:spTree>
       <p:nvGrpSpPr>
-        <p:cNvPr id="44" name="Shape 44"/>
+        <p:cNvPr id="1" name="Shape 44"/>
         <p:cNvGrpSpPr/>
         <p:nvPr/>
       </p:nvGrpSpPr>
@@ -1693,9 +1635,11 @@
       <p:sp>
         <p:nvSpPr>
           <p:cNvPr id="45" name="Google Shape;45;p11"/>
-          <p:cNvSpPr txBox="1"/>
+          <p:cNvSpPr txBox="1">
+            <a:spLocks noGrp="1"/>
+          </p:cNvSpPr>
           <p:nvPr>
-            <p:ph hasCustomPrompt="1" type="title"/>
+            <p:ph type="title" hasCustomPrompt="1"/>
           </p:nvPr>
         </p:nvSpPr>
         <p:spPr>
@@ -1708,7 +1652,7 @@
           </a:prstGeom>
         </p:spPr>
         <p:txBody>
-          <a:bodyPr anchorCtr="0" anchor="b" bIns="91425" lIns="91425" spcFirstLastPara="1" rIns="91425" wrap="square" tIns="91425">
+          <a:bodyPr spcFirstLastPara="1" wrap="square" lIns="91425" tIns="91425" rIns="91425" bIns="91425" anchor="b" anchorCtr="0">
             <a:normAutofit/>
           </a:bodyPr>
           <a:lstStyle>
@@ -1822,9 +1766,11 @@
       <p:sp>
         <p:nvSpPr>
           <p:cNvPr id="46" name="Google Shape;46;p11"/>
-          <p:cNvSpPr txBox="1"/>
+          <p:cNvSpPr txBox="1">
+            <a:spLocks noGrp="1"/>
+          </p:cNvSpPr>
           <p:nvPr>
-            <p:ph idx="1" type="body"/>
+            <p:ph type="body" idx="1"/>
           </p:nvPr>
         </p:nvSpPr>
         <p:spPr>
@@ -1837,11 +1783,11 @@
           </a:prstGeom>
         </p:spPr>
         <p:txBody>
-          <a:bodyPr anchorCtr="0" anchor="t" bIns="91425" lIns="91425" spcFirstLastPara="1" rIns="91425" wrap="square" tIns="91425">
+          <a:bodyPr spcFirstLastPara="1" wrap="square" lIns="91425" tIns="91425" rIns="91425" bIns="91425" anchor="t" anchorCtr="0">
             <a:normAutofit/>
           </a:bodyPr>
           <a:lstStyle>
-            <a:lvl1pPr indent="-342900" lvl="0" marL="457200" algn="ctr">
+            <a:lvl1pPr marL="457200" lvl="0" indent="-342900" algn="ctr">
               <a:spcBef>
                 <a:spcPts val="0"/>
               </a:spcBef>
@@ -1852,7 +1798,7 @@
               <a:buChar char="●"/>
               <a:defRPr/>
             </a:lvl1pPr>
-            <a:lvl2pPr indent="-317500" lvl="1" marL="914400" algn="ctr">
+            <a:lvl2pPr marL="914400" lvl="1" indent="-317500" algn="ctr">
               <a:spcBef>
                 <a:spcPts val="0"/>
               </a:spcBef>
@@ -1863,7 +1809,7 @@
               <a:buChar char="○"/>
               <a:defRPr/>
             </a:lvl2pPr>
-            <a:lvl3pPr indent="-317500" lvl="2" marL="1371600" algn="ctr">
+            <a:lvl3pPr marL="1371600" lvl="2" indent="-317500" algn="ctr">
               <a:spcBef>
                 <a:spcPts val="0"/>
               </a:spcBef>
@@ -1874,7 +1820,7 @@
               <a:buChar char="■"/>
               <a:defRPr/>
             </a:lvl3pPr>
-            <a:lvl4pPr indent="-317500" lvl="3" marL="1828800" algn="ctr">
+            <a:lvl4pPr marL="1828800" lvl="3" indent="-317500" algn="ctr">
               <a:spcBef>
                 <a:spcPts val="0"/>
               </a:spcBef>
@@ -1885,7 +1831,7 @@
               <a:buChar char="●"/>
               <a:defRPr/>
             </a:lvl4pPr>
-            <a:lvl5pPr indent="-317500" lvl="4" marL="2286000" algn="ctr">
+            <a:lvl5pPr marL="2286000" lvl="4" indent="-317500" algn="ctr">
               <a:spcBef>
                 <a:spcPts val="0"/>
               </a:spcBef>
@@ -1896,7 +1842,7 @@
               <a:buChar char="○"/>
               <a:defRPr/>
             </a:lvl5pPr>
-            <a:lvl6pPr indent="-317500" lvl="5" marL="2743200" algn="ctr">
+            <a:lvl6pPr marL="2743200" lvl="5" indent="-317500" algn="ctr">
               <a:spcBef>
                 <a:spcPts val="0"/>
               </a:spcBef>
@@ -1907,7 +1853,7 @@
               <a:buChar char="■"/>
               <a:defRPr/>
             </a:lvl6pPr>
-            <a:lvl7pPr indent="-317500" lvl="6" marL="3200400" algn="ctr">
+            <a:lvl7pPr marL="3200400" lvl="6" indent="-317500" algn="ctr">
               <a:spcBef>
                 <a:spcPts val="0"/>
               </a:spcBef>
@@ -1918,7 +1864,7 @@
               <a:buChar char="●"/>
               <a:defRPr/>
             </a:lvl7pPr>
-            <a:lvl8pPr indent="-317500" lvl="7" marL="3657600" algn="ctr">
+            <a:lvl8pPr marL="3657600" lvl="7" indent="-317500" algn="ctr">
               <a:spcBef>
                 <a:spcPts val="0"/>
               </a:spcBef>
@@ -1929,7 +1875,7 @@
               <a:buChar char="○"/>
               <a:defRPr/>
             </a:lvl8pPr>
-            <a:lvl9pPr indent="-317500" lvl="8" marL="4114800" algn="ctr">
+            <a:lvl9pPr marL="4114800" lvl="8" indent="-317500" algn="ctr">
               <a:spcBef>
                 <a:spcPts val="0"/>
               </a:spcBef>
@@ -1941,15 +1887,19 @@
               <a:defRPr/>
             </a:lvl9pPr>
           </a:lstStyle>
-          <a:p/>
+          <a:p>
+            <a:endParaRPr/>
+          </a:p>
         </p:txBody>
       </p:sp>
       <p:sp>
         <p:nvSpPr>
           <p:cNvPr id="47" name="Google Shape;47;p11"/>
-          <p:cNvSpPr txBox="1"/>
+          <p:cNvSpPr txBox="1">
+            <a:spLocks noGrp="1"/>
+          </p:cNvSpPr>
           <p:nvPr>
-            <p:ph idx="12" type="sldNum"/>
+            <p:ph type="sldNum" idx="12"/>
           </p:nvPr>
         </p:nvSpPr>
         <p:spPr>
@@ -1962,7 +1912,7 @@
           </a:prstGeom>
         </p:spPr>
         <p:txBody>
-          <a:bodyPr anchorCtr="0" anchor="ctr" bIns="91425" lIns="91425" spcFirstLastPara="1" rIns="91425" wrap="square" tIns="91425">
+          <a:bodyPr spcFirstLastPara="1" wrap="square" lIns="91425" tIns="91425" rIns="91425" bIns="91425" anchor="ctr" anchorCtr="0">
             <a:normAutofit/>
           </a:bodyPr>
           <a:lstStyle>
@@ -2004,7 +1954,7 @@
             </a:lvl9pPr>
           </a:lstStyle>
           <a:p>
-            <a:pPr indent="0" lvl="0" marL="0" rtl="0" algn="r">
+            <a:pPr marL="0" lvl="0" indent="0" algn="r" rtl="0">
               <a:spcBef>
                 <a:spcPts val="0"/>
               </a:spcBef>
@@ -2030,11 +1980,11 @@
 </file>
 
 <file path=ppt/slideLayouts/slideLayout11.xml><?xml version="1.0" encoding="utf-8"?>
-<p:sldLayout xmlns:a="http://schemas.openxmlformats.org/drawingml/2006/main" xmlns:r="http://schemas.openxmlformats.org/officeDocument/2006/relationships" xmlns:mc="http://schemas.openxmlformats.org/markup-compatibility/2006" xmlns:mv="urn:schemas-microsoft-com:mac:vml" xmlns:p="http://schemas.openxmlformats.org/presentationml/2006/main" xmlns:c="http://schemas.openxmlformats.org/drawingml/2006/chart" xmlns:dgm="http://schemas.openxmlformats.org/drawingml/2006/diagram" xmlns:o="urn:schemas-microsoft-com:office:office" xmlns:v="urn:schemas-microsoft-com:vml" xmlns:pvml="urn:schemas-microsoft-com:office:powerpoint" xmlns:com="http://schemas.openxmlformats.org/drawingml/2006/compatibility" xmlns:p14="http://schemas.microsoft.com/office/powerpoint/2010/main" xmlns:p15="http://schemas.microsoft.com/office/powerpoint/2012/main" xmlns:ahyp="http://schemas.microsoft.com/office/drawing/2018/hyperlinkcolor" matchingName="Blank" type="blank">
+<p:sldLayout xmlns:a="http://schemas.openxmlformats.org/drawingml/2006/main" xmlns:r="http://schemas.openxmlformats.org/officeDocument/2006/relationships" xmlns:p="http://schemas.openxmlformats.org/presentationml/2006/main" matchingName="Blank" type="blank">
   <p:cSld name="BLANK">
     <p:spTree>
       <p:nvGrpSpPr>
-        <p:cNvPr id="48" name="Shape 48"/>
+        <p:cNvPr id="1" name="Shape 48"/>
         <p:cNvGrpSpPr/>
         <p:nvPr/>
       </p:nvGrpSpPr>
@@ -2049,9 +1999,11 @@
       <p:sp>
         <p:nvSpPr>
           <p:cNvPr id="49" name="Google Shape;49;p12"/>
-          <p:cNvSpPr txBox="1"/>
+          <p:cNvSpPr txBox="1">
+            <a:spLocks noGrp="1"/>
+          </p:cNvSpPr>
           <p:nvPr>
-            <p:ph idx="12" type="sldNum"/>
+            <p:ph type="sldNum" idx="12"/>
           </p:nvPr>
         </p:nvSpPr>
         <p:spPr>
@@ -2064,7 +2016,7 @@
           </a:prstGeom>
         </p:spPr>
         <p:txBody>
-          <a:bodyPr anchorCtr="0" anchor="ctr" bIns="91425" lIns="91425" spcFirstLastPara="1" rIns="91425" wrap="square" tIns="91425">
+          <a:bodyPr spcFirstLastPara="1" wrap="square" lIns="91425" tIns="91425" rIns="91425" bIns="91425" anchor="ctr" anchorCtr="0">
             <a:normAutofit/>
           </a:bodyPr>
           <a:lstStyle>
@@ -2106,7 +2058,7 @@
             </a:lvl9pPr>
           </a:lstStyle>
           <a:p>
-            <a:pPr indent="0" lvl="0" marL="0" rtl="0" algn="r">
+            <a:pPr marL="0" lvl="0" indent="0" algn="r" rtl="0">
               <a:spcBef>
                 <a:spcPts val="0"/>
               </a:spcBef>
@@ -2132,11 +2084,11 @@
 </file>
 
 <file path=ppt/slideLayouts/slideLayout2.xml><?xml version="1.0" encoding="utf-8"?>
-<p:sldLayout xmlns:a="http://schemas.openxmlformats.org/drawingml/2006/main" xmlns:r="http://schemas.openxmlformats.org/officeDocument/2006/relationships" xmlns:mc="http://schemas.openxmlformats.org/markup-compatibility/2006" xmlns:mv="urn:schemas-microsoft-com:mac:vml" xmlns:p="http://schemas.openxmlformats.org/presentationml/2006/main" xmlns:c="http://schemas.openxmlformats.org/drawingml/2006/chart" xmlns:dgm="http://schemas.openxmlformats.org/drawingml/2006/diagram" xmlns:o="urn:schemas-microsoft-com:office:office" xmlns:v="urn:schemas-microsoft-com:vml" xmlns:pvml="urn:schemas-microsoft-com:office:powerpoint" xmlns:com="http://schemas.openxmlformats.org/drawingml/2006/compatibility" xmlns:p14="http://schemas.microsoft.com/office/powerpoint/2010/main" xmlns:p15="http://schemas.microsoft.com/office/powerpoint/2012/main" xmlns:ahyp="http://schemas.microsoft.com/office/drawing/2018/hyperlinkcolor" matchingName="Section header" type="secHead">
+<p:sldLayout xmlns:a="http://schemas.openxmlformats.org/drawingml/2006/main" xmlns:r="http://schemas.openxmlformats.org/officeDocument/2006/relationships" xmlns:p="http://schemas.openxmlformats.org/presentationml/2006/main" matchingName="Section header" type="secHead">
   <p:cSld name="SECTION_HEADER">
     <p:spTree>
       <p:nvGrpSpPr>
-        <p:cNvPr id="13" name="Shape 13"/>
+        <p:cNvPr id="1" name="Shape 13"/>
         <p:cNvGrpSpPr/>
         <p:nvPr/>
       </p:nvGrpSpPr>
@@ -2151,7 +2103,9 @@
       <p:sp>
         <p:nvSpPr>
           <p:cNvPr id="14" name="Google Shape;14;p3"/>
-          <p:cNvSpPr txBox="1"/>
+          <p:cNvSpPr txBox="1">
+            <a:spLocks noGrp="1"/>
+          </p:cNvSpPr>
           <p:nvPr>
             <p:ph type="title"/>
           </p:nvPr>
@@ -2166,7 +2120,7 @@
           </a:prstGeom>
         </p:spPr>
         <p:txBody>
-          <a:bodyPr anchorCtr="0" anchor="ctr" bIns="91425" lIns="91425" spcFirstLastPara="1" rIns="91425" wrap="square" tIns="91425">
+          <a:bodyPr spcFirstLastPara="1" wrap="square" lIns="91425" tIns="91425" rIns="91425" bIns="91425" anchor="ctr" anchorCtr="0">
             <a:normAutofit/>
           </a:bodyPr>
           <a:lstStyle>
@@ -2270,15 +2224,19 @@
               <a:defRPr sz="3600"/>
             </a:lvl9pPr>
           </a:lstStyle>
-          <a:p/>
+          <a:p>
+            <a:endParaRPr/>
+          </a:p>
         </p:txBody>
       </p:sp>
       <p:sp>
         <p:nvSpPr>
           <p:cNvPr id="15" name="Google Shape;15;p3"/>
-          <p:cNvSpPr txBox="1"/>
+          <p:cNvSpPr txBox="1">
+            <a:spLocks noGrp="1"/>
+          </p:cNvSpPr>
           <p:nvPr>
-            <p:ph idx="12" type="sldNum"/>
+            <p:ph type="sldNum" idx="12"/>
           </p:nvPr>
         </p:nvSpPr>
         <p:spPr>
@@ -2291,7 +2249,7 @@
           </a:prstGeom>
         </p:spPr>
         <p:txBody>
-          <a:bodyPr anchorCtr="0" anchor="ctr" bIns="91425" lIns="91425" spcFirstLastPara="1" rIns="91425" wrap="square" tIns="91425">
+          <a:bodyPr spcFirstLastPara="1" wrap="square" lIns="91425" tIns="91425" rIns="91425" bIns="91425" anchor="ctr" anchorCtr="0">
             <a:normAutofit/>
           </a:bodyPr>
           <a:lstStyle>
@@ -2333,7 +2291,7 @@
             </a:lvl9pPr>
           </a:lstStyle>
           <a:p>
-            <a:pPr indent="0" lvl="0" marL="0" rtl="0" algn="r">
+            <a:pPr marL="0" lvl="0" indent="0" algn="r" rtl="0">
               <a:spcBef>
                 <a:spcPts val="0"/>
               </a:spcBef>
@@ -2359,11 +2317,11 @@
 </file>
 
 <file path=ppt/slideLayouts/slideLayout3.xml><?xml version="1.0" encoding="utf-8"?>
-<p:sldLayout xmlns:a="http://schemas.openxmlformats.org/drawingml/2006/main" xmlns:r="http://schemas.openxmlformats.org/officeDocument/2006/relationships" xmlns:mc="http://schemas.openxmlformats.org/markup-compatibility/2006" xmlns:mv="urn:schemas-microsoft-com:mac:vml" xmlns:p="http://schemas.openxmlformats.org/presentationml/2006/main" xmlns:c="http://schemas.openxmlformats.org/drawingml/2006/chart" xmlns:dgm="http://schemas.openxmlformats.org/drawingml/2006/diagram" xmlns:o="urn:schemas-microsoft-com:office:office" xmlns:v="urn:schemas-microsoft-com:vml" xmlns:pvml="urn:schemas-microsoft-com:office:powerpoint" xmlns:com="http://schemas.openxmlformats.org/drawingml/2006/compatibility" xmlns:p14="http://schemas.microsoft.com/office/powerpoint/2010/main" xmlns:p15="http://schemas.microsoft.com/office/powerpoint/2012/main" xmlns:ahyp="http://schemas.microsoft.com/office/drawing/2018/hyperlinkcolor" matchingName="Title and body" type="tx">
+<p:sldLayout xmlns:a="http://schemas.openxmlformats.org/drawingml/2006/main" xmlns:r="http://schemas.openxmlformats.org/officeDocument/2006/relationships" xmlns:p="http://schemas.openxmlformats.org/presentationml/2006/main" matchingName="Title and body" type="tx">
   <p:cSld name="TITLE_AND_BODY">
     <p:spTree>
       <p:nvGrpSpPr>
-        <p:cNvPr id="16" name="Shape 16"/>
+        <p:cNvPr id="1" name="Shape 16"/>
         <p:cNvGrpSpPr/>
         <p:nvPr/>
       </p:nvGrpSpPr>
@@ -2378,7 +2336,9 @@
       <p:sp>
         <p:nvSpPr>
           <p:cNvPr id="17" name="Google Shape;17;p4"/>
-          <p:cNvSpPr txBox="1"/>
+          <p:cNvSpPr txBox="1">
+            <a:spLocks noGrp="1"/>
+          </p:cNvSpPr>
           <p:nvPr>
             <p:ph type="title"/>
           </p:nvPr>
@@ -2393,7 +2353,7 @@
           </a:prstGeom>
         </p:spPr>
         <p:txBody>
-          <a:bodyPr anchorCtr="0" anchor="t" bIns="91425" lIns="91425" spcFirstLastPara="1" rIns="91425" wrap="square" tIns="91425">
+          <a:bodyPr spcFirstLastPara="1" wrap="square" lIns="91425" tIns="91425" rIns="91425" bIns="91425" anchor="t" anchorCtr="0">
             <a:normAutofit/>
           </a:bodyPr>
           <a:lstStyle>
@@ -2497,15 +2457,19 @@
               <a:defRPr/>
             </a:lvl9pPr>
           </a:lstStyle>
-          <a:p/>
+          <a:p>
+            <a:endParaRPr/>
+          </a:p>
         </p:txBody>
       </p:sp>
       <p:sp>
         <p:nvSpPr>
           <p:cNvPr id="18" name="Google Shape;18;p4"/>
-          <p:cNvSpPr txBox="1"/>
+          <p:cNvSpPr txBox="1">
+            <a:spLocks noGrp="1"/>
+          </p:cNvSpPr>
           <p:nvPr>
-            <p:ph idx="1" type="body"/>
+            <p:ph type="body" idx="1"/>
           </p:nvPr>
         </p:nvSpPr>
         <p:spPr>
@@ -2518,11 +2482,11 @@
           </a:prstGeom>
         </p:spPr>
         <p:txBody>
-          <a:bodyPr anchorCtr="0" anchor="t" bIns="91425" lIns="91425" spcFirstLastPara="1" rIns="91425" wrap="square" tIns="91425">
+          <a:bodyPr spcFirstLastPara="1" wrap="square" lIns="91425" tIns="91425" rIns="91425" bIns="91425" anchor="t" anchorCtr="0">
             <a:normAutofit/>
           </a:bodyPr>
           <a:lstStyle>
-            <a:lvl1pPr indent="-342900" lvl="0" marL="457200">
+            <a:lvl1pPr marL="457200" lvl="0" indent="-342900">
               <a:spcBef>
                 <a:spcPts val="0"/>
               </a:spcBef>
@@ -2533,7 +2497,7 @@
               <a:buChar char="●"/>
               <a:defRPr/>
             </a:lvl1pPr>
-            <a:lvl2pPr indent="-317500" lvl="1" marL="914400">
+            <a:lvl2pPr marL="914400" lvl="1" indent="-317500">
               <a:spcBef>
                 <a:spcPts val="0"/>
               </a:spcBef>
@@ -2544,7 +2508,7 @@
               <a:buChar char="○"/>
               <a:defRPr/>
             </a:lvl2pPr>
-            <a:lvl3pPr indent="-317500" lvl="2" marL="1371600">
+            <a:lvl3pPr marL="1371600" lvl="2" indent="-317500">
               <a:spcBef>
                 <a:spcPts val="0"/>
               </a:spcBef>
@@ -2555,7 +2519,7 @@
               <a:buChar char="■"/>
               <a:defRPr/>
             </a:lvl3pPr>
-            <a:lvl4pPr indent="-317500" lvl="3" marL="1828800">
+            <a:lvl4pPr marL="1828800" lvl="3" indent="-317500">
               <a:spcBef>
                 <a:spcPts val="0"/>
               </a:spcBef>
@@ -2566,7 +2530,7 @@
               <a:buChar char="●"/>
               <a:defRPr/>
             </a:lvl4pPr>
-            <a:lvl5pPr indent="-317500" lvl="4" marL="2286000">
+            <a:lvl5pPr marL="2286000" lvl="4" indent="-317500">
               <a:spcBef>
                 <a:spcPts val="0"/>
               </a:spcBef>
@@ -2577,7 +2541,7 @@
               <a:buChar char="○"/>
               <a:defRPr/>
             </a:lvl5pPr>
-            <a:lvl6pPr indent="-317500" lvl="5" marL="2743200">
+            <a:lvl6pPr marL="2743200" lvl="5" indent="-317500">
               <a:spcBef>
                 <a:spcPts val="0"/>
               </a:spcBef>
@@ -2588,7 +2552,7 @@
               <a:buChar char="■"/>
               <a:defRPr/>
             </a:lvl6pPr>
-            <a:lvl7pPr indent="-317500" lvl="6" marL="3200400">
+            <a:lvl7pPr marL="3200400" lvl="6" indent="-317500">
               <a:spcBef>
                 <a:spcPts val="0"/>
               </a:spcBef>
@@ -2599,7 +2563,7 @@
               <a:buChar char="●"/>
               <a:defRPr/>
             </a:lvl7pPr>
-            <a:lvl8pPr indent="-317500" lvl="7" marL="3657600">
+            <a:lvl8pPr marL="3657600" lvl="7" indent="-317500">
               <a:spcBef>
                 <a:spcPts val="0"/>
               </a:spcBef>
@@ -2610,7 +2574,7 @@
               <a:buChar char="○"/>
               <a:defRPr/>
             </a:lvl8pPr>
-            <a:lvl9pPr indent="-317500" lvl="8" marL="4114800">
+            <a:lvl9pPr marL="4114800" lvl="8" indent="-317500">
               <a:spcBef>
                 <a:spcPts val="0"/>
               </a:spcBef>
@@ -2622,15 +2586,19 @@
               <a:defRPr/>
             </a:lvl9pPr>
           </a:lstStyle>
-          <a:p/>
+          <a:p>
+            <a:endParaRPr/>
+          </a:p>
         </p:txBody>
       </p:sp>
       <p:sp>
         <p:nvSpPr>
           <p:cNvPr id="19" name="Google Shape;19;p4"/>
-          <p:cNvSpPr txBox="1"/>
+          <p:cNvSpPr txBox="1">
+            <a:spLocks noGrp="1"/>
+          </p:cNvSpPr>
           <p:nvPr>
-            <p:ph idx="12" type="sldNum"/>
+            <p:ph type="sldNum" idx="12"/>
           </p:nvPr>
         </p:nvSpPr>
         <p:spPr>
@@ -2643,7 +2611,7 @@
           </a:prstGeom>
         </p:spPr>
         <p:txBody>
-          <a:bodyPr anchorCtr="0" anchor="ctr" bIns="91425" lIns="91425" spcFirstLastPara="1" rIns="91425" wrap="square" tIns="91425">
+          <a:bodyPr spcFirstLastPara="1" wrap="square" lIns="91425" tIns="91425" rIns="91425" bIns="91425" anchor="ctr" anchorCtr="0">
             <a:normAutofit/>
           </a:bodyPr>
           <a:lstStyle>
@@ -2685,7 +2653,7 @@
             </a:lvl9pPr>
           </a:lstStyle>
           <a:p>
-            <a:pPr indent="0" lvl="0" marL="0" rtl="0" algn="r">
+            <a:pPr marL="0" lvl="0" indent="0" algn="r" rtl="0">
               <a:spcBef>
                 <a:spcPts val="0"/>
               </a:spcBef>
@@ -2711,11 +2679,11 @@
 </file>
 
 <file path=ppt/slideLayouts/slideLayout4.xml><?xml version="1.0" encoding="utf-8"?>
-<p:sldLayout xmlns:a="http://schemas.openxmlformats.org/drawingml/2006/main" xmlns:r="http://schemas.openxmlformats.org/officeDocument/2006/relationships" xmlns:mc="http://schemas.openxmlformats.org/markup-compatibility/2006" xmlns:mv="urn:schemas-microsoft-com:mac:vml" xmlns:p="http://schemas.openxmlformats.org/presentationml/2006/main" xmlns:c="http://schemas.openxmlformats.org/drawingml/2006/chart" xmlns:dgm="http://schemas.openxmlformats.org/drawingml/2006/diagram" xmlns:o="urn:schemas-microsoft-com:office:office" xmlns:v="urn:schemas-microsoft-com:vml" xmlns:pvml="urn:schemas-microsoft-com:office:powerpoint" xmlns:com="http://schemas.openxmlformats.org/drawingml/2006/compatibility" xmlns:p14="http://schemas.microsoft.com/office/powerpoint/2010/main" xmlns:p15="http://schemas.microsoft.com/office/powerpoint/2012/main" xmlns:ahyp="http://schemas.microsoft.com/office/drawing/2018/hyperlinkcolor" matchingName="Title and two columns" type="twoColTx">
+<p:sldLayout xmlns:a="http://schemas.openxmlformats.org/drawingml/2006/main" xmlns:r="http://schemas.openxmlformats.org/officeDocument/2006/relationships" xmlns:p="http://schemas.openxmlformats.org/presentationml/2006/main" matchingName="Title and two columns" type="twoColTx">
   <p:cSld name="TITLE_AND_TWO_COLUMNS">
     <p:spTree>
       <p:nvGrpSpPr>
-        <p:cNvPr id="20" name="Shape 20"/>
+        <p:cNvPr id="1" name="Shape 20"/>
         <p:cNvGrpSpPr/>
         <p:nvPr/>
       </p:nvGrpSpPr>
@@ -2730,7 +2698,9 @@
       <p:sp>
         <p:nvSpPr>
           <p:cNvPr id="21" name="Google Shape;21;p5"/>
-          <p:cNvSpPr txBox="1"/>
+          <p:cNvSpPr txBox="1">
+            <a:spLocks noGrp="1"/>
+          </p:cNvSpPr>
           <p:nvPr>
             <p:ph type="title"/>
           </p:nvPr>
@@ -2745,7 +2715,7 @@
           </a:prstGeom>
         </p:spPr>
         <p:txBody>
-          <a:bodyPr anchorCtr="0" anchor="t" bIns="91425" lIns="91425" spcFirstLastPara="1" rIns="91425" wrap="square" tIns="91425">
+          <a:bodyPr spcFirstLastPara="1" wrap="square" lIns="91425" tIns="91425" rIns="91425" bIns="91425" anchor="t" anchorCtr="0">
             <a:normAutofit/>
           </a:bodyPr>
           <a:lstStyle>
@@ -2849,15 +2819,19 @@
               <a:defRPr/>
             </a:lvl9pPr>
           </a:lstStyle>
-          <a:p/>
+          <a:p>
+            <a:endParaRPr/>
+          </a:p>
         </p:txBody>
       </p:sp>
       <p:sp>
         <p:nvSpPr>
           <p:cNvPr id="22" name="Google Shape;22;p5"/>
-          <p:cNvSpPr txBox="1"/>
+          <p:cNvSpPr txBox="1">
+            <a:spLocks noGrp="1"/>
+          </p:cNvSpPr>
           <p:nvPr>
-            <p:ph idx="1" type="body"/>
+            <p:ph type="body" idx="1"/>
           </p:nvPr>
         </p:nvSpPr>
         <p:spPr>
@@ -2870,11 +2844,11 @@
           </a:prstGeom>
         </p:spPr>
         <p:txBody>
-          <a:bodyPr anchorCtr="0" anchor="t" bIns="91425" lIns="91425" spcFirstLastPara="1" rIns="91425" wrap="square" tIns="91425">
+          <a:bodyPr spcFirstLastPara="1" wrap="square" lIns="91425" tIns="91425" rIns="91425" bIns="91425" anchor="t" anchorCtr="0">
             <a:normAutofit/>
           </a:bodyPr>
           <a:lstStyle>
-            <a:lvl1pPr indent="-317500" lvl="0" marL="457200">
+            <a:lvl1pPr marL="457200" lvl="0" indent="-317500">
               <a:spcBef>
                 <a:spcPts val="0"/>
               </a:spcBef>
@@ -2885,7 +2859,7 @@
               <a:buChar char="●"/>
               <a:defRPr sz="1400"/>
             </a:lvl1pPr>
-            <a:lvl2pPr indent="-304800" lvl="1" marL="914400">
+            <a:lvl2pPr marL="914400" lvl="1" indent="-304800">
               <a:spcBef>
                 <a:spcPts val="0"/>
               </a:spcBef>
@@ -2896,7 +2870,7 @@
               <a:buChar char="○"/>
               <a:defRPr sz="1200"/>
             </a:lvl2pPr>
-            <a:lvl3pPr indent="-304800" lvl="2" marL="1371600">
+            <a:lvl3pPr marL="1371600" lvl="2" indent="-304800">
               <a:spcBef>
                 <a:spcPts val="0"/>
               </a:spcBef>
@@ -2907,7 +2881,7 @@
               <a:buChar char="■"/>
               <a:defRPr sz="1200"/>
             </a:lvl3pPr>
-            <a:lvl4pPr indent="-304800" lvl="3" marL="1828800">
+            <a:lvl4pPr marL="1828800" lvl="3" indent="-304800">
               <a:spcBef>
                 <a:spcPts val="0"/>
               </a:spcBef>
@@ -2918,7 +2892,7 @@
               <a:buChar char="●"/>
               <a:defRPr sz="1200"/>
             </a:lvl4pPr>
-            <a:lvl5pPr indent="-304800" lvl="4" marL="2286000">
+            <a:lvl5pPr marL="2286000" lvl="4" indent="-304800">
               <a:spcBef>
                 <a:spcPts val="0"/>
               </a:spcBef>
@@ -2929,7 +2903,7 @@
               <a:buChar char="○"/>
               <a:defRPr sz="1200"/>
             </a:lvl5pPr>
-            <a:lvl6pPr indent="-304800" lvl="5" marL="2743200">
+            <a:lvl6pPr marL="2743200" lvl="5" indent="-304800">
               <a:spcBef>
                 <a:spcPts val="0"/>
               </a:spcBef>
@@ -2940,7 +2914,7 @@
               <a:buChar char="■"/>
               <a:defRPr sz="1200"/>
             </a:lvl6pPr>
-            <a:lvl7pPr indent="-304800" lvl="6" marL="3200400">
+            <a:lvl7pPr marL="3200400" lvl="6" indent="-304800">
               <a:spcBef>
                 <a:spcPts val="0"/>
               </a:spcBef>
@@ -2951,7 +2925,7 @@
               <a:buChar char="●"/>
               <a:defRPr sz="1200"/>
             </a:lvl7pPr>
-            <a:lvl8pPr indent="-304800" lvl="7" marL="3657600">
+            <a:lvl8pPr marL="3657600" lvl="7" indent="-304800">
               <a:spcBef>
                 <a:spcPts val="0"/>
               </a:spcBef>
@@ -2962,7 +2936,7 @@
               <a:buChar char="○"/>
               <a:defRPr sz="1200"/>
             </a:lvl8pPr>
-            <a:lvl9pPr indent="-304800" lvl="8" marL="4114800">
+            <a:lvl9pPr marL="4114800" lvl="8" indent="-304800">
               <a:spcBef>
                 <a:spcPts val="0"/>
               </a:spcBef>
@@ -2974,15 +2948,19 @@
               <a:defRPr sz="1200"/>
             </a:lvl9pPr>
           </a:lstStyle>
-          <a:p/>
+          <a:p>
+            <a:endParaRPr/>
+          </a:p>
         </p:txBody>
       </p:sp>
       <p:sp>
         <p:nvSpPr>
           <p:cNvPr id="23" name="Google Shape;23;p5"/>
-          <p:cNvSpPr txBox="1"/>
+          <p:cNvSpPr txBox="1">
+            <a:spLocks noGrp="1"/>
+          </p:cNvSpPr>
           <p:nvPr>
-            <p:ph idx="2" type="body"/>
+            <p:ph type="body" idx="2"/>
           </p:nvPr>
         </p:nvSpPr>
         <p:spPr>
@@ -2995,11 +2973,11 @@
           </a:prstGeom>
         </p:spPr>
         <p:txBody>
-          <a:bodyPr anchorCtr="0" anchor="t" bIns="91425" lIns="91425" spcFirstLastPara="1" rIns="91425" wrap="square" tIns="91425">
+          <a:bodyPr spcFirstLastPara="1" wrap="square" lIns="91425" tIns="91425" rIns="91425" bIns="91425" anchor="t" anchorCtr="0">
             <a:normAutofit/>
           </a:bodyPr>
           <a:lstStyle>
-            <a:lvl1pPr indent="-317500" lvl="0" marL="457200">
+            <a:lvl1pPr marL="457200" lvl="0" indent="-317500">
               <a:spcBef>
                 <a:spcPts val="0"/>
               </a:spcBef>
@@ -3010,7 +2988,7 @@
               <a:buChar char="●"/>
               <a:defRPr sz="1400"/>
             </a:lvl1pPr>
-            <a:lvl2pPr indent="-304800" lvl="1" marL="914400">
+            <a:lvl2pPr marL="914400" lvl="1" indent="-304800">
               <a:spcBef>
                 <a:spcPts val="0"/>
               </a:spcBef>
@@ -3021,7 +2999,7 @@
               <a:buChar char="○"/>
               <a:defRPr sz="1200"/>
             </a:lvl2pPr>
-            <a:lvl3pPr indent="-304800" lvl="2" marL="1371600">
+            <a:lvl3pPr marL="1371600" lvl="2" indent="-304800">
               <a:spcBef>
                 <a:spcPts val="0"/>
               </a:spcBef>
@@ -3032,7 +3010,7 @@
               <a:buChar char="■"/>
               <a:defRPr sz="1200"/>
             </a:lvl3pPr>
-            <a:lvl4pPr indent="-304800" lvl="3" marL="1828800">
+            <a:lvl4pPr marL="1828800" lvl="3" indent="-304800">
               <a:spcBef>
                 <a:spcPts val="0"/>
               </a:spcBef>
@@ -3043,7 +3021,7 @@
               <a:buChar char="●"/>
               <a:defRPr sz="1200"/>
             </a:lvl4pPr>
-            <a:lvl5pPr indent="-304800" lvl="4" marL="2286000">
+            <a:lvl5pPr marL="2286000" lvl="4" indent="-304800">
               <a:spcBef>
                 <a:spcPts val="0"/>
               </a:spcBef>
@@ -3054,7 +3032,7 @@
               <a:buChar char="○"/>
               <a:defRPr sz="1200"/>
             </a:lvl5pPr>
-            <a:lvl6pPr indent="-304800" lvl="5" marL="2743200">
+            <a:lvl6pPr marL="2743200" lvl="5" indent="-304800">
               <a:spcBef>
                 <a:spcPts val="0"/>
               </a:spcBef>
@@ -3065,7 +3043,7 @@
               <a:buChar char="■"/>
               <a:defRPr sz="1200"/>
             </a:lvl6pPr>
-            <a:lvl7pPr indent="-304800" lvl="6" marL="3200400">
+            <a:lvl7pPr marL="3200400" lvl="6" indent="-304800">
               <a:spcBef>
                 <a:spcPts val="0"/>
               </a:spcBef>
@@ -3076,7 +3054,7 @@
               <a:buChar char="●"/>
               <a:defRPr sz="1200"/>
             </a:lvl7pPr>
-            <a:lvl8pPr indent="-304800" lvl="7" marL="3657600">
+            <a:lvl8pPr marL="3657600" lvl="7" indent="-304800">
               <a:spcBef>
                 <a:spcPts val="0"/>
               </a:spcBef>
@@ -3087,7 +3065,7 @@
               <a:buChar char="○"/>
               <a:defRPr sz="1200"/>
             </a:lvl8pPr>
-            <a:lvl9pPr indent="-304800" lvl="8" marL="4114800">
+            <a:lvl9pPr marL="4114800" lvl="8" indent="-304800">
               <a:spcBef>
                 <a:spcPts val="0"/>
               </a:spcBef>
@@ -3099,15 +3077,19 @@
               <a:defRPr sz="1200"/>
             </a:lvl9pPr>
           </a:lstStyle>
-          <a:p/>
+          <a:p>
+            <a:endParaRPr/>
+          </a:p>
         </p:txBody>
       </p:sp>
       <p:sp>
         <p:nvSpPr>
           <p:cNvPr id="24" name="Google Shape;24;p5"/>
-          <p:cNvSpPr txBox="1"/>
+          <p:cNvSpPr txBox="1">
+            <a:spLocks noGrp="1"/>
+          </p:cNvSpPr>
           <p:nvPr>
-            <p:ph idx="12" type="sldNum"/>
+            <p:ph type="sldNum" idx="12"/>
           </p:nvPr>
         </p:nvSpPr>
         <p:spPr>
@@ -3120,7 +3102,7 @@
           </a:prstGeom>
         </p:spPr>
         <p:txBody>
-          <a:bodyPr anchorCtr="0" anchor="ctr" bIns="91425" lIns="91425" spcFirstLastPara="1" rIns="91425" wrap="square" tIns="91425">
+          <a:bodyPr spcFirstLastPara="1" wrap="square" lIns="91425" tIns="91425" rIns="91425" bIns="91425" anchor="ctr" anchorCtr="0">
             <a:normAutofit/>
           </a:bodyPr>
           <a:lstStyle>
@@ -3162,7 +3144,7 @@
             </a:lvl9pPr>
           </a:lstStyle>
           <a:p>
-            <a:pPr indent="0" lvl="0" marL="0" rtl="0" algn="r">
+            <a:pPr marL="0" lvl="0" indent="0" algn="r" rtl="0">
               <a:spcBef>
                 <a:spcPts val="0"/>
               </a:spcBef>
@@ -3188,11 +3170,11 @@
 </file>
 
 <file path=ppt/slideLayouts/slideLayout5.xml><?xml version="1.0" encoding="utf-8"?>
-<p:sldLayout xmlns:a="http://schemas.openxmlformats.org/drawingml/2006/main" xmlns:r="http://schemas.openxmlformats.org/officeDocument/2006/relationships" xmlns:mc="http://schemas.openxmlformats.org/markup-compatibility/2006" xmlns:mv="urn:schemas-microsoft-com:mac:vml" xmlns:p="http://schemas.openxmlformats.org/presentationml/2006/main" xmlns:c="http://schemas.openxmlformats.org/drawingml/2006/chart" xmlns:dgm="http://schemas.openxmlformats.org/drawingml/2006/diagram" xmlns:o="urn:schemas-microsoft-com:office:office" xmlns:v="urn:schemas-microsoft-com:vml" xmlns:pvml="urn:schemas-microsoft-com:office:powerpoint" xmlns:com="http://schemas.openxmlformats.org/drawingml/2006/compatibility" xmlns:p14="http://schemas.microsoft.com/office/powerpoint/2010/main" xmlns:p15="http://schemas.microsoft.com/office/powerpoint/2012/main" xmlns:ahyp="http://schemas.microsoft.com/office/drawing/2018/hyperlinkcolor" matchingName="Title only" type="titleOnly">
+<p:sldLayout xmlns:a="http://schemas.openxmlformats.org/drawingml/2006/main" xmlns:r="http://schemas.openxmlformats.org/officeDocument/2006/relationships" xmlns:p="http://schemas.openxmlformats.org/presentationml/2006/main" matchingName="Title only" type="titleOnly">
   <p:cSld name="TITLE_ONLY">
     <p:spTree>
       <p:nvGrpSpPr>
-        <p:cNvPr id="25" name="Shape 25"/>
+        <p:cNvPr id="1" name="Shape 25"/>
         <p:cNvGrpSpPr/>
         <p:nvPr/>
       </p:nvGrpSpPr>
@@ -3207,7 +3189,9 @@
       <p:sp>
         <p:nvSpPr>
           <p:cNvPr id="26" name="Google Shape;26;p6"/>
-          <p:cNvSpPr txBox="1"/>
+          <p:cNvSpPr txBox="1">
+            <a:spLocks noGrp="1"/>
+          </p:cNvSpPr>
           <p:nvPr>
             <p:ph type="title"/>
           </p:nvPr>
@@ -3222,7 +3206,7 @@
           </a:prstGeom>
         </p:spPr>
         <p:txBody>
-          <a:bodyPr anchorCtr="0" anchor="t" bIns="91425" lIns="91425" spcFirstLastPara="1" rIns="91425" wrap="square" tIns="91425">
+          <a:bodyPr spcFirstLastPara="1" wrap="square" lIns="91425" tIns="91425" rIns="91425" bIns="91425" anchor="t" anchorCtr="0">
             <a:normAutofit/>
           </a:bodyPr>
           <a:lstStyle>
@@ -3326,15 +3310,19 @@
               <a:defRPr/>
             </a:lvl9pPr>
           </a:lstStyle>
-          <a:p/>
+          <a:p>
+            <a:endParaRPr/>
+          </a:p>
         </p:txBody>
       </p:sp>
       <p:sp>
         <p:nvSpPr>
           <p:cNvPr id="27" name="Google Shape;27;p6"/>
-          <p:cNvSpPr txBox="1"/>
+          <p:cNvSpPr txBox="1">
+            <a:spLocks noGrp="1"/>
+          </p:cNvSpPr>
           <p:nvPr>
-            <p:ph idx="12" type="sldNum"/>
+            <p:ph type="sldNum" idx="12"/>
           </p:nvPr>
         </p:nvSpPr>
         <p:spPr>
@@ -3347,7 +3335,7 @@
           </a:prstGeom>
         </p:spPr>
         <p:txBody>
-          <a:bodyPr anchorCtr="0" anchor="ctr" bIns="91425" lIns="91425" spcFirstLastPara="1" rIns="91425" wrap="square" tIns="91425">
+          <a:bodyPr spcFirstLastPara="1" wrap="square" lIns="91425" tIns="91425" rIns="91425" bIns="91425" anchor="ctr" anchorCtr="0">
             <a:normAutofit/>
           </a:bodyPr>
           <a:lstStyle>
@@ -3389,7 +3377,7 @@
             </a:lvl9pPr>
           </a:lstStyle>
           <a:p>
-            <a:pPr indent="0" lvl="0" marL="0" rtl="0" algn="r">
+            <a:pPr marL="0" lvl="0" indent="0" algn="r" rtl="0">
               <a:spcBef>
                 <a:spcPts val="0"/>
               </a:spcBef>
@@ -3415,11 +3403,11 @@
 </file>
 
 <file path=ppt/slideLayouts/slideLayout6.xml><?xml version="1.0" encoding="utf-8"?>
-<p:sldLayout xmlns:a="http://schemas.openxmlformats.org/drawingml/2006/main" xmlns:r="http://schemas.openxmlformats.org/officeDocument/2006/relationships" xmlns:mc="http://schemas.openxmlformats.org/markup-compatibility/2006" xmlns:mv="urn:schemas-microsoft-com:mac:vml" xmlns:p="http://schemas.openxmlformats.org/presentationml/2006/main" xmlns:c="http://schemas.openxmlformats.org/drawingml/2006/chart" xmlns:dgm="http://schemas.openxmlformats.org/drawingml/2006/diagram" xmlns:o="urn:schemas-microsoft-com:office:office" xmlns:v="urn:schemas-microsoft-com:vml" xmlns:pvml="urn:schemas-microsoft-com:office:powerpoint" xmlns:com="http://schemas.openxmlformats.org/drawingml/2006/compatibility" xmlns:p14="http://schemas.microsoft.com/office/powerpoint/2010/main" xmlns:p15="http://schemas.microsoft.com/office/powerpoint/2012/main" xmlns:ahyp="http://schemas.microsoft.com/office/drawing/2018/hyperlinkcolor" matchingName="One column text">
+<p:sldLayout xmlns:a="http://schemas.openxmlformats.org/drawingml/2006/main" xmlns:r="http://schemas.openxmlformats.org/officeDocument/2006/relationships" xmlns:p="http://schemas.openxmlformats.org/presentationml/2006/main" matchingName="One column text">
   <p:cSld name="ONE_COLUMN_TEXT">
     <p:spTree>
       <p:nvGrpSpPr>
-        <p:cNvPr id="28" name="Shape 28"/>
+        <p:cNvPr id="1" name="Shape 28"/>
         <p:cNvGrpSpPr/>
         <p:nvPr/>
       </p:nvGrpSpPr>
@@ -3434,7 +3422,9 @@
       <p:sp>
         <p:nvSpPr>
           <p:cNvPr id="29" name="Google Shape;29;p7"/>
-          <p:cNvSpPr txBox="1"/>
+          <p:cNvSpPr txBox="1">
+            <a:spLocks noGrp="1"/>
+          </p:cNvSpPr>
           <p:nvPr>
             <p:ph type="title"/>
           </p:nvPr>
@@ -3449,7 +3439,7 @@
           </a:prstGeom>
         </p:spPr>
         <p:txBody>
-          <a:bodyPr anchorCtr="0" anchor="b" bIns="91425" lIns="91425" spcFirstLastPara="1" rIns="91425" wrap="square" tIns="91425">
+          <a:bodyPr spcFirstLastPara="1" wrap="square" lIns="91425" tIns="91425" rIns="91425" bIns="91425" anchor="b" anchorCtr="0">
             <a:normAutofit/>
           </a:bodyPr>
           <a:lstStyle>
@@ -3553,15 +3543,19 @@
               <a:defRPr sz="2400"/>
             </a:lvl9pPr>
           </a:lstStyle>
-          <a:p/>
+          <a:p>
+            <a:endParaRPr/>
+          </a:p>
         </p:txBody>
       </p:sp>
       <p:sp>
         <p:nvSpPr>
           <p:cNvPr id="30" name="Google Shape;30;p7"/>
-          <p:cNvSpPr txBox="1"/>
+          <p:cNvSpPr txBox="1">
+            <a:spLocks noGrp="1"/>
+          </p:cNvSpPr>
           <p:nvPr>
-            <p:ph idx="1" type="body"/>
+            <p:ph type="body" idx="1"/>
           </p:nvPr>
         </p:nvSpPr>
         <p:spPr>
@@ -3574,11 +3568,11 @@
           </a:prstGeom>
         </p:spPr>
         <p:txBody>
-          <a:bodyPr anchorCtr="0" anchor="t" bIns="91425" lIns="91425" spcFirstLastPara="1" rIns="91425" wrap="square" tIns="91425">
+          <a:bodyPr spcFirstLastPara="1" wrap="square" lIns="91425" tIns="91425" rIns="91425" bIns="91425" anchor="t" anchorCtr="0">
             <a:normAutofit/>
           </a:bodyPr>
           <a:lstStyle>
-            <a:lvl1pPr indent="-304800" lvl="0" marL="457200">
+            <a:lvl1pPr marL="457200" lvl="0" indent="-304800">
               <a:spcBef>
                 <a:spcPts val="0"/>
               </a:spcBef>
@@ -3589,7 +3583,7 @@
               <a:buChar char="●"/>
               <a:defRPr sz="1200"/>
             </a:lvl1pPr>
-            <a:lvl2pPr indent="-304800" lvl="1" marL="914400">
+            <a:lvl2pPr marL="914400" lvl="1" indent="-304800">
               <a:spcBef>
                 <a:spcPts val="0"/>
               </a:spcBef>
@@ -3600,7 +3594,7 @@
               <a:buChar char="○"/>
               <a:defRPr sz="1200"/>
             </a:lvl2pPr>
-            <a:lvl3pPr indent="-304800" lvl="2" marL="1371600">
+            <a:lvl3pPr marL="1371600" lvl="2" indent="-304800">
               <a:spcBef>
                 <a:spcPts val="0"/>
               </a:spcBef>
@@ -3611,7 +3605,7 @@
               <a:buChar char="■"/>
               <a:defRPr sz="1200"/>
             </a:lvl3pPr>
-            <a:lvl4pPr indent="-304800" lvl="3" marL="1828800">
+            <a:lvl4pPr marL="1828800" lvl="3" indent="-304800">
               <a:spcBef>
                 <a:spcPts val="0"/>
               </a:spcBef>
@@ -3622,7 +3616,7 @@
               <a:buChar char="●"/>
               <a:defRPr sz="1200"/>
             </a:lvl4pPr>
-            <a:lvl5pPr indent="-304800" lvl="4" marL="2286000">
+            <a:lvl5pPr marL="2286000" lvl="4" indent="-304800">
               <a:spcBef>
                 <a:spcPts val="0"/>
               </a:spcBef>
@@ -3633,7 +3627,7 @@
               <a:buChar char="○"/>
               <a:defRPr sz="1200"/>
             </a:lvl5pPr>
-            <a:lvl6pPr indent="-304800" lvl="5" marL="2743200">
+            <a:lvl6pPr marL="2743200" lvl="5" indent="-304800">
               <a:spcBef>
                 <a:spcPts val="0"/>
               </a:spcBef>
@@ -3644,7 +3638,7 @@
               <a:buChar char="■"/>
               <a:defRPr sz="1200"/>
             </a:lvl6pPr>
-            <a:lvl7pPr indent="-304800" lvl="6" marL="3200400">
+            <a:lvl7pPr marL="3200400" lvl="6" indent="-304800">
               <a:spcBef>
                 <a:spcPts val="0"/>
               </a:spcBef>
@@ -3655,7 +3649,7 @@
               <a:buChar char="●"/>
               <a:defRPr sz="1200"/>
             </a:lvl7pPr>
-            <a:lvl8pPr indent="-304800" lvl="7" marL="3657600">
+            <a:lvl8pPr marL="3657600" lvl="7" indent="-304800">
               <a:spcBef>
                 <a:spcPts val="0"/>
               </a:spcBef>
@@ -3666,7 +3660,7 @@
               <a:buChar char="○"/>
               <a:defRPr sz="1200"/>
             </a:lvl8pPr>
-            <a:lvl9pPr indent="-304800" lvl="8" marL="4114800">
+            <a:lvl9pPr marL="4114800" lvl="8" indent="-304800">
               <a:spcBef>
                 <a:spcPts val="0"/>
               </a:spcBef>
@@ -3678,15 +3672,19 @@
               <a:defRPr sz="1200"/>
             </a:lvl9pPr>
           </a:lstStyle>
-          <a:p/>
+          <a:p>
+            <a:endParaRPr/>
+          </a:p>
         </p:txBody>
       </p:sp>
       <p:sp>
         <p:nvSpPr>
           <p:cNvPr id="31" name="Google Shape;31;p7"/>
-          <p:cNvSpPr txBox="1"/>
+          <p:cNvSpPr txBox="1">
+            <a:spLocks noGrp="1"/>
+          </p:cNvSpPr>
           <p:nvPr>
-            <p:ph idx="12" type="sldNum"/>
+            <p:ph type="sldNum" idx="12"/>
           </p:nvPr>
         </p:nvSpPr>
         <p:spPr>
@@ -3699,7 +3697,7 @@
           </a:prstGeom>
         </p:spPr>
         <p:txBody>
-          <a:bodyPr anchorCtr="0" anchor="ctr" bIns="91425" lIns="91425" spcFirstLastPara="1" rIns="91425" wrap="square" tIns="91425">
+          <a:bodyPr spcFirstLastPara="1" wrap="square" lIns="91425" tIns="91425" rIns="91425" bIns="91425" anchor="ctr" anchorCtr="0">
             <a:normAutofit/>
           </a:bodyPr>
           <a:lstStyle>
@@ -3741,7 +3739,7 @@
             </a:lvl9pPr>
           </a:lstStyle>
           <a:p>
-            <a:pPr indent="0" lvl="0" marL="0" rtl="0" algn="r">
+            <a:pPr marL="0" lvl="0" indent="0" algn="r" rtl="0">
               <a:spcBef>
                 <a:spcPts val="0"/>
               </a:spcBef>
@@ -3767,11 +3765,11 @@
 </file>
 
 <file path=ppt/slideLayouts/slideLayout7.xml><?xml version="1.0" encoding="utf-8"?>
-<p:sldLayout xmlns:a="http://schemas.openxmlformats.org/drawingml/2006/main" xmlns:r="http://schemas.openxmlformats.org/officeDocument/2006/relationships" xmlns:mc="http://schemas.openxmlformats.org/markup-compatibility/2006" xmlns:mv="urn:schemas-microsoft-com:mac:vml" xmlns:p="http://schemas.openxmlformats.org/presentationml/2006/main" xmlns:c="http://schemas.openxmlformats.org/drawingml/2006/chart" xmlns:dgm="http://schemas.openxmlformats.org/drawingml/2006/diagram" xmlns:o="urn:schemas-microsoft-com:office:office" xmlns:v="urn:schemas-microsoft-com:vml" xmlns:pvml="urn:schemas-microsoft-com:office:powerpoint" xmlns:com="http://schemas.openxmlformats.org/drawingml/2006/compatibility" xmlns:p14="http://schemas.microsoft.com/office/powerpoint/2010/main" xmlns:p15="http://schemas.microsoft.com/office/powerpoint/2012/main" xmlns:ahyp="http://schemas.microsoft.com/office/drawing/2018/hyperlinkcolor" matchingName="Main point">
+<p:sldLayout xmlns:a="http://schemas.openxmlformats.org/drawingml/2006/main" xmlns:r="http://schemas.openxmlformats.org/officeDocument/2006/relationships" xmlns:p="http://schemas.openxmlformats.org/presentationml/2006/main" matchingName="Main point">
   <p:cSld name="MAIN_POINT">
     <p:spTree>
       <p:nvGrpSpPr>
-        <p:cNvPr id="32" name="Shape 32"/>
+        <p:cNvPr id="1" name="Shape 32"/>
         <p:cNvGrpSpPr/>
         <p:nvPr/>
       </p:nvGrpSpPr>
@@ -3786,7 +3784,9 @@
       <p:sp>
         <p:nvSpPr>
           <p:cNvPr id="33" name="Google Shape;33;p8"/>
-          <p:cNvSpPr txBox="1"/>
+          <p:cNvSpPr txBox="1">
+            <a:spLocks noGrp="1"/>
+          </p:cNvSpPr>
           <p:nvPr>
             <p:ph type="title"/>
           </p:nvPr>
@@ -3801,7 +3801,7 @@
           </a:prstGeom>
         </p:spPr>
         <p:txBody>
-          <a:bodyPr anchorCtr="0" anchor="ctr" bIns="91425" lIns="91425" spcFirstLastPara="1" rIns="91425" wrap="square" tIns="91425">
+          <a:bodyPr spcFirstLastPara="1" wrap="square" lIns="91425" tIns="91425" rIns="91425" bIns="91425" anchor="ctr" anchorCtr="0">
             <a:normAutofit/>
           </a:bodyPr>
           <a:lstStyle>
@@ -3905,15 +3905,19 @@
               <a:defRPr sz="4800"/>
             </a:lvl9pPr>
           </a:lstStyle>
-          <a:p/>
+          <a:p>
+            <a:endParaRPr/>
+          </a:p>
         </p:txBody>
       </p:sp>
       <p:sp>
         <p:nvSpPr>
           <p:cNvPr id="34" name="Google Shape;34;p8"/>
-          <p:cNvSpPr txBox="1"/>
+          <p:cNvSpPr txBox="1">
+            <a:spLocks noGrp="1"/>
+          </p:cNvSpPr>
           <p:nvPr>
-            <p:ph idx="12" type="sldNum"/>
+            <p:ph type="sldNum" idx="12"/>
           </p:nvPr>
         </p:nvSpPr>
         <p:spPr>
@@ -3926,7 +3930,7 @@
           </a:prstGeom>
         </p:spPr>
         <p:txBody>
-          <a:bodyPr anchorCtr="0" anchor="ctr" bIns="91425" lIns="91425" spcFirstLastPara="1" rIns="91425" wrap="square" tIns="91425">
+          <a:bodyPr spcFirstLastPara="1" wrap="square" lIns="91425" tIns="91425" rIns="91425" bIns="91425" anchor="ctr" anchorCtr="0">
             <a:normAutofit/>
           </a:bodyPr>
           <a:lstStyle>
@@ -3968,7 +3972,7 @@
             </a:lvl9pPr>
           </a:lstStyle>
           <a:p>
-            <a:pPr indent="0" lvl="0" marL="0" rtl="0" algn="r">
+            <a:pPr marL="0" lvl="0" indent="0" algn="r" rtl="0">
               <a:spcBef>
                 <a:spcPts val="0"/>
               </a:spcBef>
@@ -3994,11 +3998,11 @@
 </file>
 
 <file path=ppt/slideLayouts/slideLayout8.xml><?xml version="1.0" encoding="utf-8"?>
-<p:sldLayout xmlns:a="http://schemas.openxmlformats.org/drawingml/2006/main" xmlns:r="http://schemas.openxmlformats.org/officeDocument/2006/relationships" xmlns:mc="http://schemas.openxmlformats.org/markup-compatibility/2006" xmlns:mv="urn:schemas-microsoft-com:mac:vml" xmlns:p="http://schemas.openxmlformats.org/presentationml/2006/main" xmlns:c="http://schemas.openxmlformats.org/drawingml/2006/chart" xmlns:dgm="http://schemas.openxmlformats.org/drawingml/2006/diagram" xmlns:o="urn:schemas-microsoft-com:office:office" xmlns:v="urn:schemas-microsoft-com:vml" xmlns:pvml="urn:schemas-microsoft-com:office:powerpoint" xmlns:com="http://schemas.openxmlformats.org/drawingml/2006/compatibility" xmlns:p14="http://schemas.microsoft.com/office/powerpoint/2010/main" xmlns:p15="http://schemas.microsoft.com/office/powerpoint/2012/main" xmlns:ahyp="http://schemas.microsoft.com/office/drawing/2018/hyperlinkcolor" matchingName="Section title and description">
+<p:sldLayout xmlns:a="http://schemas.openxmlformats.org/drawingml/2006/main" xmlns:r="http://schemas.openxmlformats.org/officeDocument/2006/relationships" xmlns:p="http://schemas.openxmlformats.org/presentationml/2006/main" matchingName="Section title and description">
   <p:cSld name="SECTION_TITLE_AND_DESCRIPTION">
     <p:spTree>
       <p:nvGrpSpPr>
-        <p:cNvPr id="35" name="Shape 35"/>
+        <p:cNvPr id="1" name="Shape 35"/>
         <p:cNvGrpSpPr/>
         <p:nvPr/>
       </p:nvGrpSpPr>
@@ -4032,12 +4036,12 @@
           </a:ln>
         </p:spPr>
         <p:txBody>
-          <a:bodyPr anchorCtr="0" anchor="ctr" bIns="91425" lIns="91425" spcFirstLastPara="1" rIns="91425" wrap="square" tIns="91425">
+          <a:bodyPr spcFirstLastPara="1" wrap="square" lIns="91425" tIns="91425" rIns="91425" bIns="91425" anchor="ctr" anchorCtr="0">
             <a:noAutofit/>
           </a:bodyPr>
           <a:lstStyle/>
           <a:p>
-            <a:pPr indent="0" lvl="0" marL="0" rtl="0" algn="l">
+            <a:pPr marL="0" lvl="0" indent="0" algn="l" rtl="0">
               <a:spcBef>
                 <a:spcPts val="0"/>
               </a:spcBef>
@@ -4046,9 +4050,6 @@
               </a:spcAft>
               <a:buNone/>
             </a:pPr>
-            <a:r>
-              <a:t/>
-            </a:r>
             <a:endParaRPr/>
           </a:p>
         </p:txBody>
@@ -4056,7 +4057,9 @@
       <p:sp>
         <p:nvSpPr>
           <p:cNvPr id="37" name="Google Shape;37;p9"/>
-          <p:cNvSpPr txBox="1"/>
+          <p:cNvSpPr txBox="1">
+            <a:spLocks noGrp="1"/>
+          </p:cNvSpPr>
           <p:nvPr>
             <p:ph type="title"/>
           </p:nvPr>
@@ -4071,7 +4074,7 @@
           </a:prstGeom>
         </p:spPr>
         <p:txBody>
-          <a:bodyPr anchorCtr="0" anchor="b" bIns="91425" lIns="91425" spcFirstLastPara="1" rIns="91425" wrap="square" tIns="91425">
+          <a:bodyPr spcFirstLastPara="1" wrap="square" lIns="91425" tIns="91425" rIns="91425" bIns="91425" anchor="b" anchorCtr="0">
             <a:normAutofit/>
           </a:bodyPr>
           <a:lstStyle>
@@ -4175,15 +4178,19 @@
               <a:defRPr sz="4200"/>
             </a:lvl9pPr>
           </a:lstStyle>
-          <a:p/>
+          <a:p>
+            <a:endParaRPr/>
+          </a:p>
         </p:txBody>
       </p:sp>
       <p:sp>
         <p:nvSpPr>
           <p:cNvPr id="38" name="Google Shape;38;p9"/>
-          <p:cNvSpPr txBox="1"/>
+          <p:cNvSpPr txBox="1">
+            <a:spLocks noGrp="1"/>
+          </p:cNvSpPr>
           <p:nvPr>
-            <p:ph idx="1" type="subTitle"/>
+            <p:ph type="subTitle" idx="1"/>
           </p:nvPr>
         </p:nvSpPr>
         <p:spPr>
@@ -4196,7 +4203,7 @@
           </a:prstGeom>
         </p:spPr>
         <p:txBody>
-          <a:bodyPr anchorCtr="0" anchor="t" bIns="91425" lIns="91425" spcFirstLastPara="1" rIns="91425" wrap="square" tIns="91425">
+          <a:bodyPr spcFirstLastPara="1" wrap="square" lIns="91425" tIns="91425" rIns="91425" bIns="91425" anchor="t" anchorCtr="0">
             <a:normAutofit/>
           </a:bodyPr>
           <a:lstStyle>
@@ -4327,15 +4334,19 @@
               <a:defRPr sz="2100"/>
             </a:lvl9pPr>
           </a:lstStyle>
-          <a:p/>
+          <a:p>
+            <a:endParaRPr/>
+          </a:p>
         </p:txBody>
       </p:sp>
       <p:sp>
         <p:nvSpPr>
           <p:cNvPr id="39" name="Google Shape;39;p9"/>
-          <p:cNvSpPr txBox="1"/>
+          <p:cNvSpPr txBox="1">
+            <a:spLocks noGrp="1"/>
+          </p:cNvSpPr>
           <p:nvPr>
-            <p:ph idx="2" type="body"/>
+            <p:ph type="body" idx="2"/>
           </p:nvPr>
         </p:nvSpPr>
         <p:spPr>
@@ -4348,11 +4359,11 @@
           </a:prstGeom>
         </p:spPr>
         <p:txBody>
-          <a:bodyPr anchorCtr="0" anchor="ctr" bIns="91425" lIns="91425" spcFirstLastPara="1" rIns="91425" wrap="square" tIns="91425">
+          <a:bodyPr spcFirstLastPara="1" wrap="square" lIns="91425" tIns="91425" rIns="91425" bIns="91425" anchor="ctr" anchorCtr="0">
             <a:normAutofit/>
           </a:bodyPr>
           <a:lstStyle>
-            <a:lvl1pPr indent="-342900" lvl="0" marL="457200">
+            <a:lvl1pPr marL="457200" lvl="0" indent="-342900">
               <a:spcBef>
                 <a:spcPts val="0"/>
               </a:spcBef>
@@ -4363,7 +4374,7 @@
               <a:buChar char="●"/>
               <a:defRPr/>
             </a:lvl1pPr>
-            <a:lvl2pPr indent="-317500" lvl="1" marL="914400">
+            <a:lvl2pPr marL="914400" lvl="1" indent="-317500">
               <a:spcBef>
                 <a:spcPts val="0"/>
               </a:spcBef>
@@ -4374,7 +4385,7 @@
               <a:buChar char="○"/>
               <a:defRPr/>
             </a:lvl2pPr>
-            <a:lvl3pPr indent="-317500" lvl="2" marL="1371600">
+            <a:lvl3pPr marL="1371600" lvl="2" indent="-317500">
               <a:spcBef>
                 <a:spcPts val="0"/>
               </a:spcBef>
@@ -4385,7 +4396,7 @@
               <a:buChar char="■"/>
               <a:defRPr/>
             </a:lvl3pPr>
-            <a:lvl4pPr indent="-317500" lvl="3" marL="1828800">
+            <a:lvl4pPr marL="1828800" lvl="3" indent="-317500">
               <a:spcBef>
                 <a:spcPts val="0"/>
               </a:spcBef>
@@ -4396,7 +4407,7 @@
               <a:buChar char="●"/>
               <a:defRPr/>
             </a:lvl4pPr>
-            <a:lvl5pPr indent="-317500" lvl="4" marL="2286000">
+            <a:lvl5pPr marL="2286000" lvl="4" indent="-317500">
               <a:spcBef>
                 <a:spcPts val="0"/>
               </a:spcBef>
@@ -4407,7 +4418,7 @@
               <a:buChar char="○"/>
               <a:defRPr/>
             </a:lvl5pPr>
-            <a:lvl6pPr indent="-317500" lvl="5" marL="2743200">
+            <a:lvl6pPr marL="2743200" lvl="5" indent="-317500">
               <a:spcBef>
                 <a:spcPts val="0"/>
               </a:spcBef>
@@ -4418,7 +4429,7 @@
               <a:buChar char="■"/>
               <a:defRPr/>
             </a:lvl6pPr>
-            <a:lvl7pPr indent="-317500" lvl="6" marL="3200400">
+            <a:lvl7pPr marL="3200400" lvl="6" indent="-317500">
               <a:spcBef>
                 <a:spcPts val="0"/>
               </a:spcBef>
@@ -4429,7 +4440,7 @@
               <a:buChar char="●"/>
               <a:defRPr/>
             </a:lvl7pPr>
-            <a:lvl8pPr indent="-317500" lvl="7" marL="3657600">
+            <a:lvl8pPr marL="3657600" lvl="7" indent="-317500">
               <a:spcBef>
                 <a:spcPts val="0"/>
               </a:spcBef>
@@ -4440,7 +4451,7 @@
               <a:buChar char="○"/>
               <a:defRPr/>
             </a:lvl8pPr>
-            <a:lvl9pPr indent="-317500" lvl="8" marL="4114800">
+            <a:lvl9pPr marL="4114800" lvl="8" indent="-317500">
               <a:spcBef>
                 <a:spcPts val="0"/>
               </a:spcBef>
@@ -4452,15 +4463,19 @@
               <a:defRPr/>
             </a:lvl9pPr>
           </a:lstStyle>
-          <a:p/>
+          <a:p>
+            <a:endParaRPr/>
+          </a:p>
         </p:txBody>
       </p:sp>
       <p:sp>
         <p:nvSpPr>
           <p:cNvPr id="40" name="Google Shape;40;p9"/>
-          <p:cNvSpPr txBox="1"/>
+          <p:cNvSpPr txBox="1">
+            <a:spLocks noGrp="1"/>
+          </p:cNvSpPr>
           <p:nvPr>
-            <p:ph idx="12" type="sldNum"/>
+            <p:ph type="sldNum" idx="12"/>
           </p:nvPr>
         </p:nvSpPr>
         <p:spPr>
@@ -4473,7 +4488,7 @@
           </a:prstGeom>
         </p:spPr>
         <p:txBody>
-          <a:bodyPr anchorCtr="0" anchor="ctr" bIns="91425" lIns="91425" spcFirstLastPara="1" rIns="91425" wrap="square" tIns="91425">
+          <a:bodyPr spcFirstLastPara="1" wrap="square" lIns="91425" tIns="91425" rIns="91425" bIns="91425" anchor="ctr" anchorCtr="0">
             <a:normAutofit/>
           </a:bodyPr>
           <a:lstStyle>
@@ -4515,7 +4530,7 @@
             </a:lvl9pPr>
           </a:lstStyle>
           <a:p>
-            <a:pPr indent="0" lvl="0" marL="0" rtl="0" algn="r">
+            <a:pPr marL="0" lvl="0" indent="0" algn="r" rtl="0">
               <a:spcBef>
                 <a:spcPts val="0"/>
               </a:spcBef>
@@ -4541,11 +4556,11 @@
 </file>
 
 <file path=ppt/slideLayouts/slideLayout9.xml><?xml version="1.0" encoding="utf-8"?>
-<p:sldLayout xmlns:a="http://schemas.openxmlformats.org/drawingml/2006/main" xmlns:r="http://schemas.openxmlformats.org/officeDocument/2006/relationships" xmlns:mc="http://schemas.openxmlformats.org/markup-compatibility/2006" xmlns:mv="urn:schemas-microsoft-com:mac:vml" xmlns:p="http://schemas.openxmlformats.org/presentationml/2006/main" xmlns:c="http://schemas.openxmlformats.org/drawingml/2006/chart" xmlns:dgm="http://schemas.openxmlformats.org/drawingml/2006/diagram" xmlns:o="urn:schemas-microsoft-com:office:office" xmlns:v="urn:schemas-microsoft-com:vml" xmlns:pvml="urn:schemas-microsoft-com:office:powerpoint" xmlns:com="http://schemas.openxmlformats.org/drawingml/2006/compatibility" xmlns:p14="http://schemas.microsoft.com/office/powerpoint/2010/main" xmlns:p15="http://schemas.microsoft.com/office/powerpoint/2012/main" xmlns:ahyp="http://schemas.microsoft.com/office/drawing/2018/hyperlinkcolor" matchingName="Caption">
+<p:sldLayout xmlns:a="http://schemas.openxmlformats.org/drawingml/2006/main" xmlns:r="http://schemas.openxmlformats.org/officeDocument/2006/relationships" xmlns:p="http://schemas.openxmlformats.org/presentationml/2006/main" matchingName="Caption">
   <p:cSld name="CAPTION_ONLY">
     <p:spTree>
       <p:nvGrpSpPr>
-        <p:cNvPr id="41" name="Shape 41"/>
+        <p:cNvPr id="1" name="Shape 41"/>
         <p:cNvGrpSpPr/>
         <p:nvPr/>
       </p:nvGrpSpPr>
@@ -4560,9 +4575,11 @@
       <p:sp>
         <p:nvSpPr>
           <p:cNvPr id="42" name="Google Shape;42;p10"/>
-          <p:cNvSpPr txBox="1"/>
+          <p:cNvSpPr txBox="1">
+            <a:spLocks noGrp="1"/>
+          </p:cNvSpPr>
           <p:nvPr>
-            <p:ph idx="1" type="body"/>
+            <p:ph type="body" idx="1"/>
           </p:nvPr>
         </p:nvSpPr>
         <p:spPr>
@@ -4575,11 +4592,11 @@
           </a:prstGeom>
         </p:spPr>
         <p:txBody>
-          <a:bodyPr anchorCtr="0" anchor="ctr" bIns="91425" lIns="91425" spcFirstLastPara="1" rIns="91425" wrap="square" tIns="91425">
+          <a:bodyPr spcFirstLastPara="1" wrap="square" lIns="91425" tIns="91425" rIns="91425" bIns="91425" anchor="ctr" anchorCtr="0">
             <a:normAutofit/>
           </a:bodyPr>
           <a:lstStyle>
-            <a:lvl1pPr indent="-228600" lvl="0" marL="457200">
+            <a:lvl1pPr marL="457200" lvl="0" indent="-228600">
               <a:lnSpc>
                 <a:spcPct val="100000"/>
               </a:lnSpc>
@@ -4594,15 +4611,19 @@
               <a:defRPr/>
             </a:lvl1pPr>
           </a:lstStyle>
-          <a:p/>
+          <a:p>
+            <a:endParaRPr/>
+          </a:p>
         </p:txBody>
       </p:sp>
       <p:sp>
         <p:nvSpPr>
           <p:cNvPr id="43" name="Google Shape;43;p10"/>
-          <p:cNvSpPr txBox="1"/>
+          <p:cNvSpPr txBox="1">
+            <a:spLocks noGrp="1"/>
+          </p:cNvSpPr>
           <p:nvPr>
-            <p:ph idx="12" type="sldNum"/>
+            <p:ph type="sldNum" idx="12"/>
           </p:nvPr>
         </p:nvSpPr>
         <p:spPr>
@@ -4615,7 +4636,7 @@
           </a:prstGeom>
         </p:spPr>
         <p:txBody>
-          <a:bodyPr anchorCtr="0" anchor="ctr" bIns="91425" lIns="91425" spcFirstLastPara="1" rIns="91425" wrap="square" tIns="91425">
+          <a:bodyPr spcFirstLastPara="1" wrap="square" lIns="91425" tIns="91425" rIns="91425" bIns="91425" anchor="ctr" anchorCtr="0">
             <a:normAutofit/>
           </a:bodyPr>
           <a:lstStyle>
@@ -4657,7 +4678,7 @@
             </a:lvl9pPr>
           </a:lstStyle>
           <a:p>
-            <a:pPr indent="0" lvl="0" marL="0" rtl="0" algn="r">
+            <a:pPr marL="0" lvl="0" indent="0" algn="r" rtl="0">
               <a:spcBef>
                 <a:spcPts val="0"/>
               </a:spcBef>
@@ -4683,18 +4704,19 @@
 </file>
 
 <file path=ppt/slideMasters/slideMaster1.xml><?xml version="1.0" encoding="utf-8"?>
-<p:sldMaster xmlns:a="http://schemas.openxmlformats.org/drawingml/2006/main" xmlns:r="http://schemas.openxmlformats.org/officeDocument/2006/relationships" xmlns:mc="http://schemas.openxmlformats.org/markup-compatibility/2006" xmlns:mv="urn:schemas-microsoft-com:mac:vml" xmlns:p="http://schemas.openxmlformats.org/presentationml/2006/main" xmlns:c="http://schemas.openxmlformats.org/drawingml/2006/chart" xmlns:dgm="http://schemas.openxmlformats.org/drawingml/2006/diagram" xmlns:o="urn:schemas-microsoft-com:office:office" xmlns:v="urn:schemas-microsoft-com:vml" xmlns:pvml="urn:schemas-microsoft-com:office:powerpoint" xmlns:com="http://schemas.openxmlformats.org/drawingml/2006/compatibility" xmlns:p14="http://schemas.microsoft.com/office/powerpoint/2010/main" xmlns:p15="http://schemas.microsoft.com/office/powerpoint/2012/main" xmlns:ahyp="http://schemas.microsoft.com/office/drawing/2018/hyperlinkcolor">
+<p:sldMaster xmlns:a="http://schemas.openxmlformats.org/drawingml/2006/main" xmlns:r="http://schemas.openxmlformats.org/officeDocument/2006/relationships" xmlns:p="http://schemas.openxmlformats.org/presentationml/2006/main">
   <p:cSld name="simple-light-2">
     <p:bg>
       <p:bgPr>
         <a:solidFill>
           <a:schemeClr val="lt1"/>
         </a:solidFill>
+        <a:effectLst/>
       </p:bgPr>
     </p:bg>
     <p:spTree>
       <p:nvGrpSpPr>
-        <p:cNvPr id="5" name="Shape 5"/>
+        <p:cNvPr id="1" name="Shape 5"/>
         <p:cNvGrpSpPr/>
         <p:nvPr/>
       </p:nvGrpSpPr>
@@ -4709,7 +4731,9 @@
       <p:sp>
         <p:nvSpPr>
           <p:cNvPr id="6" name="Google Shape;6;p1"/>
-          <p:cNvSpPr txBox="1"/>
+          <p:cNvSpPr txBox="1">
+            <a:spLocks noGrp="1"/>
+          </p:cNvSpPr>
           <p:nvPr>
             <p:ph type="title"/>
           </p:nvPr>
@@ -4728,7 +4752,7 @@
           </a:ln>
         </p:spPr>
         <p:txBody>
-          <a:bodyPr anchorCtr="0" anchor="t" bIns="91425" lIns="91425" spcFirstLastPara="1" rIns="91425" wrap="square" tIns="91425">
+          <a:bodyPr spcFirstLastPara="1" wrap="square" lIns="91425" tIns="91425" rIns="91425" bIns="91425" anchor="t" anchorCtr="0">
             <a:normAutofit/>
           </a:bodyPr>
           <a:lstStyle>
@@ -4895,15 +4919,19 @@
               </a:defRPr>
             </a:lvl9pPr>
           </a:lstStyle>
-          <a:p/>
+          <a:p>
+            <a:endParaRPr/>
+          </a:p>
         </p:txBody>
       </p:sp>
       <p:sp>
         <p:nvSpPr>
           <p:cNvPr id="7" name="Google Shape;7;p1"/>
-          <p:cNvSpPr txBox="1"/>
+          <p:cNvSpPr txBox="1">
+            <a:spLocks noGrp="1"/>
+          </p:cNvSpPr>
           <p:nvPr>
-            <p:ph idx="1" type="body"/>
+            <p:ph type="body" idx="1"/>
           </p:nvPr>
         </p:nvSpPr>
         <p:spPr>
@@ -4920,11 +4948,11 @@
           </a:ln>
         </p:spPr>
         <p:txBody>
-          <a:bodyPr anchorCtr="0" anchor="t" bIns="91425" lIns="91425" spcFirstLastPara="1" rIns="91425" wrap="square" tIns="91425">
+          <a:bodyPr spcFirstLastPara="1" wrap="square" lIns="91425" tIns="91425" rIns="91425" bIns="91425" anchor="t" anchorCtr="0">
             <a:normAutofit/>
           </a:bodyPr>
           <a:lstStyle>
-            <a:lvl1pPr indent="-342900" lvl="0" marL="457200">
+            <a:lvl1pPr marL="457200" lvl="0" indent="-342900">
               <a:lnSpc>
                 <a:spcPct val="115000"/>
               </a:lnSpc>
@@ -4945,7 +4973,7 @@
                 </a:solidFill>
               </a:defRPr>
             </a:lvl1pPr>
-            <a:lvl2pPr indent="-317500" lvl="1" marL="914400">
+            <a:lvl2pPr marL="914400" lvl="1" indent="-317500">
               <a:lnSpc>
                 <a:spcPct val="115000"/>
               </a:lnSpc>
@@ -4966,7 +4994,7 @@
                 </a:solidFill>
               </a:defRPr>
             </a:lvl2pPr>
-            <a:lvl3pPr indent="-317500" lvl="2" marL="1371600">
+            <a:lvl3pPr marL="1371600" lvl="2" indent="-317500">
               <a:lnSpc>
                 <a:spcPct val="115000"/>
               </a:lnSpc>
@@ -4987,7 +5015,7 @@
                 </a:solidFill>
               </a:defRPr>
             </a:lvl3pPr>
-            <a:lvl4pPr indent="-317500" lvl="3" marL="1828800">
+            <a:lvl4pPr marL="1828800" lvl="3" indent="-317500">
               <a:lnSpc>
                 <a:spcPct val="115000"/>
               </a:lnSpc>
@@ -5008,7 +5036,7 @@
                 </a:solidFill>
               </a:defRPr>
             </a:lvl4pPr>
-            <a:lvl5pPr indent="-317500" lvl="4" marL="2286000">
+            <a:lvl5pPr marL="2286000" lvl="4" indent="-317500">
               <a:lnSpc>
                 <a:spcPct val="115000"/>
               </a:lnSpc>
@@ -5029,7 +5057,7 @@
                 </a:solidFill>
               </a:defRPr>
             </a:lvl5pPr>
-            <a:lvl6pPr indent="-317500" lvl="5" marL="2743200">
+            <a:lvl6pPr marL="2743200" lvl="5" indent="-317500">
               <a:lnSpc>
                 <a:spcPct val="115000"/>
               </a:lnSpc>
@@ -5050,7 +5078,7 @@
                 </a:solidFill>
               </a:defRPr>
             </a:lvl6pPr>
-            <a:lvl7pPr indent="-317500" lvl="6" marL="3200400">
+            <a:lvl7pPr marL="3200400" lvl="6" indent="-317500">
               <a:lnSpc>
                 <a:spcPct val="115000"/>
               </a:lnSpc>
@@ -5071,7 +5099,7 @@
                 </a:solidFill>
               </a:defRPr>
             </a:lvl7pPr>
-            <a:lvl8pPr indent="-317500" lvl="7" marL="3657600">
+            <a:lvl8pPr marL="3657600" lvl="7" indent="-317500">
               <a:lnSpc>
                 <a:spcPct val="115000"/>
               </a:lnSpc>
@@ -5092,7 +5120,7 @@
                 </a:solidFill>
               </a:defRPr>
             </a:lvl8pPr>
-            <a:lvl9pPr indent="-317500" lvl="8" marL="4114800">
+            <a:lvl9pPr marL="4114800" lvl="8" indent="-317500">
               <a:lnSpc>
                 <a:spcPct val="115000"/>
               </a:lnSpc>
@@ -5114,15 +5142,19 @@
               </a:defRPr>
             </a:lvl9pPr>
           </a:lstStyle>
-          <a:p/>
+          <a:p>
+            <a:endParaRPr/>
+          </a:p>
         </p:txBody>
       </p:sp>
       <p:sp>
         <p:nvSpPr>
           <p:cNvPr id="8" name="Google Shape;8;p1"/>
-          <p:cNvSpPr txBox="1"/>
+          <p:cNvSpPr txBox="1">
+            <a:spLocks noGrp="1"/>
+          </p:cNvSpPr>
           <p:nvPr>
-            <p:ph idx="12" type="sldNum"/>
+            <p:ph type="sldNum" idx="12"/>
           </p:nvPr>
         </p:nvSpPr>
         <p:spPr>
@@ -5139,7 +5171,7 @@
           </a:ln>
         </p:spPr>
         <p:txBody>
-          <a:bodyPr anchorCtr="0" anchor="ctr" bIns="91425" lIns="91425" spcFirstLastPara="1" rIns="91425" wrap="square" tIns="91425">
+          <a:bodyPr spcFirstLastPara="1" wrap="square" lIns="91425" tIns="91425" rIns="91425" bIns="91425" anchor="ctr" anchorCtr="0">
             <a:normAutofit/>
           </a:bodyPr>
           <a:lstStyle>
@@ -5217,7 +5249,7 @@
             </a:lvl9pPr>
           </a:lstStyle>
           <a:p>
-            <a:pPr indent="0" lvl="0" marL="0" rtl="0" algn="r">
+            <a:pPr marL="0" lvl="0" indent="0" algn="r" rtl="0">
               <a:spcBef>
                 <a:spcPts val="0"/>
               </a:spcBef>
@@ -5236,7 +5268,7 @@
       </p:sp>
     </p:spTree>
   </p:cSld>
-  <p:clrMap accent1="accent1" accent2="accent2" accent3="accent3" accent4="accent4" accent5="accent5" accent6="accent6" bg1="lt1" bg2="dk2" tx1="dk1" tx2="lt2" folHlink="folHlink" hlink="hlink"/>
+  <p:clrMap bg1="lt1" tx1="dk1" bg2="dk2" tx2="lt2" accent1="accent1" accent2="accent2" accent3="accent3" accent4="accent4" accent5="accent5" accent6="accent6" hlink="hlink" folHlink="folHlink"/>
   <p:sldLayoutIdLst>
     <p:sldLayoutId id="2147483648" r:id="rId1"/>
     <p:sldLayoutId id="2147483649" r:id="rId2"/>
@@ -5250,10 +5282,10 @@
     <p:sldLayoutId id="2147483657" r:id="rId10"/>
     <p:sldLayoutId id="2147483658" r:id="rId11"/>
   </p:sldLayoutIdLst>
-  <p:hf dt="0" ftr="0" hdr="0" sldNum="0"/>
+  <p:hf sldNum="0" hdr="0" ftr="0" dt="0"/>
   <p:txStyles>
     <p:titleStyle>
-      <a:defPPr lvl="0" marR="0" rtl="0" algn="l">
+      <a:defPPr marR="0" lvl="0" algn="l" rtl="0">
         <a:lnSpc>
           <a:spcPct val="100000"/>
         </a:lnSpc>
@@ -5264,7 +5296,7 @@
           <a:spcPts val="0"/>
         </a:spcAft>
       </a:defPPr>
-      <a:lvl1pPr lvl="0" marR="0" rtl="0" algn="l">
+      <a:lvl1pPr marR="0" lvl="0" algn="l" rtl="0">
         <a:lnSpc>
           <a:spcPct val="100000"/>
         </a:lnSpc>
@@ -5278,7 +5310,7 @@
           <a:srgbClr val="000000"/>
         </a:buClr>
         <a:buFont typeface="Arial"/>
-        <a:defRPr b="0" i="0" sz="1400" u="none" cap="none" strike="noStrike">
+        <a:defRPr sz="1400" b="0" i="0" u="none" strike="noStrike" cap="none">
           <a:solidFill>
             <a:srgbClr val="000000"/>
           </a:solidFill>
@@ -5288,7 +5320,7 @@
           <a:sym typeface="Arial"/>
         </a:defRPr>
       </a:lvl1pPr>
-      <a:lvl2pPr lvl="1" marR="0" rtl="0" algn="l">
+      <a:lvl2pPr marR="0" lvl="1" algn="l" rtl="0">
         <a:lnSpc>
           <a:spcPct val="100000"/>
         </a:lnSpc>
@@ -5302,7 +5334,7 @@
           <a:srgbClr val="000000"/>
         </a:buClr>
         <a:buFont typeface="Arial"/>
-        <a:defRPr b="0" i="0" sz="1400" u="none" cap="none" strike="noStrike">
+        <a:defRPr sz="1400" b="0" i="0" u="none" strike="noStrike" cap="none">
           <a:solidFill>
             <a:srgbClr val="000000"/>
           </a:solidFill>
@@ -5312,7 +5344,7 @@
           <a:sym typeface="Arial"/>
         </a:defRPr>
       </a:lvl2pPr>
-      <a:lvl3pPr lvl="2" marR="0" rtl="0" algn="l">
+      <a:lvl3pPr marR="0" lvl="2" algn="l" rtl="0">
         <a:lnSpc>
           <a:spcPct val="100000"/>
         </a:lnSpc>
@@ -5326,7 +5358,7 @@
           <a:srgbClr val="000000"/>
         </a:buClr>
         <a:buFont typeface="Arial"/>
-        <a:defRPr b="0" i="0" sz="1400" u="none" cap="none" strike="noStrike">
+        <a:defRPr sz="1400" b="0" i="0" u="none" strike="noStrike" cap="none">
           <a:solidFill>
             <a:srgbClr val="000000"/>
           </a:solidFill>
@@ -5336,7 +5368,7 @@
           <a:sym typeface="Arial"/>
         </a:defRPr>
       </a:lvl3pPr>
-      <a:lvl4pPr lvl="3" marR="0" rtl="0" algn="l">
+      <a:lvl4pPr marR="0" lvl="3" algn="l" rtl="0">
         <a:lnSpc>
           <a:spcPct val="100000"/>
         </a:lnSpc>
@@ -5350,7 +5382,7 @@
           <a:srgbClr val="000000"/>
         </a:buClr>
         <a:buFont typeface="Arial"/>
-        <a:defRPr b="0" i="0" sz="1400" u="none" cap="none" strike="noStrike">
+        <a:defRPr sz="1400" b="0" i="0" u="none" strike="noStrike" cap="none">
           <a:solidFill>
             <a:srgbClr val="000000"/>
           </a:solidFill>
@@ -5360,7 +5392,7 @@
           <a:sym typeface="Arial"/>
         </a:defRPr>
       </a:lvl4pPr>
-      <a:lvl5pPr lvl="4" marR="0" rtl="0" algn="l">
+      <a:lvl5pPr marR="0" lvl="4" algn="l" rtl="0">
         <a:lnSpc>
           <a:spcPct val="100000"/>
         </a:lnSpc>
@@ -5374,7 +5406,7 @@
           <a:srgbClr val="000000"/>
         </a:buClr>
         <a:buFont typeface="Arial"/>
-        <a:defRPr b="0" i="0" sz="1400" u="none" cap="none" strike="noStrike">
+        <a:defRPr sz="1400" b="0" i="0" u="none" strike="noStrike" cap="none">
           <a:solidFill>
             <a:srgbClr val="000000"/>
           </a:solidFill>
@@ -5384,7 +5416,7 @@
           <a:sym typeface="Arial"/>
         </a:defRPr>
       </a:lvl5pPr>
-      <a:lvl6pPr lvl="5" marR="0" rtl="0" algn="l">
+      <a:lvl6pPr marR="0" lvl="5" algn="l" rtl="0">
         <a:lnSpc>
           <a:spcPct val="100000"/>
         </a:lnSpc>
@@ -5398,7 +5430,7 @@
           <a:srgbClr val="000000"/>
         </a:buClr>
         <a:buFont typeface="Arial"/>
-        <a:defRPr b="0" i="0" sz="1400" u="none" cap="none" strike="noStrike">
+        <a:defRPr sz="1400" b="0" i="0" u="none" strike="noStrike" cap="none">
           <a:solidFill>
             <a:srgbClr val="000000"/>
           </a:solidFill>
@@ -5408,7 +5440,7 @@
           <a:sym typeface="Arial"/>
         </a:defRPr>
       </a:lvl6pPr>
-      <a:lvl7pPr lvl="6" marR="0" rtl="0" algn="l">
+      <a:lvl7pPr marR="0" lvl="6" algn="l" rtl="0">
         <a:lnSpc>
           <a:spcPct val="100000"/>
         </a:lnSpc>
@@ -5422,7 +5454,7 @@
           <a:srgbClr val="000000"/>
         </a:buClr>
         <a:buFont typeface="Arial"/>
-        <a:defRPr b="0" i="0" sz="1400" u="none" cap="none" strike="noStrike">
+        <a:defRPr sz="1400" b="0" i="0" u="none" strike="noStrike" cap="none">
           <a:solidFill>
             <a:srgbClr val="000000"/>
           </a:solidFill>
@@ -5432,7 +5464,7 @@
           <a:sym typeface="Arial"/>
         </a:defRPr>
       </a:lvl7pPr>
-      <a:lvl8pPr lvl="7" marR="0" rtl="0" algn="l">
+      <a:lvl8pPr marR="0" lvl="7" algn="l" rtl="0">
         <a:lnSpc>
           <a:spcPct val="100000"/>
         </a:lnSpc>
@@ -5446,7 +5478,7 @@
           <a:srgbClr val="000000"/>
         </a:buClr>
         <a:buFont typeface="Arial"/>
-        <a:defRPr b="0" i="0" sz="1400" u="none" cap="none" strike="noStrike">
+        <a:defRPr sz="1400" b="0" i="0" u="none" strike="noStrike" cap="none">
           <a:solidFill>
             <a:srgbClr val="000000"/>
           </a:solidFill>
@@ -5456,7 +5488,7 @@
           <a:sym typeface="Arial"/>
         </a:defRPr>
       </a:lvl8pPr>
-      <a:lvl9pPr lvl="8" marR="0" rtl="0" algn="l">
+      <a:lvl9pPr marR="0" lvl="8" algn="l" rtl="0">
         <a:lnSpc>
           <a:spcPct val="100000"/>
         </a:lnSpc>
@@ -5470,7 +5502,7 @@
           <a:srgbClr val="000000"/>
         </a:buClr>
         <a:buFont typeface="Arial"/>
-        <a:defRPr b="0" i="0" sz="1400" u="none" cap="none" strike="noStrike">
+        <a:defRPr sz="1400" b="0" i="0" u="none" strike="noStrike" cap="none">
           <a:solidFill>
             <a:srgbClr val="000000"/>
           </a:solidFill>
@@ -5482,7 +5514,7 @@
       </a:lvl9pPr>
     </p:titleStyle>
     <p:bodyStyle>
-      <a:defPPr lvl="0" marR="0" rtl="0" algn="l">
+      <a:defPPr marR="0" lvl="0" algn="l" rtl="0">
         <a:lnSpc>
           <a:spcPct val="100000"/>
         </a:lnSpc>
@@ -5493,7 +5525,7 @@
           <a:spcPts val="0"/>
         </a:spcAft>
       </a:defPPr>
-      <a:lvl1pPr lvl="0" marR="0" rtl="0" algn="l">
+      <a:lvl1pPr marR="0" lvl="0" algn="l" rtl="0">
         <a:lnSpc>
           <a:spcPct val="100000"/>
         </a:lnSpc>
@@ -5507,7 +5539,7 @@
           <a:srgbClr val="000000"/>
         </a:buClr>
         <a:buFont typeface="Arial"/>
-        <a:defRPr b="0" i="0" sz="1400" u="none" cap="none" strike="noStrike">
+        <a:defRPr sz="1400" b="0" i="0" u="none" strike="noStrike" cap="none">
           <a:solidFill>
             <a:srgbClr val="000000"/>
           </a:solidFill>
@@ -5517,7 +5549,7 @@
           <a:sym typeface="Arial"/>
         </a:defRPr>
       </a:lvl1pPr>
-      <a:lvl2pPr lvl="1" marR="0" rtl="0" algn="l">
+      <a:lvl2pPr marR="0" lvl="1" algn="l" rtl="0">
         <a:lnSpc>
           <a:spcPct val="100000"/>
         </a:lnSpc>
@@ -5531,7 +5563,7 @@
           <a:srgbClr val="000000"/>
         </a:buClr>
         <a:buFont typeface="Arial"/>
-        <a:defRPr b="0" i="0" sz="1400" u="none" cap="none" strike="noStrike">
+        <a:defRPr sz="1400" b="0" i="0" u="none" strike="noStrike" cap="none">
           <a:solidFill>
             <a:srgbClr val="000000"/>
           </a:solidFill>
@@ -5541,7 +5573,7 @@
           <a:sym typeface="Arial"/>
         </a:defRPr>
       </a:lvl2pPr>
-      <a:lvl3pPr lvl="2" marR="0" rtl="0" algn="l">
+      <a:lvl3pPr marR="0" lvl="2" algn="l" rtl="0">
         <a:lnSpc>
           <a:spcPct val="100000"/>
         </a:lnSpc>
@@ -5555,7 +5587,7 @@
           <a:srgbClr val="000000"/>
         </a:buClr>
         <a:buFont typeface="Arial"/>
-        <a:defRPr b="0" i="0" sz="1400" u="none" cap="none" strike="noStrike">
+        <a:defRPr sz="1400" b="0" i="0" u="none" strike="noStrike" cap="none">
           <a:solidFill>
             <a:srgbClr val="000000"/>
           </a:solidFill>
@@ -5565,7 +5597,7 @@
           <a:sym typeface="Arial"/>
         </a:defRPr>
       </a:lvl3pPr>
-      <a:lvl4pPr lvl="3" marR="0" rtl="0" algn="l">
+      <a:lvl4pPr marR="0" lvl="3" algn="l" rtl="0">
         <a:lnSpc>
           <a:spcPct val="100000"/>
         </a:lnSpc>
@@ -5579,7 +5611,7 @@
           <a:srgbClr val="000000"/>
         </a:buClr>
         <a:buFont typeface="Arial"/>
-        <a:defRPr b="0" i="0" sz="1400" u="none" cap="none" strike="noStrike">
+        <a:defRPr sz="1400" b="0" i="0" u="none" strike="noStrike" cap="none">
           <a:solidFill>
             <a:srgbClr val="000000"/>
           </a:solidFill>
@@ -5589,7 +5621,7 @@
           <a:sym typeface="Arial"/>
         </a:defRPr>
       </a:lvl4pPr>
-      <a:lvl5pPr lvl="4" marR="0" rtl="0" algn="l">
+      <a:lvl5pPr marR="0" lvl="4" algn="l" rtl="0">
         <a:lnSpc>
           <a:spcPct val="100000"/>
         </a:lnSpc>
@@ -5603,7 +5635,7 @@
           <a:srgbClr val="000000"/>
         </a:buClr>
         <a:buFont typeface="Arial"/>
-        <a:defRPr b="0" i="0" sz="1400" u="none" cap="none" strike="noStrike">
+        <a:defRPr sz="1400" b="0" i="0" u="none" strike="noStrike" cap="none">
           <a:solidFill>
             <a:srgbClr val="000000"/>
           </a:solidFill>
@@ -5613,7 +5645,7 @@
           <a:sym typeface="Arial"/>
         </a:defRPr>
       </a:lvl5pPr>
-      <a:lvl6pPr lvl="5" marR="0" rtl="0" algn="l">
+      <a:lvl6pPr marR="0" lvl="5" algn="l" rtl="0">
         <a:lnSpc>
           <a:spcPct val="100000"/>
         </a:lnSpc>
@@ -5627,7 +5659,7 @@
           <a:srgbClr val="000000"/>
         </a:buClr>
         <a:buFont typeface="Arial"/>
-        <a:defRPr b="0" i="0" sz="1400" u="none" cap="none" strike="noStrike">
+        <a:defRPr sz="1400" b="0" i="0" u="none" strike="noStrike" cap="none">
           <a:solidFill>
             <a:srgbClr val="000000"/>
           </a:solidFill>
@@ -5637,7 +5669,7 @@
           <a:sym typeface="Arial"/>
         </a:defRPr>
       </a:lvl6pPr>
-      <a:lvl7pPr lvl="6" marR="0" rtl="0" algn="l">
+      <a:lvl7pPr marR="0" lvl="6" algn="l" rtl="0">
         <a:lnSpc>
           <a:spcPct val="100000"/>
         </a:lnSpc>
@@ -5651,7 +5683,7 @@
           <a:srgbClr val="000000"/>
         </a:buClr>
         <a:buFont typeface="Arial"/>
-        <a:defRPr b="0" i="0" sz="1400" u="none" cap="none" strike="noStrike">
+        <a:defRPr sz="1400" b="0" i="0" u="none" strike="noStrike" cap="none">
           <a:solidFill>
             <a:srgbClr val="000000"/>
           </a:solidFill>
@@ -5661,7 +5693,7 @@
           <a:sym typeface="Arial"/>
         </a:defRPr>
       </a:lvl7pPr>
-      <a:lvl8pPr lvl="7" marR="0" rtl="0" algn="l">
+      <a:lvl8pPr marR="0" lvl="7" algn="l" rtl="0">
         <a:lnSpc>
           <a:spcPct val="100000"/>
         </a:lnSpc>
@@ -5675,7 +5707,7 @@
           <a:srgbClr val="000000"/>
         </a:buClr>
         <a:buFont typeface="Arial"/>
-        <a:defRPr b="0" i="0" sz="1400" u="none" cap="none" strike="noStrike">
+        <a:defRPr sz="1400" b="0" i="0" u="none" strike="noStrike" cap="none">
           <a:solidFill>
             <a:srgbClr val="000000"/>
           </a:solidFill>
@@ -5685,7 +5717,7 @@
           <a:sym typeface="Arial"/>
         </a:defRPr>
       </a:lvl8pPr>
-      <a:lvl9pPr lvl="8" marR="0" rtl="0" algn="l">
+      <a:lvl9pPr marR="0" lvl="8" algn="l" rtl="0">
         <a:lnSpc>
           <a:spcPct val="100000"/>
         </a:lnSpc>
@@ -5699,7 +5731,7 @@
           <a:srgbClr val="000000"/>
         </a:buClr>
         <a:buFont typeface="Arial"/>
-        <a:defRPr b="0" i="0" sz="1400" u="none" cap="none" strike="noStrike">
+        <a:defRPr sz="1400" b="0" i="0" u="none" strike="noStrike" cap="none">
           <a:solidFill>
             <a:srgbClr val="000000"/>
           </a:solidFill>
@@ -5711,7 +5743,7 @@
       </a:lvl9pPr>
     </p:bodyStyle>
     <p:otherStyle>
-      <a:defPPr lvl="0" marR="0" rtl="0" algn="l">
+      <a:defPPr marR="0" lvl="0" algn="l" rtl="0">
         <a:lnSpc>
           <a:spcPct val="100000"/>
         </a:lnSpc>
@@ -5722,7 +5754,7 @@
           <a:spcPts val="0"/>
         </a:spcAft>
       </a:defPPr>
-      <a:lvl1pPr lvl="0" marR="0" rtl="0" algn="l">
+      <a:lvl1pPr marR="0" lvl="0" algn="l" rtl="0">
         <a:lnSpc>
           <a:spcPct val="100000"/>
         </a:lnSpc>
@@ -5736,7 +5768,7 @@
           <a:srgbClr val="000000"/>
         </a:buClr>
         <a:buFont typeface="Arial"/>
-        <a:defRPr b="0" i="0" sz="1400" u="none" cap="none" strike="noStrike">
+        <a:defRPr sz="1400" b="0" i="0" u="none" strike="noStrike" cap="none">
           <a:solidFill>
             <a:srgbClr val="000000"/>
           </a:solidFill>
@@ -5746,7 +5778,7 @@
           <a:sym typeface="Arial"/>
         </a:defRPr>
       </a:lvl1pPr>
-      <a:lvl2pPr lvl="1" marR="0" rtl="0" algn="l">
+      <a:lvl2pPr marR="0" lvl="1" algn="l" rtl="0">
         <a:lnSpc>
           <a:spcPct val="100000"/>
         </a:lnSpc>
@@ -5760,7 +5792,7 @@
           <a:srgbClr val="000000"/>
         </a:buClr>
         <a:buFont typeface="Arial"/>
-        <a:defRPr b="0" i="0" sz="1400" u="none" cap="none" strike="noStrike">
+        <a:defRPr sz="1400" b="0" i="0" u="none" strike="noStrike" cap="none">
           <a:solidFill>
             <a:srgbClr val="000000"/>
           </a:solidFill>
@@ -5770,7 +5802,7 @@
           <a:sym typeface="Arial"/>
         </a:defRPr>
       </a:lvl2pPr>
-      <a:lvl3pPr lvl="2" marR="0" rtl="0" algn="l">
+      <a:lvl3pPr marR="0" lvl="2" algn="l" rtl="0">
         <a:lnSpc>
           <a:spcPct val="100000"/>
         </a:lnSpc>
@@ -5784,7 +5816,7 @@
           <a:srgbClr val="000000"/>
         </a:buClr>
         <a:buFont typeface="Arial"/>
-        <a:defRPr b="0" i="0" sz="1400" u="none" cap="none" strike="noStrike">
+        <a:defRPr sz="1400" b="0" i="0" u="none" strike="noStrike" cap="none">
           <a:solidFill>
             <a:srgbClr val="000000"/>
           </a:solidFill>
@@ -5794,7 +5826,7 @@
           <a:sym typeface="Arial"/>
         </a:defRPr>
       </a:lvl3pPr>
-      <a:lvl4pPr lvl="3" marR="0" rtl="0" algn="l">
+      <a:lvl4pPr marR="0" lvl="3" algn="l" rtl="0">
         <a:lnSpc>
           <a:spcPct val="100000"/>
         </a:lnSpc>
@@ -5808,7 +5840,7 @@
           <a:srgbClr val="000000"/>
         </a:buClr>
         <a:buFont typeface="Arial"/>
-        <a:defRPr b="0" i="0" sz="1400" u="none" cap="none" strike="noStrike">
+        <a:defRPr sz="1400" b="0" i="0" u="none" strike="noStrike" cap="none">
           <a:solidFill>
             <a:srgbClr val="000000"/>
           </a:solidFill>
@@ -5818,7 +5850,7 @@
           <a:sym typeface="Arial"/>
         </a:defRPr>
       </a:lvl4pPr>
-      <a:lvl5pPr lvl="4" marR="0" rtl="0" algn="l">
+      <a:lvl5pPr marR="0" lvl="4" algn="l" rtl="0">
         <a:lnSpc>
           <a:spcPct val="100000"/>
         </a:lnSpc>
@@ -5832,7 +5864,7 @@
           <a:srgbClr val="000000"/>
         </a:buClr>
         <a:buFont typeface="Arial"/>
-        <a:defRPr b="0" i="0" sz="1400" u="none" cap="none" strike="noStrike">
+        <a:defRPr sz="1400" b="0" i="0" u="none" strike="noStrike" cap="none">
           <a:solidFill>
             <a:srgbClr val="000000"/>
           </a:solidFill>
@@ -5842,7 +5874,7 @@
           <a:sym typeface="Arial"/>
         </a:defRPr>
       </a:lvl5pPr>
-      <a:lvl6pPr lvl="5" marR="0" rtl="0" algn="l">
+      <a:lvl6pPr marR="0" lvl="5" algn="l" rtl="0">
         <a:lnSpc>
           <a:spcPct val="100000"/>
         </a:lnSpc>
@@ -5856,7 +5888,7 @@
           <a:srgbClr val="000000"/>
         </a:buClr>
         <a:buFont typeface="Arial"/>
-        <a:defRPr b="0" i="0" sz="1400" u="none" cap="none" strike="noStrike">
+        <a:defRPr sz="1400" b="0" i="0" u="none" strike="noStrike" cap="none">
           <a:solidFill>
             <a:srgbClr val="000000"/>
           </a:solidFill>
@@ -5866,7 +5898,7 @@
           <a:sym typeface="Arial"/>
         </a:defRPr>
       </a:lvl6pPr>
-      <a:lvl7pPr lvl="6" marR="0" rtl="0" algn="l">
+      <a:lvl7pPr marR="0" lvl="6" algn="l" rtl="0">
         <a:lnSpc>
           <a:spcPct val="100000"/>
         </a:lnSpc>
@@ -5880,7 +5912,7 @@
           <a:srgbClr val="000000"/>
         </a:buClr>
         <a:buFont typeface="Arial"/>
-        <a:defRPr b="0" i="0" sz="1400" u="none" cap="none" strike="noStrike">
+        <a:defRPr sz="1400" b="0" i="0" u="none" strike="noStrike" cap="none">
           <a:solidFill>
             <a:srgbClr val="000000"/>
           </a:solidFill>
@@ -5890,7 +5922,7 @@
           <a:sym typeface="Arial"/>
         </a:defRPr>
       </a:lvl7pPr>
-      <a:lvl8pPr lvl="7" marR="0" rtl="0" algn="l">
+      <a:lvl8pPr marR="0" lvl="7" algn="l" rtl="0">
         <a:lnSpc>
           <a:spcPct val="100000"/>
         </a:lnSpc>
@@ -5904,7 +5936,7 @@
           <a:srgbClr val="000000"/>
         </a:buClr>
         <a:buFont typeface="Arial"/>
-        <a:defRPr b="0" i="0" sz="1400" u="none" cap="none" strike="noStrike">
+        <a:defRPr sz="1400" b="0" i="0" u="none" strike="noStrike" cap="none">
           <a:solidFill>
             <a:srgbClr val="000000"/>
           </a:solidFill>
@@ -5914,7 +5946,7 @@
           <a:sym typeface="Arial"/>
         </a:defRPr>
       </a:lvl8pPr>
-      <a:lvl9pPr lvl="8" marR="0" rtl="0" algn="l">
+      <a:lvl9pPr marR="0" lvl="8" algn="l" rtl="0">
         <a:lnSpc>
           <a:spcPct val="100000"/>
         </a:lnSpc>
@@ -5928,7 +5960,7 @@
           <a:srgbClr val="000000"/>
         </a:buClr>
         <a:buFont typeface="Arial"/>
-        <a:defRPr b="0" i="0" sz="1400" u="none" cap="none" strike="noStrike">
+        <a:defRPr sz="1400" b="0" i="0" u="none" strike="noStrike" cap="none">
           <a:solidFill>
             <a:srgbClr val="000000"/>
           </a:solidFill>
@@ -5944,11 +5976,11 @@
 </file>
 
 <file path=ppt/slides/slide1.xml><?xml version="1.0" encoding="utf-8"?>
-<p:sld xmlns:a="http://schemas.openxmlformats.org/drawingml/2006/main" xmlns:r="http://schemas.openxmlformats.org/officeDocument/2006/relationships" xmlns:mc="http://schemas.openxmlformats.org/markup-compatibility/2006" xmlns:mv="urn:schemas-microsoft-com:mac:vml" xmlns:p="http://schemas.openxmlformats.org/presentationml/2006/main" xmlns:c="http://schemas.openxmlformats.org/drawingml/2006/chart" xmlns:dgm="http://schemas.openxmlformats.org/drawingml/2006/diagram" xmlns:o="urn:schemas-microsoft-com:office:office" xmlns:v="urn:schemas-microsoft-com:vml" xmlns:pvml="urn:schemas-microsoft-com:office:powerpoint" xmlns:com="http://schemas.openxmlformats.org/drawingml/2006/compatibility" xmlns:p14="http://schemas.microsoft.com/office/powerpoint/2010/main" xmlns:p15="http://schemas.microsoft.com/office/powerpoint/2012/main" xmlns:ahyp="http://schemas.microsoft.com/office/drawing/2018/hyperlinkcolor">
+<p:sld xmlns:a="http://schemas.openxmlformats.org/drawingml/2006/main" xmlns:r="http://schemas.openxmlformats.org/officeDocument/2006/relationships" xmlns:p="http://schemas.openxmlformats.org/presentationml/2006/main">
   <p:cSld>
     <p:spTree>
       <p:nvGrpSpPr>
-        <p:cNvPr id="53" name="Shape 53"/>
+        <p:cNvPr id="1" name="Shape 53"/>
         <p:cNvGrpSpPr/>
         <p:nvPr/>
       </p:nvGrpSpPr>
@@ -5963,7 +5995,9 @@
       <p:sp>
         <p:nvSpPr>
           <p:cNvPr id="54" name="Google Shape;54;p13"/>
-          <p:cNvSpPr txBox="1"/>
+          <p:cNvSpPr txBox="1">
+            <a:spLocks noGrp="1"/>
+          </p:cNvSpPr>
           <p:nvPr>
             <p:ph type="ctrTitle"/>
           </p:nvPr>
@@ -5978,12 +6012,12 @@
           </a:prstGeom>
         </p:spPr>
         <p:txBody>
-          <a:bodyPr anchorCtr="0" anchor="b" bIns="91425" lIns="91425" spcFirstLastPara="1" rIns="91425" wrap="square" tIns="91425">
+          <a:bodyPr spcFirstLastPara="1" wrap="square" lIns="91425" tIns="91425" rIns="91425" bIns="91425" anchor="b" anchorCtr="0">
             <a:normAutofit/>
           </a:bodyPr>
           <a:lstStyle/>
           <a:p>
-            <a:pPr indent="0" lvl="0" marL="0" rtl="0" algn="ctr">
+            <a:pPr marL="0" lvl="0" indent="0" algn="ctr" rtl="0">
               <a:spcBef>
                 <a:spcPts val="0"/>
               </a:spcBef>
@@ -6003,9 +6037,11 @@
       <p:sp>
         <p:nvSpPr>
           <p:cNvPr id="55" name="Google Shape;55;p13"/>
-          <p:cNvSpPr txBox="1"/>
+          <p:cNvSpPr txBox="1">
+            <a:spLocks noGrp="1"/>
+          </p:cNvSpPr>
           <p:nvPr>
-            <p:ph idx="1" type="subTitle"/>
+            <p:ph type="subTitle" idx="1"/>
           </p:nvPr>
         </p:nvSpPr>
         <p:spPr>
@@ -6018,12 +6054,12 @@
           </a:prstGeom>
         </p:spPr>
         <p:txBody>
-          <a:bodyPr anchorCtr="0" anchor="t" bIns="91425" lIns="91425" spcFirstLastPara="1" rIns="91425" wrap="square" tIns="91425">
+          <a:bodyPr spcFirstLastPara="1" wrap="square" lIns="91425" tIns="91425" rIns="91425" bIns="91425" anchor="t" anchorCtr="0">
             <a:normAutofit/>
           </a:bodyPr>
           <a:lstStyle/>
           <a:p>
-            <a:pPr indent="0" lvl="0" marL="0" rtl="0" algn="ctr">
+            <a:pPr marL="0" lvl="0" indent="0" algn="ctr" rtl="0">
               <a:spcBef>
                 <a:spcPts val="0"/>
               </a:spcBef>
@@ -6049,11 +6085,11 @@
 </file>
 
 <file path=ppt/slides/slide2.xml><?xml version="1.0" encoding="utf-8"?>
-<p:sld xmlns:a="http://schemas.openxmlformats.org/drawingml/2006/main" xmlns:r="http://schemas.openxmlformats.org/officeDocument/2006/relationships" xmlns:mc="http://schemas.openxmlformats.org/markup-compatibility/2006" xmlns:mv="urn:schemas-microsoft-com:mac:vml" xmlns:p="http://schemas.openxmlformats.org/presentationml/2006/main" xmlns:c="http://schemas.openxmlformats.org/drawingml/2006/chart" xmlns:dgm="http://schemas.openxmlformats.org/drawingml/2006/diagram" xmlns:o="urn:schemas-microsoft-com:office:office" xmlns:v="urn:schemas-microsoft-com:vml" xmlns:pvml="urn:schemas-microsoft-com:office:powerpoint" xmlns:com="http://schemas.openxmlformats.org/drawingml/2006/compatibility" xmlns:p14="http://schemas.microsoft.com/office/powerpoint/2010/main" xmlns:p15="http://schemas.microsoft.com/office/powerpoint/2012/main" xmlns:ahyp="http://schemas.microsoft.com/office/drawing/2018/hyperlinkcolor">
+<p:sld xmlns:a="http://schemas.openxmlformats.org/drawingml/2006/main" xmlns:r="http://schemas.openxmlformats.org/officeDocument/2006/relationships" xmlns:p="http://schemas.openxmlformats.org/presentationml/2006/main">
   <p:cSld>
     <p:spTree>
       <p:nvGrpSpPr>
-        <p:cNvPr id="59" name="Shape 59"/>
+        <p:cNvPr id="1" name="Shape 59"/>
         <p:cNvGrpSpPr/>
         <p:nvPr/>
       </p:nvGrpSpPr>
@@ -6068,7 +6104,9 @@
       <p:sp>
         <p:nvSpPr>
           <p:cNvPr id="60" name="Google Shape;60;p14"/>
-          <p:cNvSpPr txBox="1"/>
+          <p:cNvSpPr txBox="1">
+            <a:spLocks noGrp="1"/>
+          </p:cNvSpPr>
           <p:nvPr>
             <p:ph type="title"/>
           </p:nvPr>
@@ -6083,12 +6121,12 @@
           </a:prstGeom>
         </p:spPr>
         <p:txBody>
-          <a:bodyPr anchorCtr="0" anchor="t" bIns="91425" lIns="91425" spcFirstLastPara="1" rIns="91425" wrap="square" tIns="91425">
+          <a:bodyPr spcFirstLastPara="1" wrap="square" lIns="91425" tIns="91425" rIns="91425" bIns="91425" anchor="t" anchorCtr="0">
             <a:normAutofit fontScale="90000"/>
           </a:bodyPr>
           <a:lstStyle/>
           <a:p>
-            <a:pPr indent="0" lvl="0" marL="0" rtl="0" algn="l">
+            <a:pPr marL="0" lvl="0" indent="0" algn="l" rtl="0">
               <a:spcBef>
                 <a:spcPts val="0"/>
               </a:spcBef>
@@ -6108,9 +6146,11 @@
       <p:sp>
         <p:nvSpPr>
           <p:cNvPr id="61" name="Google Shape;61;p14"/>
-          <p:cNvSpPr txBox="1"/>
+          <p:cNvSpPr txBox="1">
+            <a:spLocks noGrp="1"/>
+          </p:cNvSpPr>
           <p:nvPr>
-            <p:ph idx="1" type="body"/>
+            <p:ph type="body" idx="1"/>
           </p:nvPr>
         </p:nvSpPr>
         <p:spPr>
@@ -6123,12 +6163,12 @@
           </a:prstGeom>
         </p:spPr>
         <p:txBody>
-          <a:bodyPr anchorCtr="0" anchor="t" bIns="91425" lIns="91425" spcFirstLastPara="1" rIns="91425" wrap="square" tIns="91425">
+          <a:bodyPr spcFirstLastPara="1" wrap="square" lIns="91425" tIns="91425" rIns="91425" bIns="91425" anchor="t" anchorCtr="0">
             <a:normAutofit/>
           </a:bodyPr>
           <a:lstStyle/>
           <a:p>
-            <a:pPr indent="0" lvl="0" marL="0" rtl="0" algn="l">
+            <a:pPr marL="0" lvl="0" indent="0" algn="l" rtl="0">
               <a:spcBef>
                 <a:spcPts val="0"/>
               </a:spcBef>
@@ -6143,7 +6183,7 @@
               <a:buNone/>
             </a:pPr>
             <a:r>
-              <a:rPr b="1" lang="en" sz="1100">
+              <a:rPr lang="en" sz="1100" b="1">
                 <a:solidFill>
                   <a:schemeClr val="dk1"/>
                 </a:solidFill>
@@ -6165,7 +6205,7 @@
             </a:endParaRPr>
           </a:p>
           <a:p>
-            <a:pPr indent="0" lvl="0" marL="0" rtl="0" algn="l">
+            <a:pPr marL="0" lvl="0" indent="0" algn="l" rtl="0">
               <a:spcBef>
                 <a:spcPts val="1200"/>
               </a:spcBef>
@@ -6180,7 +6220,7 @@
               <a:buNone/>
             </a:pPr>
             <a:r>
-              <a:rPr b="1" lang="en" sz="1100">
+              <a:rPr lang="en" sz="1100" b="1">
                 <a:solidFill>
                   <a:schemeClr val="dk1"/>
                 </a:solidFill>
@@ -6202,7 +6242,7 @@
             </a:endParaRPr>
           </a:p>
           <a:p>
-            <a:pPr indent="0" lvl="0" marL="0" rtl="0" algn="l">
+            <a:pPr marL="0" lvl="0" indent="0" algn="l" rtl="0">
               <a:spcBef>
                 <a:spcPts val="1200"/>
               </a:spcBef>
@@ -6217,7 +6257,7 @@
               <a:buNone/>
             </a:pPr>
             <a:r>
-              <a:rPr b="1" lang="en" sz="1100">
+              <a:rPr lang="en" sz="1100" b="1">
                 <a:solidFill>
                   <a:schemeClr val="dk1"/>
                 </a:solidFill>
@@ -6239,7 +6279,7 @@
             </a:endParaRPr>
           </a:p>
           <a:p>
-            <a:pPr indent="0" lvl="0" marL="0" rtl="0" algn="l">
+            <a:pPr marL="0" lvl="0" indent="0" algn="l" rtl="0">
               <a:spcBef>
                 <a:spcPts val="1200"/>
               </a:spcBef>
@@ -6254,21 +6294,21 @@
               <a:buNone/>
             </a:pPr>
             <a:r>
-              <a:rPr b="1" lang="en" sz="1100">
+              <a:rPr lang="en" sz="1100" b="1">
                 <a:solidFill>
                   <a:schemeClr val="dk1"/>
                 </a:solidFill>
               </a:rPr>
               <a:t>Global Presence:</a:t>
             </a:r>
-            <a:endParaRPr b="1" sz="1100">
+            <a:endParaRPr sz="1100" b="1">
               <a:solidFill>
                 <a:schemeClr val="dk1"/>
               </a:solidFill>
             </a:endParaRPr>
           </a:p>
           <a:p>
-            <a:pPr indent="-298450" lvl="0" marL="457200" rtl="0" algn="l">
+            <a:pPr marL="457200" lvl="0" indent="-298450" algn="l" rtl="0">
               <a:spcBef>
                 <a:spcPts val="1200"/>
               </a:spcBef>
@@ -6296,7 +6336,7 @@
             </a:endParaRPr>
           </a:p>
           <a:p>
-            <a:pPr indent="-298450" lvl="0" marL="457200" rtl="0" algn="l">
+            <a:pPr marL="457200" lvl="0" indent="-298450" algn="l" rtl="0">
               <a:spcBef>
                 <a:spcPts val="0"/>
               </a:spcBef>
@@ -6324,7 +6364,7 @@
             </a:endParaRPr>
           </a:p>
           <a:p>
-            <a:pPr indent="-298450" lvl="0" marL="457200" rtl="0" algn="l">
+            <a:pPr marL="457200" lvl="0" indent="-298450" algn="l" rtl="0">
               <a:spcBef>
                 <a:spcPts val="0"/>
               </a:spcBef>
@@ -6352,7 +6392,7 @@
             </a:endParaRPr>
           </a:p>
           <a:p>
-            <a:pPr indent="0" lvl="0" marL="0" rtl="0" algn="l">
+            <a:pPr marL="0" lvl="0" indent="0" algn="l" rtl="0">
               <a:spcBef>
                 <a:spcPts val="1200"/>
               </a:spcBef>
@@ -6361,9 +6401,6 @@
               </a:spcAft>
               <a:buNone/>
             </a:pPr>
-            <a:r>
-              <a:t/>
-            </a:r>
             <a:endParaRPr/>
           </a:p>
         </p:txBody>
@@ -6377,11 +6414,11 @@
 </file>
 
 <file path=ppt/slides/slide3.xml><?xml version="1.0" encoding="utf-8"?>
-<p:sld xmlns:a="http://schemas.openxmlformats.org/drawingml/2006/main" xmlns:r="http://schemas.openxmlformats.org/officeDocument/2006/relationships" xmlns:mc="http://schemas.openxmlformats.org/markup-compatibility/2006" xmlns:mv="urn:schemas-microsoft-com:mac:vml" xmlns:p="http://schemas.openxmlformats.org/presentationml/2006/main" xmlns:c="http://schemas.openxmlformats.org/drawingml/2006/chart" xmlns:dgm="http://schemas.openxmlformats.org/drawingml/2006/diagram" xmlns:o="urn:schemas-microsoft-com:office:office" xmlns:v="urn:schemas-microsoft-com:vml" xmlns:pvml="urn:schemas-microsoft-com:office:powerpoint" xmlns:com="http://schemas.openxmlformats.org/drawingml/2006/compatibility" xmlns:p14="http://schemas.microsoft.com/office/powerpoint/2010/main" xmlns:p15="http://schemas.microsoft.com/office/powerpoint/2012/main" xmlns:ahyp="http://schemas.microsoft.com/office/drawing/2018/hyperlinkcolor">
+<p:sld xmlns:a="http://schemas.openxmlformats.org/drawingml/2006/main" xmlns:r="http://schemas.openxmlformats.org/officeDocument/2006/relationships" xmlns:p="http://schemas.openxmlformats.org/presentationml/2006/main">
   <p:cSld>
     <p:spTree>
       <p:nvGrpSpPr>
-        <p:cNvPr id="65" name="Shape 65"/>
+        <p:cNvPr id="1" name="Shape 65"/>
         <p:cNvGrpSpPr/>
         <p:nvPr/>
       </p:nvGrpSpPr>
@@ -6396,7 +6433,9 @@
       <p:sp>
         <p:nvSpPr>
           <p:cNvPr id="66" name="Google Shape;66;p15"/>
-          <p:cNvSpPr txBox="1"/>
+          <p:cNvSpPr txBox="1">
+            <a:spLocks noGrp="1"/>
+          </p:cNvSpPr>
           <p:nvPr>
             <p:ph type="title"/>
           </p:nvPr>
@@ -6411,12 +6450,12 @@
           </a:prstGeom>
         </p:spPr>
         <p:txBody>
-          <a:bodyPr anchorCtr="0" anchor="t" bIns="91425" lIns="91425" spcFirstLastPara="1" rIns="91425" wrap="square" tIns="91425">
+          <a:bodyPr spcFirstLastPara="1" wrap="square" lIns="91425" tIns="91425" rIns="91425" bIns="91425" anchor="t" anchorCtr="0">
             <a:normAutofit fontScale="90000"/>
           </a:bodyPr>
           <a:lstStyle/>
           <a:p>
-            <a:pPr indent="0" lvl="0" marL="0" rtl="0" algn="l">
+            <a:pPr marL="0" lvl="0" indent="0" algn="l" rtl="0">
               <a:spcBef>
                 <a:spcPts val="0"/>
               </a:spcBef>
@@ -6436,9 +6475,11 @@
       <p:sp>
         <p:nvSpPr>
           <p:cNvPr id="67" name="Google Shape;67;p15"/>
-          <p:cNvSpPr txBox="1"/>
+          <p:cNvSpPr txBox="1">
+            <a:spLocks noGrp="1"/>
+          </p:cNvSpPr>
           <p:nvPr>
-            <p:ph idx="1" type="body"/>
+            <p:ph type="body" idx="1"/>
           </p:nvPr>
         </p:nvSpPr>
         <p:spPr>
@@ -6451,12 +6492,12 @@
           </a:prstGeom>
         </p:spPr>
         <p:txBody>
-          <a:bodyPr anchorCtr="0" anchor="t" bIns="91425" lIns="91425" spcFirstLastPara="1" rIns="91425" wrap="square" tIns="91425">
+          <a:bodyPr spcFirstLastPara="1" wrap="square" lIns="91425" tIns="91425" rIns="91425" bIns="91425" anchor="t" anchorCtr="0">
             <a:normAutofit/>
           </a:bodyPr>
           <a:lstStyle/>
           <a:p>
-            <a:pPr indent="0" lvl="0" marL="0" rtl="0" algn="l">
+            <a:pPr marL="0" lvl="0" indent="0" algn="l" rtl="0">
               <a:spcBef>
                 <a:spcPts val="0"/>
               </a:spcBef>
@@ -6465,9 +6506,6 @@
               </a:spcAft>
               <a:buNone/>
             </a:pPr>
-            <a:r>
-              <a:t/>
-            </a:r>
             <a:endParaRPr/>
           </a:p>
         </p:txBody>
@@ -6480,7 +6518,7 @@
         </p:nvGraphicFramePr>
         <p:xfrm>
           <a:off x="952500" y="1809750"/>
-          <a:ext cx="3000000" cy="3000000"/>
+          <a:ext cx="7239000" cy="1996350"/>
         </p:xfrm>
         <a:graphic>
           <a:graphicData uri="http://schemas.openxmlformats.org/drawingml/2006/table">
@@ -6490,10 +6528,34 @@
                 <a:tableStyleId>{182BD0BB-AB3D-4EB0-84EE-4509E0B71C36}</a:tableStyleId>
               </a:tblPr>
               <a:tblGrid>
-                <a:gridCol w="1809750"/>
-                <a:gridCol w="1809750"/>
-                <a:gridCol w="1809750"/>
-                <a:gridCol w="1809750"/>
+                <a:gridCol w="1809750">
+                  <a:extLst>
+                    <a:ext uri="{9D8B030D-6E8A-4147-A177-3AD203B41FA5}">
+                      <a16:colId xmlns:a16="http://schemas.microsoft.com/office/drawing/2014/main" val="20000"/>
+                    </a:ext>
+                  </a:extLst>
+                </a:gridCol>
+                <a:gridCol w="1809750">
+                  <a:extLst>
+                    <a:ext uri="{9D8B030D-6E8A-4147-A177-3AD203B41FA5}">
+                      <a16:colId xmlns:a16="http://schemas.microsoft.com/office/drawing/2014/main" val="20001"/>
+                    </a:ext>
+                  </a:extLst>
+                </a:gridCol>
+                <a:gridCol w="1809750">
+                  <a:extLst>
+                    <a:ext uri="{9D8B030D-6E8A-4147-A177-3AD203B41FA5}">
+                      <a16:colId xmlns:a16="http://schemas.microsoft.com/office/drawing/2014/main" val="20002"/>
+                    </a:ext>
+                  </a:extLst>
+                </a:gridCol>
+                <a:gridCol w="1809750">
+                  <a:extLst>
+                    <a:ext uri="{9D8B030D-6E8A-4147-A177-3AD203B41FA5}">
+                      <a16:colId xmlns:a16="http://schemas.microsoft.com/office/drawing/2014/main" val="20003"/>
+                    </a:ext>
+                  </a:extLst>
+                </a:gridCol>
               </a:tblGrid>
               <a:tr h="381000">
                 <a:tc>
@@ -6501,7 +6563,7 @@
                     <a:bodyPr/>
                     <a:lstStyle/>
                     <a:p>
-                      <a:pPr indent="0" lvl="0" marL="0" rtl="0" algn="ctr">
+                      <a:pPr marL="0" lvl="0" indent="0" algn="ctr" rtl="0">
                         <a:lnSpc>
                           <a:spcPct val="115000"/>
                         </a:lnSpc>
@@ -6514,20 +6576,20 @@
                         <a:buNone/>
                       </a:pPr>
                       <a:r>
-                        <a:rPr b="1" lang="en" sz="1100"/>
+                        <a:rPr lang="en" sz="1100" b="1"/>
                         <a:t>Legal Entity</a:t>
                       </a:r>
-                      <a:endParaRPr b="1" sz="1100"/>
+                      <a:endParaRPr sz="1100" b="1"/>
                     </a:p>
                   </a:txBody>
-                  <a:tcPr marT="91425" marB="91425" marR="91425" marL="91425"/>
+                  <a:tcPr marL="91425" marR="91425" marT="91425" marB="91425"/>
                 </a:tc>
                 <a:tc>
                   <a:txBody>
                     <a:bodyPr/>
                     <a:lstStyle/>
                     <a:p>
-                      <a:pPr indent="0" lvl="0" marL="0" rtl="0" algn="ctr">
+                      <a:pPr marL="0" lvl="0" indent="0" algn="ctr" rtl="0">
                         <a:lnSpc>
                           <a:spcPct val="115000"/>
                         </a:lnSpc>
@@ -6540,20 +6602,20 @@
                         <a:buNone/>
                       </a:pPr>
                       <a:r>
-                        <a:rPr b="1" lang="en" sz="1100"/>
+                        <a:rPr lang="en" sz="1100" b="1"/>
                         <a:t>Country</a:t>
                       </a:r>
-                      <a:endParaRPr b="1" sz="1100"/>
+                      <a:endParaRPr sz="1100" b="1"/>
                     </a:p>
                   </a:txBody>
-                  <a:tcPr marT="91425" marB="91425" marR="91425" marL="91425"/>
+                  <a:tcPr marL="91425" marR="91425" marT="91425" marB="91425"/>
                 </a:tc>
                 <a:tc>
                   <a:txBody>
                     <a:bodyPr/>
                     <a:lstStyle/>
                     <a:p>
-                      <a:pPr indent="0" lvl="0" marL="0" rtl="0" algn="ctr">
+                      <a:pPr marL="0" lvl="0" indent="0" algn="ctr" rtl="0">
                         <a:lnSpc>
                           <a:spcPct val="115000"/>
                         </a:lnSpc>
@@ -6566,20 +6628,20 @@
                         <a:buNone/>
                       </a:pPr>
                       <a:r>
-                        <a:rPr b="1" lang="en" sz="1100"/>
+                        <a:rPr lang="en" sz="1100" b="1"/>
                         <a:t>Function</a:t>
                       </a:r>
-                      <a:endParaRPr b="1" sz="1100"/>
+                      <a:endParaRPr sz="1100" b="1"/>
                     </a:p>
                   </a:txBody>
-                  <a:tcPr marT="91425" marB="91425" marR="91425" marL="91425"/>
+                  <a:tcPr marL="91425" marR="91425" marT="91425" marB="91425"/>
                 </a:tc>
                 <a:tc>
                   <a:txBody>
                     <a:bodyPr/>
                     <a:lstStyle/>
                     <a:p>
-                      <a:pPr indent="0" lvl="0" marL="0" rtl="0" algn="ctr">
+                      <a:pPr marL="0" lvl="0" indent="0" algn="ctr" rtl="0">
                         <a:lnSpc>
                           <a:spcPct val="115000"/>
                         </a:lnSpc>
@@ -6592,14 +6654,19 @@
                         <a:buNone/>
                       </a:pPr>
                       <a:r>
-                        <a:rPr b="1" lang="en" sz="1100"/>
+                        <a:rPr lang="en" sz="1100" b="1"/>
                         <a:t>Operating Unit</a:t>
                       </a:r>
-                      <a:endParaRPr b="1" sz="1100"/>
+                      <a:endParaRPr sz="1100" b="1"/>
                     </a:p>
                   </a:txBody>
-                  <a:tcPr marT="91425" marB="91425" marR="91425" marL="91425"/>
+                  <a:tcPr marL="91425" marR="91425" marT="91425" marB="91425"/>
                 </a:tc>
+                <a:extLst>
+                  <a:ext uri="{0D108BD9-81ED-4DB2-BD59-A6C34878D82A}">
+                    <a16:rowId xmlns:a16="http://schemas.microsoft.com/office/drawing/2014/main" val="10000"/>
+                  </a:ext>
+                </a:extLst>
               </a:tr>
               <a:tr h="381000">
                 <a:tc>
@@ -6607,7 +6674,7 @@
                     <a:bodyPr/>
                     <a:lstStyle/>
                     <a:p>
-                      <a:pPr indent="0" lvl="0" marL="0" rtl="0" algn="l">
+                      <a:pPr marL="0" lvl="0" indent="0" algn="l" rtl="0">
                         <a:spcBef>
                           <a:spcPts val="0"/>
                         </a:spcBef>
@@ -6623,14 +6690,14 @@
                       <a:endParaRPr/>
                     </a:p>
                   </a:txBody>
-                  <a:tcPr marT="91425" marB="91425" marR="91425" marL="91425"/>
+                  <a:tcPr marL="91425" marR="91425" marT="91425" marB="91425"/>
                 </a:tc>
                 <a:tc>
                   <a:txBody>
                     <a:bodyPr/>
                     <a:lstStyle/>
                     <a:p>
-                      <a:pPr indent="0" lvl="0" marL="0" rtl="0" algn="l">
+                      <a:pPr marL="0" lvl="0" indent="0" algn="l" rtl="0">
                         <a:spcBef>
                           <a:spcPts val="0"/>
                         </a:spcBef>
@@ -6646,14 +6713,14 @@
                       <a:endParaRPr/>
                     </a:p>
                   </a:txBody>
-                  <a:tcPr marT="91425" marB="91425" marR="91425" marL="91425"/>
+                  <a:tcPr marL="91425" marR="91425" marT="91425" marB="91425"/>
                 </a:tc>
                 <a:tc>
                   <a:txBody>
                     <a:bodyPr/>
                     <a:lstStyle/>
                     <a:p>
-                      <a:pPr indent="0" lvl="0" marL="0" rtl="0" algn="l">
+                      <a:pPr marL="0" lvl="0" indent="0" algn="l" rtl="0">
                         <a:spcBef>
                           <a:spcPts val="0"/>
                         </a:spcBef>
@@ -6669,14 +6736,14 @@
                       <a:endParaRPr/>
                     </a:p>
                   </a:txBody>
-                  <a:tcPr marT="91425" marB="91425" marR="91425" marL="91425"/>
+                  <a:tcPr marL="91425" marR="91425" marT="91425" marB="91425"/>
                 </a:tc>
                 <a:tc>
                   <a:txBody>
                     <a:bodyPr/>
                     <a:lstStyle/>
                     <a:p>
-                      <a:pPr indent="0" lvl="0" marL="0" rtl="0" algn="l">
+                      <a:pPr marL="0" lvl="0" indent="0" algn="l" rtl="0">
                         <a:spcBef>
                           <a:spcPts val="0"/>
                         </a:spcBef>
@@ -6692,8 +6759,13 @@
                       <a:endParaRPr/>
                     </a:p>
                   </a:txBody>
-                  <a:tcPr marT="91425" marB="91425" marR="91425" marL="91425"/>
+                  <a:tcPr marL="91425" marR="91425" marT="91425" marB="91425"/>
                 </a:tc>
+                <a:extLst>
+                  <a:ext uri="{0D108BD9-81ED-4DB2-BD59-A6C34878D82A}">
+                    <a16:rowId xmlns:a16="http://schemas.microsoft.com/office/drawing/2014/main" val="10001"/>
+                  </a:ext>
+                </a:extLst>
               </a:tr>
               <a:tr h="381000">
                 <a:tc>
@@ -6701,7 +6773,7 @@
                     <a:bodyPr/>
                     <a:lstStyle/>
                     <a:p>
-                      <a:pPr indent="0" lvl="0" marL="0" rtl="0" algn="l">
+                      <a:pPr marL="0" lvl="0" indent="0" algn="l" rtl="0">
                         <a:spcBef>
                           <a:spcPts val="0"/>
                         </a:spcBef>
@@ -6717,14 +6789,14 @@
                       <a:endParaRPr/>
                     </a:p>
                   </a:txBody>
-                  <a:tcPr marT="91425" marB="91425" marR="91425" marL="91425"/>
+                  <a:tcPr marL="91425" marR="91425" marT="91425" marB="91425"/>
                 </a:tc>
                 <a:tc>
                   <a:txBody>
                     <a:bodyPr/>
                     <a:lstStyle/>
                     <a:p>
-                      <a:pPr indent="0" lvl="0" marL="0" rtl="0" algn="l">
+                      <a:pPr marL="0" lvl="0" indent="0" algn="l" rtl="0">
                         <a:spcBef>
                           <a:spcPts val="0"/>
                         </a:spcBef>
@@ -6740,14 +6812,14 @@
                       <a:endParaRPr/>
                     </a:p>
                   </a:txBody>
-                  <a:tcPr marT="91425" marB="91425" marR="91425" marL="91425"/>
+                  <a:tcPr marL="91425" marR="91425" marT="91425" marB="91425"/>
                 </a:tc>
                 <a:tc>
                   <a:txBody>
                     <a:bodyPr/>
                     <a:lstStyle/>
                     <a:p>
-                      <a:pPr indent="0" lvl="0" marL="0" rtl="0" algn="l">
+                      <a:pPr marL="0" lvl="0" indent="0" algn="l" rtl="0">
                         <a:spcBef>
                           <a:spcPts val="0"/>
                         </a:spcBef>
@@ -6763,14 +6835,14 @@
                       <a:endParaRPr/>
                     </a:p>
                   </a:txBody>
-                  <a:tcPr marT="91425" marB="91425" marR="91425" marL="91425"/>
+                  <a:tcPr marL="91425" marR="91425" marT="91425" marB="91425"/>
                 </a:tc>
                 <a:tc>
                   <a:txBody>
                     <a:bodyPr/>
                     <a:lstStyle/>
                     <a:p>
-                      <a:pPr indent="0" lvl="0" marL="0" rtl="0" algn="l">
+                      <a:pPr marL="0" lvl="0" indent="0" algn="l" rtl="0">
                         <a:spcBef>
                           <a:spcPts val="0"/>
                         </a:spcBef>
@@ -6786,8 +6858,13 @@
                       <a:endParaRPr/>
                     </a:p>
                   </a:txBody>
-                  <a:tcPr marT="91425" marB="91425" marR="91425" marL="91425"/>
+                  <a:tcPr marL="91425" marR="91425" marT="91425" marB="91425"/>
                 </a:tc>
+                <a:extLst>
+                  <a:ext uri="{0D108BD9-81ED-4DB2-BD59-A6C34878D82A}">
+                    <a16:rowId xmlns:a16="http://schemas.microsoft.com/office/drawing/2014/main" val="10002"/>
+                  </a:ext>
+                </a:extLst>
               </a:tr>
               <a:tr h="381000">
                 <a:tc>
@@ -6795,7 +6872,7 @@
                     <a:bodyPr/>
                     <a:lstStyle/>
                     <a:p>
-                      <a:pPr indent="0" lvl="0" marL="0" rtl="0" algn="l">
+                      <a:pPr marL="0" lvl="0" indent="0" algn="l" rtl="0">
                         <a:spcBef>
                           <a:spcPts val="0"/>
                         </a:spcBef>
@@ -6811,14 +6888,14 @@
                       <a:endParaRPr/>
                     </a:p>
                   </a:txBody>
-                  <a:tcPr marT="91425" marB="91425" marR="91425" marL="91425"/>
+                  <a:tcPr marL="91425" marR="91425" marT="91425" marB="91425"/>
                 </a:tc>
                 <a:tc>
                   <a:txBody>
                     <a:bodyPr/>
                     <a:lstStyle/>
                     <a:p>
-                      <a:pPr indent="0" lvl="0" marL="0" rtl="0" algn="l">
+                      <a:pPr marL="0" lvl="0" indent="0" algn="l" rtl="0">
                         <a:spcBef>
                           <a:spcPts val="0"/>
                         </a:spcBef>
@@ -6834,14 +6911,14 @@
                       <a:endParaRPr/>
                     </a:p>
                   </a:txBody>
-                  <a:tcPr marT="91425" marB="91425" marR="91425" marL="91425"/>
+                  <a:tcPr marL="91425" marR="91425" marT="91425" marB="91425"/>
                 </a:tc>
                 <a:tc>
                   <a:txBody>
                     <a:bodyPr/>
                     <a:lstStyle/>
                     <a:p>
-                      <a:pPr indent="0" lvl="0" marL="0" rtl="0" algn="l">
+                      <a:pPr marL="0" lvl="0" indent="0" algn="l" rtl="0">
                         <a:spcBef>
                           <a:spcPts val="0"/>
                         </a:spcBef>
@@ -6857,14 +6934,14 @@
                       <a:endParaRPr/>
                     </a:p>
                   </a:txBody>
-                  <a:tcPr marT="91425" marB="91425" marR="91425" marL="91425"/>
+                  <a:tcPr marL="91425" marR="91425" marT="91425" marB="91425"/>
                 </a:tc>
                 <a:tc>
                   <a:txBody>
                     <a:bodyPr/>
                     <a:lstStyle/>
                     <a:p>
-                      <a:pPr indent="0" lvl="0" marL="0" rtl="0" algn="l">
+                      <a:pPr marL="0" lvl="0" indent="0" algn="l" rtl="0">
                         <a:spcBef>
                           <a:spcPts val="0"/>
                         </a:spcBef>
@@ -6880,8 +6957,13 @@
                       <a:endParaRPr/>
                     </a:p>
                   </a:txBody>
-                  <a:tcPr marT="91425" marB="91425" marR="91425" marL="91425"/>
+                  <a:tcPr marL="91425" marR="91425" marT="91425" marB="91425"/>
                 </a:tc>
+                <a:extLst>
+                  <a:ext uri="{0D108BD9-81ED-4DB2-BD59-A6C34878D82A}">
+                    <a16:rowId xmlns:a16="http://schemas.microsoft.com/office/drawing/2014/main" val="10003"/>
+                  </a:ext>
+                </a:extLst>
               </a:tr>
             </a:tbl>
           </a:graphicData>
@@ -6896,11 +6978,11 @@
 </file>
 
 <file path=ppt/slides/slide4.xml><?xml version="1.0" encoding="utf-8"?>
-<p:sld xmlns:a="http://schemas.openxmlformats.org/drawingml/2006/main" xmlns:r="http://schemas.openxmlformats.org/officeDocument/2006/relationships" xmlns:mc="http://schemas.openxmlformats.org/markup-compatibility/2006" xmlns:mv="urn:schemas-microsoft-com:mac:vml" xmlns:p="http://schemas.openxmlformats.org/presentationml/2006/main" xmlns:c="http://schemas.openxmlformats.org/drawingml/2006/chart" xmlns:dgm="http://schemas.openxmlformats.org/drawingml/2006/diagram" xmlns:o="urn:schemas-microsoft-com:office:office" xmlns:v="urn:schemas-microsoft-com:vml" xmlns:pvml="urn:schemas-microsoft-com:office:powerpoint" xmlns:com="http://schemas.openxmlformats.org/drawingml/2006/compatibility" xmlns:p14="http://schemas.microsoft.com/office/powerpoint/2010/main" xmlns:p15="http://schemas.microsoft.com/office/powerpoint/2012/main" xmlns:ahyp="http://schemas.microsoft.com/office/drawing/2018/hyperlinkcolor">
+<p:sld xmlns:a="http://schemas.openxmlformats.org/drawingml/2006/main" xmlns:r="http://schemas.openxmlformats.org/officeDocument/2006/relationships" xmlns:p="http://schemas.openxmlformats.org/presentationml/2006/main">
   <p:cSld>
     <p:spTree>
       <p:nvGrpSpPr>
-        <p:cNvPr id="72" name="Shape 72"/>
+        <p:cNvPr id="1" name="Shape 72"/>
         <p:cNvGrpSpPr/>
         <p:nvPr/>
       </p:nvGrpSpPr>
@@ -6915,7 +6997,9 @@
       <p:sp>
         <p:nvSpPr>
           <p:cNvPr id="73" name="Google Shape;73;p16"/>
-          <p:cNvSpPr txBox="1"/>
+          <p:cNvSpPr txBox="1">
+            <a:spLocks noGrp="1"/>
+          </p:cNvSpPr>
           <p:nvPr>
             <p:ph type="title"/>
           </p:nvPr>
@@ -6930,12 +7014,12 @@
           </a:prstGeom>
         </p:spPr>
         <p:txBody>
-          <a:bodyPr anchorCtr="0" anchor="t" bIns="91425" lIns="91425" spcFirstLastPara="1" rIns="91425" wrap="square" tIns="91425">
+          <a:bodyPr spcFirstLastPara="1" wrap="square" lIns="91425" tIns="91425" rIns="91425" bIns="91425" anchor="t" anchorCtr="0">
             <a:normAutofit fontScale="90000"/>
           </a:bodyPr>
           <a:lstStyle/>
           <a:p>
-            <a:pPr indent="0" lvl="0" marL="0" rtl="0" algn="l">
+            <a:pPr marL="0" lvl="0" indent="0" algn="l" rtl="0">
               <a:spcBef>
                 <a:spcPts val="0"/>
               </a:spcBef>
@@ -6955,9 +7039,11 @@
       <p:sp>
         <p:nvSpPr>
           <p:cNvPr id="74" name="Google Shape;74;p16"/>
-          <p:cNvSpPr txBox="1"/>
+          <p:cNvSpPr txBox="1">
+            <a:spLocks noGrp="1"/>
+          </p:cNvSpPr>
           <p:nvPr>
-            <p:ph idx="1" type="body"/>
+            <p:ph type="body" idx="1"/>
           </p:nvPr>
         </p:nvSpPr>
         <p:spPr>
@@ -6970,12 +7056,12 @@
           </a:prstGeom>
         </p:spPr>
         <p:txBody>
-          <a:bodyPr anchorCtr="0" anchor="t" bIns="91425" lIns="91425" spcFirstLastPara="1" rIns="91425" wrap="square" tIns="91425">
-            <a:normAutofit fontScale="92500" lnSpcReduction="20000"/>
+          <a:bodyPr spcFirstLastPara="1" wrap="square" lIns="91425" tIns="91425" rIns="91425" bIns="91425" anchor="t" anchorCtr="0">
+            <a:normAutofit lnSpcReduction="10000"/>
           </a:bodyPr>
           <a:lstStyle/>
           <a:p>
-            <a:pPr indent="0" lvl="0" marL="0" rtl="0" algn="l">
+            <a:pPr marL="0" lvl="0" indent="0" algn="l" rtl="0">
               <a:spcBef>
                 <a:spcPts val="0"/>
               </a:spcBef>
@@ -6990,21 +7076,21 @@
               <a:buNone/>
             </a:pPr>
             <a:r>
-              <a:rPr b="1" lang="en" sz="1100">
+              <a:rPr lang="en" sz="1100" b="1" dirty="0">
                 <a:solidFill>
                   <a:schemeClr val="dk1"/>
                 </a:solidFill>
               </a:rPr>
               <a:t>HR &amp; Talent</a:t>
             </a:r>
-            <a:endParaRPr b="1" sz="1100">
+            <a:endParaRPr sz="1100" b="1" dirty="0">
               <a:solidFill>
                 <a:schemeClr val="dk1"/>
               </a:solidFill>
             </a:endParaRPr>
           </a:p>
           <a:p>
-            <a:pPr indent="-293211" lvl="0" marL="457200" rtl="0" algn="l">
+            <a:pPr marL="457200" lvl="0" indent="-293211" algn="l" rtl="0">
               <a:spcBef>
                 <a:spcPts val="1200"/>
               </a:spcBef>
@@ -7018,21 +7104,21 @@
               <a:buChar char="●"/>
             </a:pPr>
             <a:r>
-              <a:rPr lang="en" sz="1100">
+              <a:rPr lang="en" sz="1100" dirty="0">
                 <a:solidFill>
                   <a:schemeClr val="dk1"/>
                 </a:solidFill>
               </a:rPr>
               <a:t>HR Director</a:t>
             </a:r>
-            <a:endParaRPr sz="1100">
+            <a:endParaRPr sz="1100" dirty="0">
               <a:solidFill>
                 <a:schemeClr val="dk1"/>
               </a:solidFill>
             </a:endParaRPr>
           </a:p>
           <a:p>
-            <a:pPr indent="-293211" lvl="0" marL="457200" rtl="0" algn="l">
+            <a:pPr marL="457200" lvl="0" indent="-293211" algn="l" rtl="0">
               <a:spcBef>
                 <a:spcPts val="0"/>
               </a:spcBef>
@@ -7046,21 +7132,21 @@
               <a:buChar char="●"/>
             </a:pPr>
             <a:r>
-              <a:rPr lang="en" sz="1100">
+              <a:rPr lang="en" sz="1100" dirty="0">
                 <a:solidFill>
                   <a:schemeClr val="dk1"/>
                 </a:solidFill>
               </a:rPr>
               <a:t>HR Business Partner</a:t>
             </a:r>
-            <a:endParaRPr sz="1100">
+            <a:endParaRPr sz="1100" dirty="0">
               <a:solidFill>
                 <a:schemeClr val="dk1"/>
               </a:solidFill>
             </a:endParaRPr>
           </a:p>
           <a:p>
-            <a:pPr indent="-293211" lvl="0" marL="457200" rtl="0" algn="l">
+            <a:pPr marL="457200" lvl="0" indent="-293211" algn="l" rtl="0">
               <a:spcBef>
                 <a:spcPts val="0"/>
               </a:spcBef>
@@ -7074,21 +7160,21 @@
               <a:buChar char="●"/>
             </a:pPr>
             <a:r>
-              <a:rPr lang="en" sz="1100">
+              <a:rPr lang="en" sz="1100" dirty="0">
                 <a:solidFill>
                   <a:schemeClr val="dk1"/>
                 </a:solidFill>
               </a:rPr>
               <a:t>Talent Acquisition Specialist</a:t>
             </a:r>
-            <a:endParaRPr sz="1100">
+            <a:endParaRPr sz="1100" dirty="0">
               <a:solidFill>
                 <a:schemeClr val="dk1"/>
               </a:solidFill>
             </a:endParaRPr>
           </a:p>
           <a:p>
-            <a:pPr indent="-293211" lvl="0" marL="457200" rtl="0" algn="l">
+            <a:pPr marL="457200" lvl="0" indent="-293211" algn="l" rtl="0">
               <a:spcBef>
                 <a:spcPts val="0"/>
               </a:spcBef>
@@ -7102,21 +7188,21 @@
               <a:buChar char="●"/>
             </a:pPr>
             <a:r>
-              <a:rPr lang="en" sz="1100">
+              <a:rPr lang="en" sz="1100" dirty="0">
                 <a:solidFill>
                   <a:schemeClr val="dk1"/>
                 </a:solidFill>
               </a:rPr>
               <a:t>Training &amp; Development Officer</a:t>
             </a:r>
-            <a:endParaRPr sz="1100">
+            <a:endParaRPr sz="1100" dirty="0">
               <a:solidFill>
                 <a:schemeClr val="dk1"/>
               </a:solidFill>
             </a:endParaRPr>
           </a:p>
           <a:p>
-            <a:pPr indent="0" lvl="0" marL="0" rtl="0" algn="l">
+            <a:pPr marL="0" lvl="0" indent="0" algn="l" rtl="0">
               <a:spcBef>
                 <a:spcPts val="1200"/>
               </a:spcBef>
@@ -7131,21 +7217,21 @@
               <a:buNone/>
             </a:pPr>
             <a:r>
-              <a:rPr b="1" lang="en" sz="1100">
+              <a:rPr lang="en" sz="1100" b="1" dirty="0">
                 <a:solidFill>
                   <a:schemeClr val="dk1"/>
                 </a:solidFill>
               </a:rPr>
               <a:t>Sales &amp; Partnerships</a:t>
             </a:r>
-            <a:endParaRPr b="1" sz="1100">
+            <a:endParaRPr sz="1100" b="1" dirty="0">
               <a:solidFill>
                 <a:schemeClr val="dk1"/>
               </a:solidFill>
             </a:endParaRPr>
           </a:p>
           <a:p>
-            <a:pPr indent="-293211" lvl="0" marL="457200" rtl="0" algn="l">
+            <a:pPr marL="457200" lvl="0" indent="-293211" algn="l" rtl="0">
               <a:spcBef>
                 <a:spcPts val="1200"/>
               </a:spcBef>
@@ -7159,21 +7245,21 @@
               <a:buChar char="●"/>
             </a:pPr>
             <a:r>
-              <a:rPr lang="en" sz="1100">
+              <a:rPr lang="en" sz="1100" dirty="0">
                 <a:solidFill>
                   <a:schemeClr val="dk1"/>
                 </a:solidFill>
               </a:rPr>
               <a:t>VP of Sales</a:t>
             </a:r>
-            <a:endParaRPr sz="1100">
+            <a:endParaRPr sz="1100" dirty="0">
               <a:solidFill>
                 <a:schemeClr val="dk1"/>
               </a:solidFill>
             </a:endParaRPr>
           </a:p>
           <a:p>
-            <a:pPr indent="-293211" lvl="0" marL="457200" rtl="0" algn="l">
+            <a:pPr marL="457200" lvl="0" indent="-293211" algn="l" rtl="0">
               <a:spcBef>
                 <a:spcPts val="0"/>
               </a:spcBef>
@@ -7187,21 +7273,21 @@
               <a:buChar char="●"/>
             </a:pPr>
             <a:r>
-              <a:rPr lang="en" sz="1100">
+              <a:rPr lang="en" sz="1100" dirty="0">
                 <a:solidFill>
                   <a:schemeClr val="dk1"/>
                 </a:solidFill>
               </a:rPr>
               <a:t>Regional Sales Manager (EMEA &amp; NA)</a:t>
             </a:r>
-            <a:endParaRPr sz="1100">
+            <a:endParaRPr sz="1100" dirty="0">
               <a:solidFill>
                 <a:schemeClr val="dk1"/>
               </a:solidFill>
             </a:endParaRPr>
           </a:p>
           <a:p>
-            <a:pPr indent="-293211" lvl="0" marL="457200" rtl="0" algn="l">
+            <a:pPr marL="457200" lvl="0" indent="-293211" algn="l" rtl="0">
               <a:spcBef>
                 <a:spcPts val="0"/>
               </a:spcBef>
@@ -7215,21 +7301,21 @@
               <a:buChar char="●"/>
             </a:pPr>
             <a:r>
-              <a:rPr lang="en" sz="1100">
+              <a:rPr lang="en" sz="1100" dirty="0">
                 <a:solidFill>
                   <a:schemeClr val="dk1"/>
                 </a:solidFill>
               </a:rPr>
               <a:t>Partnership Development Lead</a:t>
             </a:r>
-            <a:endParaRPr sz="1100">
+            <a:endParaRPr sz="1100" dirty="0">
               <a:solidFill>
                 <a:schemeClr val="dk1"/>
               </a:solidFill>
             </a:endParaRPr>
           </a:p>
           <a:p>
-            <a:pPr indent="0" lvl="0" marL="0" rtl="0" algn="l">
+            <a:pPr marL="0" lvl="0" indent="0" algn="l" rtl="0">
               <a:spcBef>
                 <a:spcPts val="1200"/>
               </a:spcBef>
@@ -7244,21 +7330,21 @@
               <a:buNone/>
             </a:pPr>
             <a:r>
-              <a:rPr b="1" lang="en" sz="1100">
+              <a:rPr lang="en" sz="1100" b="1" dirty="0">
                 <a:solidFill>
                   <a:schemeClr val="dk1"/>
                 </a:solidFill>
               </a:rPr>
               <a:t>Finance &amp; Legal</a:t>
             </a:r>
-            <a:endParaRPr b="1" sz="1100">
+            <a:endParaRPr sz="1100" b="1" dirty="0">
               <a:solidFill>
                 <a:schemeClr val="dk1"/>
               </a:solidFill>
             </a:endParaRPr>
           </a:p>
           <a:p>
-            <a:pPr indent="-293211" lvl="0" marL="457200" rtl="0" algn="l">
+            <a:pPr marL="457200" lvl="0" indent="-293211" algn="l" rtl="0">
               <a:spcBef>
                 <a:spcPts val="1200"/>
               </a:spcBef>
@@ -7272,21 +7358,21 @@
               <a:buChar char="●"/>
             </a:pPr>
             <a:r>
-              <a:rPr lang="en" sz="1100">
+              <a:rPr lang="en" sz="1100" dirty="0">
                 <a:solidFill>
                   <a:schemeClr val="dk1"/>
                 </a:solidFill>
               </a:rPr>
               <a:t>Finance Controller</a:t>
             </a:r>
-            <a:endParaRPr sz="1100">
+            <a:endParaRPr sz="1100" dirty="0">
               <a:solidFill>
                 <a:schemeClr val="dk1"/>
               </a:solidFill>
             </a:endParaRPr>
           </a:p>
           <a:p>
-            <a:pPr indent="-293211" lvl="0" marL="457200" rtl="0" algn="l">
+            <a:pPr marL="457200" lvl="0" indent="-293211" algn="l" rtl="0">
               <a:spcBef>
                 <a:spcPts val="0"/>
               </a:spcBef>
@@ -7300,21 +7386,21 @@
               <a:buChar char="●"/>
             </a:pPr>
             <a:r>
-              <a:rPr lang="en" sz="1100">
+              <a:rPr lang="en" sz="1100" dirty="0">
                 <a:solidFill>
                   <a:schemeClr val="dk1"/>
                 </a:solidFill>
               </a:rPr>
               <a:t>Accountant</a:t>
             </a:r>
-            <a:endParaRPr sz="1100">
+            <a:endParaRPr sz="1100" dirty="0">
               <a:solidFill>
                 <a:schemeClr val="dk1"/>
               </a:solidFill>
             </a:endParaRPr>
           </a:p>
           <a:p>
-            <a:pPr indent="-293211" lvl="0" marL="457200" rtl="0" algn="l">
+            <a:pPr marL="457200" lvl="0" indent="-293211" algn="l" rtl="0">
               <a:spcBef>
                 <a:spcPts val="0"/>
               </a:spcBef>
@@ -7328,21 +7414,21 @@
               <a:buChar char="●"/>
             </a:pPr>
             <a:r>
-              <a:rPr lang="en" sz="1100">
+              <a:rPr lang="en" sz="1100" dirty="0">
                 <a:solidFill>
                   <a:schemeClr val="dk1"/>
                 </a:solidFill>
               </a:rPr>
               <a:t>Legal Counsel</a:t>
             </a:r>
-            <a:endParaRPr sz="1100">
+            <a:endParaRPr sz="1100" dirty="0">
               <a:solidFill>
                 <a:schemeClr val="dk1"/>
               </a:solidFill>
             </a:endParaRPr>
           </a:p>
           <a:p>
-            <a:pPr indent="0" lvl="0" marL="0" rtl="0" algn="l">
+            <a:pPr marL="0" lvl="0" indent="0" algn="l" rtl="0">
               <a:spcBef>
                 <a:spcPts val="1200"/>
               </a:spcBef>
@@ -7351,10 +7437,7 @@
               </a:spcAft>
               <a:buNone/>
             </a:pPr>
-            <a:r>
-              <a:t/>
-            </a:r>
-            <a:endParaRPr/>
+            <a:endParaRPr dirty="0"/>
           </a:p>
         </p:txBody>
       </p:sp>
@@ -7378,12 +7461,12 @@
           </a:ln>
         </p:spPr>
         <p:txBody>
-          <a:bodyPr anchorCtr="0" anchor="t" bIns="91425" lIns="91425" spcFirstLastPara="1" rIns="91425" wrap="square" tIns="91425">
+          <a:bodyPr spcFirstLastPara="1" wrap="square" lIns="91425" tIns="91425" rIns="91425" bIns="91425" anchor="t" anchorCtr="0">
             <a:noAutofit/>
           </a:bodyPr>
           <a:lstStyle/>
           <a:p>
-            <a:pPr indent="0" lvl="0" marL="0" rtl="0" algn="l">
+            <a:pPr marL="0" lvl="0" indent="0" algn="l" rtl="0">
               <a:spcBef>
                 <a:spcPts val="0"/>
               </a:spcBef>
@@ -7398,21 +7481,21 @@
               <a:buNone/>
             </a:pPr>
             <a:r>
-              <a:rPr b="1" lang="en" sz="1100">
+              <a:rPr lang="en" sz="1100" b="1" dirty="0">
                 <a:solidFill>
                   <a:schemeClr val="dk1"/>
                 </a:solidFill>
               </a:rPr>
               <a:t>Executive Office</a:t>
             </a:r>
-            <a:endParaRPr b="1" sz="1100">
+            <a:endParaRPr sz="1100" b="1" dirty="0">
               <a:solidFill>
                 <a:schemeClr val="dk1"/>
               </a:solidFill>
             </a:endParaRPr>
           </a:p>
           <a:p>
-            <a:pPr indent="-298450" lvl="0" marL="457200" rtl="0" algn="l">
+            <a:pPr marL="457200" lvl="0" indent="-298450" algn="l" rtl="0">
               <a:lnSpc>
                 <a:spcPct val="115000"/>
               </a:lnSpc>
@@ -7429,21 +7512,21 @@
               <a:buChar char="●"/>
             </a:pPr>
             <a:r>
-              <a:rPr lang="en" sz="1100">
+              <a:rPr lang="en" sz="1100" dirty="0">
                 <a:solidFill>
                   <a:schemeClr val="dk1"/>
                 </a:solidFill>
               </a:rPr>
               <a:t>CEO, COO, CFO</a:t>
             </a:r>
-            <a:endParaRPr sz="1100">
+            <a:endParaRPr sz="1100" dirty="0">
               <a:solidFill>
                 <a:schemeClr val="dk1"/>
               </a:solidFill>
             </a:endParaRPr>
           </a:p>
           <a:p>
-            <a:pPr indent="0" lvl="0" marL="0" rtl="0" algn="l">
+            <a:pPr marL="0" lvl="0" indent="0" algn="l" rtl="0">
               <a:lnSpc>
                 <a:spcPct val="115000"/>
               </a:lnSpc>
@@ -7461,21 +7544,21 @@
               <a:buNone/>
             </a:pPr>
             <a:r>
-              <a:rPr b="1" lang="en" sz="1100">
+              <a:rPr lang="en" sz="1100" b="1" dirty="0">
                 <a:solidFill>
                   <a:schemeClr val="dk1"/>
                 </a:solidFill>
               </a:rPr>
               <a:t>Engineering &amp; R&amp;D</a:t>
             </a:r>
-            <a:endParaRPr b="1" sz="1100">
+            <a:endParaRPr sz="1100" b="1" dirty="0">
               <a:solidFill>
                 <a:schemeClr val="dk1"/>
               </a:solidFill>
             </a:endParaRPr>
           </a:p>
           <a:p>
-            <a:pPr indent="-298450" lvl="0" marL="457200" rtl="0" algn="l">
+            <a:pPr marL="457200" lvl="0" indent="-298450" algn="l" rtl="0">
               <a:lnSpc>
                 <a:spcPct val="115000"/>
               </a:lnSpc>
@@ -7492,21 +7575,21 @@
               <a:buChar char="●"/>
             </a:pPr>
             <a:r>
-              <a:rPr lang="en" sz="1100">
+              <a:rPr lang="en" sz="1100" dirty="0">
                 <a:solidFill>
                   <a:schemeClr val="dk1"/>
                 </a:solidFill>
               </a:rPr>
               <a:t>VP of Engineering</a:t>
             </a:r>
-            <a:endParaRPr sz="1100">
+            <a:endParaRPr sz="1100" dirty="0">
               <a:solidFill>
                 <a:schemeClr val="dk1"/>
               </a:solidFill>
             </a:endParaRPr>
           </a:p>
           <a:p>
-            <a:pPr indent="-298450" lvl="0" marL="457200" rtl="0" algn="l">
+            <a:pPr marL="457200" lvl="0" indent="-298450" algn="l" rtl="0">
               <a:lnSpc>
                 <a:spcPct val="115000"/>
               </a:lnSpc>
@@ -7523,21 +7606,21 @@
               <a:buChar char="●"/>
             </a:pPr>
             <a:r>
-              <a:rPr lang="en" sz="1100">
+              <a:rPr lang="en" sz="1100" dirty="0">
                 <a:solidFill>
                   <a:schemeClr val="dk1"/>
                 </a:solidFill>
               </a:rPr>
               <a:t>Software Architect</a:t>
             </a:r>
-            <a:endParaRPr sz="1100">
+            <a:endParaRPr sz="1100" dirty="0">
               <a:solidFill>
                 <a:schemeClr val="dk1"/>
               </a:solidFill>
             </a:endParaRPr>
           </a:p>
           <a:p>
-            <a:pPr indent="-298450" lvl="0" marL="457200" rtl="0" algn="l">
+            <a:pPr marL="457200" lvl="0" indent="-298450" algn="l" rtl="0">
               <a:lnSpc>
                 <a:spcPct val="115000"/>
               </a:lnSpc>
@@ -7554,21 +7637,21 @@
               <a:buChar char="●"/>
             </a:pPr>
             <a:r>
-              <a:rPr lang="en" sz="1100">
+              <a:rPr lang="en" sz="1100" dirty="0">
                 <a:solidFill>
                   <a:schemeClr val="dk1"/>
                 </a:solidFill>
               </a:rPr>
               <a:t>Embedded Systems Engineer</a:t>
             </a:r>
-            <a:endParaRPr sz="1100">
+            <a:endParaRPr sz="1100" dirty="0">
               <a:solidFill>
                 <a:schemeClr val="dk1"/>
               </a:solidFill>
             </a:endParaRPr>
           </a:p>
           <a:p>
-            <a:pPr indent="-298450" lvl="0" marL="457200" rtl="0" algn="l">
+            <a:pPr marL="457200" lvl="0" indent="-298450" algn="l" rtl="0">
               <a:lnSpc>
                 <a:spcPct val="115000"/>
               </a:lnSpc>
@@ -7585,21 +7668,21 @@
               <a:buChar char="●"/>
             </a:pPr>
             <a:r>
-              <a:rPr lang="en" sz="1100">
+              <a:rPr lang="en" sz="1100" dirty="0">
                 <a:solidFill>
                   <a:schemeClr val="dk1"/>
                 </a:solidFill>
               </a:rPr>
               <a:t>QA Automation Lead</a:t>
             </a:r>
-            <a:endParaRPr sz="1100">
+            <a:endParaRPr sz="1100" dirty="0">
               <a:solidFill>
                 <a:schemeClr val="dk1"/>
               </a:solidFill>
             </a:endParaRPr>
           </a:p>
           <a:p>
-            <a:pPr indent="-298450" lvl="0" marL="457200" rtl="0" algn="l">
+            <a:pPr marL="457200" lvl="0" indent="-298450" algn="l" rtl="0">
               <a:lnSpc>
                 <a:spcPct val="115000"/>
               </a:lnSpc>
@@ -7616,21 +7699,21 @@
               <a:buChar char="●"/>
             </a:pPr>
             <a:r>
-              <a:rPr lang="en" sz="1100">
+              <a:rPr lang="en" sz="1100" dirty="0">
                 <a:solidFill>
                   <a:schemeClr val="dk1"/>
                 </a:solidFill>
               </a:rPr>
               <a:t>Junior Developer</a:t>
             </a:r>
-            <a:endParaRPr sz="1100">
+            <a:endParaRPr sz="1100" dirty="0">
               <a:solidFill>
                 <a:schemeClr val="dk1"/>
               </a:solidFill>
             </a:endParaRPr>
           </a:p>
           <a:p>
-            <a:pPr indent="0" lvl="0" marL="0" rtl="0" algn="l">
+            <a:pPr marL="0" lvl="0" indent="0" algn="l" rtl="0">
               <a:lnSpc>
                 <a:spcPct val="115000"/>
               </a:lnSpc>
@@ -7648,21 +7731,21 @@
               <a:buNone/>
             </a:pPr>
             <a:r>
-              <a:rPr b="1" lang="en" sz="1100">
+              <a:rPr lang="en" sz="1100" b="1" dirty="0">
                 <a:solidFill>
                   <a:schemeClr val="dk1"/>
                 </a:solidFill>
               </a:rPr>
               <a:t>Product &amp; Innovation</a:t>
             </a:r>
-            <a:endParaRPr b="1" sz="1100">
+            <a:endParaRPr sz="1100" b="1" dirty="0">
               <a:solidFill>
                 <a:schemeClr val="dk1"/>
               </a:solidFill>
             </a:endParaRPr>
           </a:p>
           <a:p>
-            <a:pPr indent="-298450" lvl="0" marL="457200" rtl="0" algn="l">
+            <a:pPr marL="457200" lvl="0" indent="-298450" algn="l" rtl="0">
               <a:lnSpc>
                 <a:spcPct val="115000"/>
               </a:lnSpc>
@@ -7679,21 +7762,21 @@
               <a:buChar char="●"/>
             </a:pPr>
             <a:r>
-              <a:rPr lang="en" sz="1100">
+              <a:rPr lang="en" sz="1100" dirty="0">
                 <a:solidFill>
                   <a:schemeClr val="dk1"/>
                 </a:solidFill>
               </a:rPr>
               <a:t>Chief Product Officer</a:t>
             </a:r>
-            <a:endParaRPr sz="1100">
+            <a:endParaRPr sz="1100" dirty="0">
               <a:solidFill>
                 <a:schemeClr val="dk1"/>
               </a:solidFill>
             </a:endParaRPr>
           </a:p>
           <a:p>
-            <a:pPr indent="-298450" lvl="0" marL="457200" rtl="0" algn="l">
+            <a:pPr marL="457200" lvl="0" indent="-298450" algn="l" rtl="0">
               <a:lnSpc>
                 <a:spcPct val="115000"/>
               </a:lnSpc>
@@ -7710,21 +7793,21 @@
               <a:buChar char="●"/>
             </a:pPr>
             <a:r>
-              <a:rPr lang="en" sz="1100">
+              <a:rPr lang="en" sz="1100" dirty="0">
                 <a:solidFill>
                   <a:schemeClr val="dk1"/>
                 </a:solidFill>
               </a:rPr>
               <a:t>Product Manager</a:t>
             </a:r>
-            <a:endParaRPr sz="1100">
+            <a:endParaRPr sz="1100" dirty="0">
               <a:solidFill>
                 <a:schemeClr val="dk1"/>
               </a:solidFill>
             </a:endParaRPr>
           </a:p>
           <a:p>
-            <a:pPr indent="-298450" lvl="0" marL="457200" rtl="0" algn="l">
+            <a:pPr marL="457200" lvl="0" indent="-298450" algn="l" rtl="0">
               <a:lnSpc>
                 <a:spcPct val="115000"/>
               </a:lnSpc>
@@ -7741,21 +7824,21 @@
               <a:buChar char="●"/>
             </a:pPr>
             <a:r>
-              <a:rPr lang="en" sz="1100">
+              <a:rPr lang="en" sz="1100" dirty="0">
                 <a:solidFill>
                   <a:schemeClr val="dk1"/>
                 </a:solidFill>
               </a:rPr>
               <a:t>UX/UI Designer</a:t>
             </a:r>
-            <a:endParaRPr sz="1100">
+            <a:endParaRPr sz="1100" dirty="0">
               <a:solidFill>
                 <a:schemeClr val="dk1"/>
               </a:solidFill>
             </a:endParaRPr>
           </a:p>
           <a:p>
-            <a:pPr indent="-298450" lvl="0" marL="457200" rtl="0" algn="l">
+            <a:pPr marL="457200" lvl="0" indent="-298450" algn="l" rtl="0">
               <a:lnSpc>
                 <a:spcPct val="115000"/>
               </a:lnSpc>
@@ -7772,21 +7855,21 @@
               <a:buChar char="●"/>
             </a:pPr>
             <a:r>
-              <a:rPr lang="en" sz="1100">
+              <a:rPr lang="en" sz="1100" dirty="0">
                 <a:solidFill>
                   <a:schemeClr val="dk1"/>
                 </a:solidFill>
               </a:rPr>
               <a:t>Data Analyst</a:t>
             </a:r>
-            <a:endParaRPr sz="1100">
+            <a:endParaRPr sz="1100" dirty="0">
               <a:solidFill>
                 <a:schemeClr val="dk1"/>
               </a:solidFill>
             </a:endParaRPr>
           </a:p>
           <a:p>
-            <a:pPr indent="0" lvl="0" marL="0" rtl="0" algn="l">
+            <a:pPr marL="0" lvl="0" indent="0" algn="l" rtl="0">
               <a:spcBef>
                 <a:spcPts val="1200"/>
               </a:spcBef>
@@ -7795,10 +7878,7 @@
               </a:spcAft>
               <a:buNone/>
             </a:pPr>
-            <a:r>
-              <a:t/>
-            </a:r>
-            <a:endParaRPr sz="1800">
+            <a:endParaRPr sz="1800" dirty="0">
               <a:solidFill>
                 <a:schemeClr val="dk2"/>
               </a:solidFill>
@@ -7815,11 +7895,11 @@
 </file>
 
 <file path=ppt/slides/slide5.xml><?xml version="1.0" encoding="utf-8"?>
-<p:sld xmlns:a="http://schemas.openxmlformats.org/drawingml/2006/main" xmlns:r="http://schemas.openxmlformats.org/officeDocument/2006/relationships" xmlns:mc="http://schemas.openxmlformats.org/markup-compatibility/2006" xmlns:mv="urn:schemas-microsoft-com:mac:vml" xmlns:p="http://schemas.openxmlformats.org/presentationml/2006/main" xmlns:c="http://schemas.openxmlformats.org/drawingml/2006/chart" xmlns:dgm="http://schemas.openxmlformats.org/drawingml/2006/diagram" xmlns:o="urn:schemas-microsoft-com:office:office" xmlns:v="urn:schemas-microsoft-com:vml" xmlns:pvml="urn:schemas-microsoft-com:office:powerpoint" xmlns:com="http://schemas.openxmlformats.org/drawingml/2006/compatibility" xmlns:p14="http://schemas.microsoft.com/office/powerpoint/2010/main" xmlns:p15="http://schemas.microsoft.com/office/powerpoint/2012/main" xmlns:ahyp="http://schemas.microsoft.com/office/drawing/2018/hyperlinkcolor">
+<p:sld xmlns:a="http://schemas.openxmlformats.org/drawingml/2006/main" xmlns:r="http://schemas.openxmlformats.org/officeDocument/2006/relationships" xmlns:p="http://schemas.openxmlformats.org/presentationml/2006/main">
   <p:cSld>
     <p:spTree>
       <p:nvGrpSpPr>
-        <p:cNvPr id="79" name="Shape 79"/>
+        <p:cNvPr id="1" name="Shape 79"/>
         <p:cNvGrpSpPr/>
         <p:nvPr/>
       </p:nvGrpSpPr>
@@ -7834,7 +7914,9 @@
       <p:sp>
         <p:nvSpPr>
           <p:cNvPr id="80" name="Google Shape;80;p17"/>
-          <p:cNvSpPr txBox="1"/>
+          <p:cNvSpPr txBox="1">
+            <a:spLocks noGrp="1"/>
+          </p:cNvSpPr>
           <p:nvPr>
             <p:ph type="title"/>
           </p:nvPr>
@@ -7849,12 +7931,12 @@
           </a:prstGeom>
         </p:spPr>
         <p:txBody>
-          <a:bodyPr anchorCtr="0" anchor="t" bIns="91425" lIns="91425" spcFirstLastPara="1" rIns="91425" wrap="square" tIns="91425">
+          <a:bodyPr spcFirstLastPara="1" wrap="square" lIns="91425" tIns="91425" rIns="91425" bIns="91425" anchor="t" anchorCtr="0">
             <a:normAutofit fontScale="90000"/>
           </a:bodyPr>
           <a:lstStyle/>
           <a:p>
-            <a:pPr indent="0" lvl="0" marL="0" rtl="0" algn="l">
+            <a:pPr marL="0" lvl="0" indent="0" algn="l" rtl="0">
               <a:spcBef>
                 <a:spcPts val="0"/>
               </a:spcBef>
@@ -7874,9 +7956,11 @@
       <p:sp>
         <p:nvSpPr>
           <p:cNvPr id="81" name="Google Shape;81;p17"/>
-          <p:cNvSpPr txBox="1"/>
+          <p:cNvSpPr txBox="1">
+            <a:spLocks noGrp="1"/>
+          </p:cNvSpPr>
           <p:nvPr>
-            <p:ph idx="1" type="body"/>
+            <p:ph type="body" idx="1"/>
           </p:nvPr>
         </p:nvSpPr>
         <p:spPr>
@@ -7889,12 +7973,12 @@
           </a:prstGeom>
         </p:spPr>
         <p:txBody>
-          <a:bodyPr anchorCtr="0" anchor="t" bIns="91425" lIns="91425" spcFirstLastPara="1" rIns="91425" wrap="square" tIns="91425">
+          <a:bodyPr spcFirstLastPara="1" wrap="square" lIns="91425" tIns="91425" rIns="91425" bIns="91425" anchor="t" anchorCtr="0">
             <a:normAutofit/>
           </a:bodyPr>
           <a:lstStyle/>
           <a:p>
-            <a:pPr indent="0" lvl="0" marL="0" rtl="0" algn="l">
+            <a:pPr marL="0" lvl="0" indent="0" algn="l" rtl="0">
               <a:spcBef>
                 <a:spcPts val="0"/>
               </a:spcBef>
@@ -7909,13 +7993,13 @@
               <a:buNone/>
             </a:pPr>
             <a:r>
-              <a:rPr lang="en"/>
+              <a:rPr lang="en" dirty="0"/>
               <a:t>CEO → Board of Directors</a:t>
             </a:r>
-            <a:endParaRPr/>
-          </a:p>
-          <a:p>
-            <a:pPr indent="0" lvl="0" marL="0" rtl="0" algn="l">
+            <a:endParaRPr dirty="0"/>
+          </a:p>
+          <a:p>
+            <a:pPr marL="0" lvl="0" indent="0" algn="l" rtl="0">
               <a:spcBef>
                 <a:spcPts val="1200"/>
               </a:spcBef>
@@ -7930,13 +8014,13 @@
               <a:buNone/>
             </a:pPr>
             <a:r>
-              <a:rPr lang="en"/>
+              <a:rPr lang="en" dirty="0"/>
               <a:t>COO, CFO, CPO → CEO</a:t>
             </a:r>
-            <a:endParaRPr/>
-          </a:p>
-          <a:p>
-            <a:pPr indent="0" lvl="0" marL="0" rtl="0" algn="l">
+            <a:endParaRPr dirty="0"/>
+          </a:p>
+          <a:p>
+            <a:pPr marL="0" lvl="0" indent="0" algn="l" rtl="0">
               <a:spcBef>
                 <a:spcPts val="1200"/>
               </a:spcBef>
@@ -7951,13 +8035,13 @@
               <a:buNone/>
             </a:pPr>
             <a:r>
-              <a:rPr lang="en"/>
+              <a:rPr lang="en" dirty="0"/>
               <a:t>Department VPs → COO</a:t>
             </a:r>
-            <a:endParaRPr/>
-          </a:p>
-          <a:p>
-            <a:pPr indent="0" lvl="0" marL="0" rtl="0" algn="l">
+            <a:endParaRPr dirty="0"/>
+          </a:p>
+          <a:p>
+            <a:pPr marL="0" lvl="0" indent="0" algn="l" rtl="0">
               <a:spcBef>
                 <a:spcPts val="1200"/>
               </a:spcBef>
@@ -7972,13 +8056,13 @@
               <a:buNone/>
             </a:pPr>
             <a:r>
-              <a:rPr lang="en"/>
+              <a:rPr lang="en" dirty="0"/>
               <a:t>Managers → VPs</a:t>
             </a:r>
-            <a:endParaRPr/>
-          </a:p>
-          <a:p>
-            <a:pPr indent="0" lvl="0" marL="0" rtl="0" algn="l">
+            <a:endParaRPr dirty="0"/>
+          </a:p>
+          <a:p>
+            <a:pPr marL="0" lvl="0" indent="0" algn="l" rtl="0">
               <a:spcBef>
                 <a:spcPts val="1200"/>
               </a:spcBef>
@@ -7993,13 +8077,13 @@
               <a:buNone/>
             </a:pPr>
             <a:r>
-              <a:rPr lang="en"/>
+              <a:rPr lang="en" dirty="0"/>
               <a:t>Specialists &amp; Officers → Managers</a:t>
             </a:r>
-            <a:endParaRPr/>
-          </a:p>
-          <a:p>
-            <a:pPr indent="0" lvl="0" marL="0" rtl="0" algn="l">
+            <a:endParaRPr dirty="0"/>
+          </a:p>
+          <a:p>
+            <a:pPr marL="0" lvl="0" indent="0" algn="l" rtl="0">
               <a:spcBef>
                 <a:spcPts val="1200"/>
               </a:spcBef>
@@ -8008,10 +8092,7 @@
               </a:spcAft>
               <a:buNone/>
             </a:pPr>
-            <a:r>
-              <a:t/>
-            </a:r>
-            <a:endParaRPr/>
+            <a:endParaRPr dirty="0"/>
           </a:p>
         </p:txBody>
       </p:sp>
@@ -8024,11 +8105,11 @@
 </file>
 
 <file path=ppt/slides/slide6.xml><?xml version="1.0" encoding="utf-8"?>
-<p:sld xmlns:a="http://schemas.openxmlformats.org/drawingml/2006/main" xmlns:r="http://schemas.openxmlformats.org/officeDocument/2006/relationships" xmlns:mc="http://schemas.openxmlformats.org/markup-compatibility/2006" xmlns:mv="urn:schemas-microsoft-com:mac:vml" xmlns:p="http://schemas.openxmlformats.org/presentationml/2006/main" xmlns:c="http://schemas.openxmlformats.org/drawingml/2006/chart" xmlns:dgm="http://schemas.openxmlformats.org/drawingml/2006/diagram" xmlns:o="urn:schemas-microsoft-com:office:office" xmlns:v="urn:schemas-microsoft-com:vml" xmlns:pvml="urn:schemas-microsoft-com:office:powerpoint" xmlns:com="http://schemas.openxmlformats.org/drawingml/2006/compatibility" xmlns:p14="http://schemas.microsoft.com/office/powerpoint/2010/main" xmlns:p15="http://schemas.microsoft.com/office/powerpoint/2012/main" xmlns:ahyp="http://schemas.microsoft.com/office/drawing/2018/hyperlinkcolor">
+<p:sld xmlns:a="http://schemas.openxmlformats.org/drawingml/2006/main" xmlns:r="http://schemas.openxmlformats.org/officeDocument/2006/relationships" xmlns:p="http://schemas.openxmlformats.org/presentationml/2006/main">
   <p:cSld>
     <p:spTree>
       <p:nvGrpSpPr>
-        <p:cNvPr id="85" name="Shape 85"/>
+        <p:cNvPr id="1" name=""/>
         <p:cNvGrpSpPr/>
         <p:nvPr/>
       </p:nvGrpSpPr>
@@ -8042,755 +8123,95 @@
       </p:grpSpPr>
       <p:sp>
         <p:nvSpPr>
-          <p:cNvPr id="86" name="Google Shape;86;p18"/>
-          <p:cNvSpPr txBox="1"/>
+          <p:cNvPr id="2" name="Title 1">
+            <a:extLst>
+              <a:ext uri="{FF2B5EF4-FFF2-40B4-BE49-F238E27FC236}">
+                <a16:creationId xmlns:a16="http://schemas.microsoft.com/office/drawing/2014/main" id="{B70D362D-A41C-4433-B61E-99A576B6277B}"/>
+              </a:ext>
+            </a:extLst>
+          </p:cNvPr>
+          <p:cNvSpPr>
+            <a:spLocks noGrp="1"/>
+          </p:cNvSpPr>
           <p:nvPr>
             <p:ph type="title"/>
           </p:nvPr>
         </p:nvSpPr>
+        <p:spPr/>
+        <p:txBody>
+          <a:bodyPr>
+            <a:normAutofit fontScale="90000"/>
+          </a:bodyPr>
+          <a:lstStyle/>
+          <a:p>
+            <a:endParaRPr lang="ar-EG"/>
+          </a:p>
+        </p:txBody>
+      </p:sp>
+      <p:sp>
+        <p:nvSpPr>
+          <p:cNvPr id="3" name="Text Placeholder 2">
+            <a:extLst>
+              <a:ext uri="{FF2B5EF4-FFF2-40B4-BE49-F238E27FC236}">
+                <a16:creationId xmlns:a16="http://schemas.microsoft.com/office/drawing/2014/main" id="{08586CC4-7FC0-460E-8B42-6C261117CFC6}"/>
+              </a:ext>
+            </a:extLst>
+          </p:cNvPr>
+          <p:cNvSpPr>
+            <a:spLocks noGrp="1"/>
+          </p:cNvSpPr>
+          <p:nvPr>
+            <p:ph type="body" idx="1"/>
+          </p:nvPr>
+        </p:nvSpPr>
+        <p:spPr/>
+        <p:txBody>
+          <a:bodyPr/>
+          <a:lstStyle/>
+          <a:p>
+            <a:pPr marL="114300" indent="0">
+              <a:buNone/>
+            </a:pPr>
+            <a:endParaRPr lang="ar-EG" dirty="0"/>
+          </a:p>
+        </p:txBody>
+      </p:sp>
+      <p:pic>
+        <p:nvPicPr>
+          <p:cNvPr id="8" name="Picture 7">
+            <a:extLst>
+              <a:ext uri="{FF2B5EF4-FFF2-40B4-BE49-F238E27FC236}">
+                <a16:creationId xmlns:a16="http://schemas.microsoft.com/office/drawing/2014/main" id="{B8236986-379F-4A8B-88D1-5ECBC13D4EBD}"/>
+              </a:ext>
+            </a:extLst>
+          </p:cNvPr>
+          <p:cNvPicPr>
+            <a:picLocks noChangeAspect="1"/>
+          </p:cNvPicPr>
+          <p:nvPr/>
+        </p:nvPicPr>
+        <p:blipFill>
+          <a:blip r:embed="rId2"/>
+          <a:stretch>
+            <a:fillRect/>
+          </a:stretch>
+        </p:blipFill>
         <p:spPr>
           <a:xfrm>
-            <a:off x="311700" y="445025"/>
-            <a:ext cx="8520600" cy="572700"/>
+            <a:off x="0" y="571500"/>
+            <a:ext cx="9144000" cy="4000500"/>
           </a:xfrm>
           <a:prstGeom prst="rect">
             <a:avLst/>
           </a:prstGeom>
         </p:spPr>
-        <p:txBody>
-          <a:bodyPr anchorCtr="0" anchor="t" bIns="91425" lIns="91425" spcFirstLastPara="1" rIns="91425" wrap="square" tIns="91425">
-            <a:normAutofit fontScale="90000"/>
-          </a:bodyPr>
-          <a:lstStyle/>
-          <a:p>
-            <a:pPr indent="0" lvl="0" marL="0" rtl="0" algn="l">
-              <a:spcBef>
-                <a:spcPts val="0"/>
-              </a:spcBef>
-              <a:spcAft>
-                <a:spcPts val="0"/>
-              </a:spcAft>
-              <a:buNone/>
-            </a:pPr>
-            <a:r>
-              <a:rPr lang="en"/>
-              <a:t>Organizational Chart</a:t>
-            </a:r>
-            <a:endParaRPr/>
-          </a:p>
-        </p:txBody>
-      </p:sp>
-      <p:sp>
-        <p:nvSpPr>
-          <p:cNvPr id="87" name="Google Shape;87;p18"/>
-          <p:cNvSpPr txBox="1"/>
-          <p:nvPr>
-            <p:ph idx="1" type="body"/>
-          </p:nvPr>
-        </p:nvSpPr>
-        <p:spPr>
-          <a:xfrm>
-            <a:off x="311700" y="1152475"/>
-            <a:ext cx="8520600" cy="3767400"/>
-          </a:xfrm>
-          <a:prstGeom prst="rect">
-            <a:avLst/>
-          </a:prstGeom>
-        </p:spPr>
-        <p:txBody>
-          <a:bodyPr anchorCtr="0" anchor="t" bIns="91425" lIns="91425" spcFirstLastPara="1" rIns="91425" wrap="square" tIns="91425">
-            <a:normAutofit/>
-          </a:bodyPr>
-          <a:lstStyle/>
-          <a:p>
-            <a:pPr indent="0" lvl="0" marL="0" rtl="0" algn="l">
-              <a:spcBef>
-                <a:spcPts val="0"/>
-              </a:spcBef>
-              <a:spcAft>
-                <a:spcPts val="1200"/>
-              </a:spcAft>
-              <a:buNone/>
-            </a:pPr>
-            <a:r>
-              <a:t/>
-            </a:r>
-            <a:endParaRPr/>
-          </a:p>
-        </p:txBody>
-      </p:sp>
-      <p:cxnSp>
-        <p:nvCxnSpPr>
-          <p:cNvPr id="88" name="Google Shape;88;p18"/>
-          <p:cNvCxnSpPr>
-            <a:stCxn id="89" idx="2"/>
-            <a:endCxn id="90" idx="0"/>
-          </p:cNvCxnSpPr>
-          <p:nvPr/>
-        </p:nvCxnSpPr>
-        <p:spPr>
-          <a:xfrm flipH="1" rot="-5400000">
-            <a:off x="5169900" y="1038925"/>
-            <a:ext cx="574500" cy="1770300"/>
-          </a:xfrm>
-          <a:prstGeom prst="bentConnector3">
-            <a:avLst>
-              <a:gd fmla="val 49995" name="adj1"/>
-            </a:avLst>
-          </a:prstGeom>
-          <a:noFill/>
-          <a:ln cap="flat" cmpd="sng" w="9525">
-            <a:solidFill>
-              <a:srgbClr val="561561"/>
-            </a:solidFill>
-            <a:prstDash val="solid"/>
-            <a:round/>
-            <a:headEnd len="med" w="med" type="diamond"/>
-            <a:tailEnd len="med" w="med" type="diamond"/>
-          </a:ln>
-        </p:spPr>
-      </p:cxnSp>
-      <p:cxnSp>
-        <p:nvCxnSpPr>
-          <p:cNvPr id="91" name="Google Shape;91;p18"/>
-          <p:cNvCxnSpPr>
-            <a:stCxn id="92" idx="2"/>
-            <a:endCxn id="93" idx="0"/>
-          </p:cNvCxnSpPr>
-          <p:nvPr/>
-        </p:nvCxnSpPr>
-        <p:spPr>
-          <a:xfrm flipH="1" rot="-5400000">
-            <a:off x="2928825" y="2721875"/>
-            <a:ext cx="711000" cy="858600"/>
-          </a:xfrm>
-          <a:prstGeom prst="bentConnector3">
-            <a:avLst>
-              <a:gd fmla="val 50000" name="adj1"/>
-            </a:avLst>
-          </a:prstGeom>
-          <a:noFill/>
-          <a:ln cap="flat" cmpd="sng" w="9525">
-            <a:solidFill>
-              <a:srgbClr val="701C7F"/>
-            </a:solidFill>
-            <a:prstDash val="solid"/>
-            <a:round/>
-            <a:headEnd len="med" w="med" type="diamond"/>
-            <a:tailEnd len="med" w="med" type="diamond"/>
-          </a:ln>
-        </p:spPr>
-      </p:cxnSp>
-      <p:cxnSp>
-        <p:nvCxnSpPr>
-          <p:cNvPr id="94" name="Google Shape;94;p18"/>
-          <p:cNvCxnSpPr>
-            <a:stCxn id="95" idx="0"/>
-            <a:endCxn id="92" idx="2"/>
-          </p:cNvCxnSpPr>
-          <p:nvPr/>
-        </p:nvCxnSpPr>
-        <p:spPr>
-          <a:xfrm rot="-5400000">
-            <a:off x="2050200" y="2701913"/>
-            <a:ext cx="711000" cy="898500"/>
-          </a:xfrm>
-          <a:prstGeom prst="bentConnector3">
-            <a:avLst>
-              <a:gd fmla="val 49999" name="adj1"/>
-            </a:avLst>
-          </a:prstGeom>
-          <a:noFill/>
-          <a:ln cap="flat" cmpd="sng" w="9525">
-            <a:solidFill>
-              <a:srgbClr val="701C7F"/>
-            </a:solidFill>
-            <a:prstDash val="solid"/>
-            <a:round/>
-            <a:headEnd len="med" w="med" type="diamond"/>
-            <a:tailEnd len="med" w="med" type="diamond"/>
-          </a:ln>
-        </p:spPr>
-      </p:cxnSp>
-      <p:cxnSp>
-        <p:nvCxnSpPr>
-          <p:cNvPr id="96" name="Google Shape;96;p18"/>
-          <p:cNvCxnSpPr>
-            <a:stCxn id="90" idx="2"/>
-            <a:endCxn id="97" idx="0"/>
-          </p:cNvCxnSpPr>
-          <p:nvPr/>
-        </p:nvCxnSpPr>
-        <p:spPr>
-          <a:xfrm flipH="1" rot="-5400000">
-            <a:off x="6409500" y="2728463"/>
-            <a:ext cx="711000" cy="845400"/>
-          </a:xfrm>
-          <a:prstGeom prst="bentConnector3">
-            <a:avLst>
-              <a:gd fmla="val 50000" name="adj1"/>
-            </a:avLst>
-          </a:prstGeom>
-          <a:noFill/>
-          <a:ln cap="flat" cmpd="sng" w="9525">
-            <a:solidFill>
-              <a:srgbClr val="701C7F"/>
-            </a:solidFill>
-            <a:prstDash val="solid"/>
-            <a:round/>
-            <a:headEnd len="med" w="med" type="diamond"/>
-            <a:tailEnd len="med" w="med" type="diamond"/>
-          </a:ln>
-        </p:spPr>
-      </p:cxnSp>
-      <p:cxnSp>
-        <p:nvCxnSpPr>
-          <p:cNvPr id="98" name="Google Shape;98;p18"/>
-          <p:cNvCxnSpPr>
-            <a:stCxn id="99" idx="0"/>
-            <a:endCxn id="90" idx="2"/>
-          </p:cNvCxnSpPr>
-          <p:nvPr/>
-        </p:nvCxnSpPr>
-        <p:spPr>
-          <a:xfrm rot="-5400000">
-            <a:off x="5564250" y="2728463"/>
-            <a:ext cx="711000" cy="845400"/>
-          </a:xfrm>
-          <a:prstGeom prst="bentConnector3">
-            <a:avLst>
-              <a:gd fmla="val 50000" name="adj1"/>
-            </a:avLst>
-          </a:prstGeom>
-          <a:noFill/>
-          <a:ln cap="flat" cmpd="sng" w="9525">
-            <a:solidFill>
-              <a:srgbClr val="701C7F"/>
-            </a:solidFill>
-            <a:prstDash val="solid"/>
-            <a:round/>
-            <a:headEnd len="med" w="med" type="diamond"/>
-            <a:tailEnd len="med" w="med" type="diamond"/>
-          </a:ln>
-        </p:spPr>
-      </p:cxnSp>
-      <p:cxnSp>
-        <p:nvCxnSpPr>
-          <p:cNvPr id="100" name="Google Shape;100;p18"/>
-          <p:cNvCxnSpPr>
-            <a:stCxn id="92" idx="0"/>
-            <a:endCxn id="89" idx="2"/>
-          </p:cNvCxnSpPr>
-          <p:nvPr/>
-        </p:nvCxnSpPr>
-        <p:spPr>
-          <a:xfrm rot="-5400000">
-            <a:off x="3426225" y="1065575"/>
-            <a:ext cx="574500" cy="1716900"/>
-          </a:xfrm>
-          <a:prstGeom prst="bentConnector3">
-            <a:avLst>
-              <a:gd fmla="val 49996" name="adj1"/>
-            </a:avLst>
-          </a:prstGeom>
-          <a:noFill/>
-          <a:ln cap="flat" cmpd="sng" w="9525">
-            <a:solidFill>
-              <a:srgbClr val="561561"/>
-            </a:solidFill>
-            <a:prstDash val="solid"/>
-            <a:round/>
-            <a:headEnd len="med" w="med" type="diamond"/>
-            <a:tailEnd len="med" w="med" type="diamond"/>
-          </a:ln>
-        </p:spPr>
-      </p:cxnSp>
-      <p:sp>
-        <p:nvSpPr>
-          <p:cNvPr id="89" name="Google Shape;89;p18"/>
-          <p:cNvSpPr txBox="1"/>
-          <p:nvPr/>
-        </p:nvSpPr>
-        <p:spPr>
-          <a:xfrm>
-            <a:off x="3802950" y="1052425"/>
-            <a:ext cx="1538100" cy="584400"/>
-          </a:xfrm>
-          <a:prstGeom prst="rect">
-            <a:avLst/>
-          </a:prstGeom>
-          <a:noFill/>
-          <a:ln>
-            <a:noFill/>
-          </a:ln>
-        </p:spPr>
-        <p:txBody>
-          <a:bodyPr anchorCtr="0" anchor="ctr" bIns="91425" lIns="91425" spcFirstLastPara="1" rIns="91425" wrap="square" tIns="91425">
-            <a:noAutofit/>
-          </a:bodyPr>
-          <a:lstStyle/>
-          <a:p>
-            <a:pPr indent="0" lvl="0" marL="0" rtl="0" algn="ctr">
-              <a:spcBef>
-                <a:spcPts val="0"/>
-              </a:spcBef>
-              <a:spcAft>
-                <a:spcPts val="0"/>
-              </a:spcAft>
-              <a:buNone/>
-            </a:pPr>
-            <a:r>
-              <a:rPr lang="en" sz="1000">
-                <a:solidFill>
-                  <a:srgbClr val="701C7F"/>
-                </a:solidFill>
-                <a:latin typeface="Roboto"/>
-                <a:ea typeface="Roboto"/>
-                <a:cs typeface="Roboto"/>
-                <a:sym typeface="Roboto"/>
-              </a:rPr>
-              <a:t>CEO</a:t>
-            </a:r>
-            <a:endParaRPr sz="1000">
-              <a:solidFill>
-                <a:srgbClr val="701C7F"/>
-              </a:solidFill>
-              <a:latin typeface="Roboto"/>
-              <a:ea typeface="Roboto"/>
-              <a:cs typeface="Roboto"/>
-              <a:sym typeface="Roboto"/>
-            </a:endParaRPr>
-          </a:p>
-        </p:txBody>
-      </p:sp>
-      <p:sp>
-        <p:nvSpPr>
-          <p:cNvPr id="92" name="Google Shape;92;p18"/>
-          <p:cNvSpPr txBox="1"/>
-          <p:nvPr/>
-        </p:nvSpPr>
-        <p:spPr>
-          <a:xfrm>
-            <a:off x="2545125" y="2211275"/>
-            <a:ext cx="619800" cy="584400"/>
-          </a:xfrm>
-          <a:prstGeom prst="rect">
-            <a:avLst/>
-          </a:prstGeom>
-          <a:noFill/>
-          <a:ln>
-            <a:noFill/>
-          </a:ln>
-        </p:spPr>
-        <p:txBody>
-          <a:bodyPr anchorCtr="0" anchor="ctr" bIns="91425" lIns="91425" spcFirstLastPara="1" rIns="91425" wrap="square" tIns="91425">
-            <a:noAutofit/>
-          </a:bodyPr>
-          <a:lstStyle/>
-          <a:p>
-            <a:pPr indent="0" lvl="0" marL="0" rtl="0" algn="l">
-              <a:spcBef>
-                <a:spcPts val="0"/>
-              </a:spcBef>
-              <a:spcAft>
-                <a:spcPts val="0"/>
-              </a:spcAft>
-              <a:buNone/>
-            </a:pPr>
-            <a:r>
-              <a:rPr lang="en">
-                <a:solidFill>
-                  <a:srgbClr val="701C7F"/>
-                </a:solidFill>
-                <a:latin typeface="Roboto"/>
-                <a:ea typeface="Roboto"/>
-                <a:cs typeface="Roboto"/>
-                <a:sym typeface="Roboto"/>
-              </a:rPr>
-              <a:t>COO</a:t>
-            </a:r>
-            <a:endParaRPr>
-              <a:solidFill>
-                <a:srgbClr val="701C7F"/>
-              </a:solidFill>
-              <a:latin typeface="Roboto"/>
-              <a:ea typeface="Roboto"/>
-              <a:cs typeface="Roboto"/>
-              <a:sym typeface="Roboto"/>
-            </a:endParaRPr>
-          </a:p>
-        </p:txBody>
-      </p:sp>
-      <p:sp>
-        <p:nvSpPr>
-          <p:cNvPr id="90" name="Google Shape;90;p18"/>
-          <p:cNvSpPr txBox="1"/>
-          <p:nvPr/>
-        </p:nvSpPr>
-        <p:spPr>
-          <a:xfrm>
-            <a:off x="5573250" y="2211263"/>
-            <a:ext cx="1538100" cy="584400"/>
-          </a:xfrm>
-          <a:prstGeom prst="rect">
-            <a:avLst/>
-          </a:prstGeom>
-          <a:noFill/>
-          <a:ln>
-            <a:noFill/>
-          </a:ln>
-        </p:spPr>
-        <p:txBody>
-          <a:bodyPr anchorCtr="0" anchor="ctr" bIns="91425" lIns="91425" spcFirstLastPara="1" rIns="91425" wrap="square" tIns="91425">
-            <a:noAutofit/>
-          </a:bodyPr>
-          <a:lstStyle/>
-          <a:p>
-            <a:pPr indent="0" lvl="0" marL="0" rtl="0" algn="ctr">
-              <a:spcBef>
-                <a:spcPts val="0"/>
-              </a:spcBef>
-              <a:spcAft>
-                <a:spcPts val="0"/>
-              </a:spcAft>
-              <a:buNone/>
-            </a:pPr>
-            <a:r>
-              <a:rPr lang="en">
-                <a:solidFill>
-                  <a:srgbClr val="701C7F"/>
-                </a:solidFill>
-                <a:latin typeface="Roboto"/>
-                <a:ea typeface="Roboto"/>
-                <a:cs typeface="Roboto"/>
-                <a:sym typeface="Roboto"/>
-              </a:rPr>
-              <a:t>CPO</a:t>
-            </a:r>
-            <a:endParaRPr>
-              <a:solidFill>
-                <a:srgbClr val="701C7F"/>
-              </a:solidFill>
-              <a:latin typeface="Roboto"/>
-              <a:ea typeface="Roboto"/>
-              <a:cs typeface="Roboto"/>
-              <a:sym typeface="Roboto"/>
-            </a:endParaRPr>
-          </a:p>
-        </p:txBody>
-      </p:sp>
-      <p:sp>
-        <p:nvSpPr>
-          <p:cNvPr id="97" name="Google Shape;97;p18"/>
-          <p:cNvSpPr txBox="1"/>
-          <p:nvPr/>
-        </p:nvSpPr>
-        <p:spPr>
-          <a:xfrm>
-            <a:off x="6418500" y="3506663"/>
-            <a:ext cx="1538100" cy="584400"/>
-          </a:xfrm>
-          <a:prstGeom prst="rect">
-            <a:avLst/>
-          </a:prstGeom>
-          <a:noFill/>
-          <a:ln>
-            <a:noFill/>
-          </a:ln>
-        </p:spPr>
-        <p:txBody>
-          <a:bodyPr anchorCtr="0" anchor="ctr" bIns="91425" lIns="91425" spcFirstLastPara="1" rIns="91425" wrap="square" tIns="91425">
-            <a:noAutofit/>
-          </a:bodyPr>
-          <a:lstStyle/>
-          <a:p>
-            <a:pPr indent="0" lvl="0" marL="0" rtl="0" algn="ctr">
-              <a:spcBef>
-                <a:spcPts val="0"/>
-              </a:spcBef>
-              <a:spcAft>
-                <a:spcPts val="0"/>
-              </a:spcAft>
-              <a:buNone/>
-            </a:pPr>
-            <a:r>
-              <a:t/>
-            </a:r>
-            <a:endParaRPr sz="1000">
-              <a:solidFill>
-                <a:srgbClr val="701C7F"/>
-              </a:solidFill>
-              <a:latin typeface="Roboto"/>
-              <a:ea typeface="Roboto"/>
-              <a:cs typeface="Roboto"/>
-              <a:sym typeface="Roboto"/>
-            </a:endParaRPr>
-          </a:p>
-        </p:txBody>
-      </p:sp>
-      <p:sp>
-        <p:nvSpPr>
-          <p:cNvPr id="99" name="Google Shape;99;p18"/>
-          <p:cNvSpPr txBox="1"/>
-          <p:nvPr/>
-        </p:nvSpPr>
-        <p:spPr>
-          <a:xfrm>
-            <a:off x="4728000" y="3506663"/>
-            <a:ext cx="1538100" cy="584400"/>
-          </a:xfrm>
-          <a:prstGeom prst="rect">
-            <a:avLst/>
-          </a:prstGeom>
-          <a:noFill/>
-          <a:ln>
-            <a:noFill/>
-          </a:ln>
-        </p:spPr>
-        <p:txBody>
-          <a:bodyPr anchorCtr="0" anchor="ctr" bIns="91425" lIns="91425" spcFirstLastPara="1" rIns="91425" wrap="square" tIns="91425">
-            <a:noAutofit/>
-          </a:bodyPr>
-          <a:lstStyle/>
-          <a:p>
-            <a:pPr indent="0" lvl="0" marL="0" rtl="0" algn="ctr">
-              <a:spcBef>
-                <a:spcPts val="0"/>
-              </a:spcBef>
-              <a:spcAft>
-                <a:spcPts val="0"/>
-              </a:spcAft>
-              <a:buNone/>
-            </a:pPr>
-            <a:r>
-              <a:t/>
-            </a:r>
-            <a:endParaRPr sz="1000">
-              <a:solidFill>
-                <a:srgbClr val="701C7F"/>
-              </a:solidFill>
-              <a:latin typeface="Roboto"/>
-              <a:ea typeface="Roboto"/>
-              <a:cs typeface="Roboto"/>
-              <a:sym typeface="Roboto"/>
-            </a:endParaRPr>
-          </a:p>
-        </p:txBody>
-      </p:sp>
-      <p:sp>
-        <p:nvSpPr>
-          <p:cNvPr id="93" name="Google Shape;93;p18"/>
-          <p:cNvSpPr txBox="1"/>
-          <p:nvPr/>
-        </p:nvSpPr>
-        <p:spPr>
-          <a:xfrm>
-            <a:off x="2699100" y="3506675"/>
-            <a:ext cx="2028900" cy="584400"/>
-          </a:xfrm>
-          <a:prstGeom prst="rect">
-            <a:avLst/>
-          </a:prstGeom>
-          <a:noFill/>
-          <a:ln>
-            <a:noFill/>
-          </a:ln>
-        </p:spPr>
-        <p:txBody>
-          <a:bodyPr anchorCtr="0" anchor="ctr" bIns="91425" lIns="91425" spcFirstLastPara="1" rIns="91425" wrap="square" tIns="91425">
-            <a:noAutofit/>
-          </a:bodyPr>
-          <a:lstStyle/>
-          <a:p>
-            <a:pPr indent="-298450" lvl="0" marL="457200" rtl="0" algn="l">
-              <a:lnSpc>
-                <a:spcPct val="115000"/>
-              </a:lnSpc>
-              <a:spcBef>
-                <a:spcPts val="1200"/>
-              </a:spcBef>
-              <a:spcAft>
-                <a:spcPts val="0"/>
-              </a:spcAft>
-              <a:buClr>
-                <a:schemeClr val="dk1"/>
-              </a:buClr>
-              <a:buSzPts val="1100"/>
-              <a:buChar char="●"/>
-            </a:pPr>
-            <a:r>
-              <a:rPr b="1" lang="en" sz="1200">
-                <a:solidFill>
-                  <a:schemeClr val="dk1"/>
-                </a:solidFill>
-                <a:latin typeface="Times New Roman"/>
-                <a:ea typeface="Times New Roman"/>
-                <a:cs typeface="Times New Roman"/>
-                <a:sym typeface="Times New Roman"/>
-              </a:rPr>
-              <a:t>VP of Engineering</a:t>
-            </a:r>
-            <a:endParaRPr b="1" sz="1200">
-              <a:solidFill>
-                <a:schemeClr val="dk1"/>
-              </a:solidFill>
-              <a:latin typeface="Times New Roman"/>
-              <a:ea typeface="Times New Roman"/>
-              <a:cs typeface="Times New Roman"/>
-              <a:sym typeface="Times New Roman"/>
-            </a:endParaRPr>
-          </a:p>
-          <a:p>
-            <a:pPr indent="0" lvl="0" marL="0" rtl="0" algn="ctr">
-              <a:spcBef>
-                <a:spcPts val="1200"/>
-              </a:spcBef>
-              <a:spcAft>
-                <a:spcPts val="0"/>
-              </a:spcAft>
-              <a:buNone/>
-            </a:pPr>
-            <a:r>
-              <a:t/>
-            </a:r>
-            <a:endParaRPr sz="1000">
-              <a:solidFill>
-                <a:srgbClr val="701C7F"/>
-              </a:solidFill>
-              <a:latin typeface="Roboto"/>
-              <a:ea typeface="Roboto"/>
-              <a:cs typeface="Roboto"/>
-              <a:sym typeface="Roboto"/>
-            </a:endParaRPr>
-          </a:p>
-        </p:txBody>
-      </p:sp>
-      <p:sp>
-        <p:nvSpPr>
-          <p:cNvPr id="95" name="Google Shape;95;p18"/>
-          <p:cNvSpPr txBox="1"/>
-          <p:nvPr/>
-        </p:nvSpPr>
-        <p:spPr>
-          <a:xfrm>
-            <a:off x="1187400" y="3506663"/>
-            <a:ext cx="1538100" cy="584400"/>
-          </a:xfrm>
-          <a:prstGeom prst="rect">
-            <a:avLst/>
-          </a:prstGeom>
-          <a:noFill/>
-          <a:ln>
-            <a:noFill/>
-          </a:ln>
-        </p:spPr>
-        <p:txBody>
-          <a:bodyPr anchorCtr="0" anchor="ctr" bIns="91425" lIns="91425" spcFirstLastPara="1" rIns="91425" wrap="square" tIns="91425">
-            <a:noAutofit/>
-          </a:bodyPr>
-          <a:lstStyle/>
-          <a:p>
-            <a:pPr indent="0" lvl="0" marL="0" rtl="0" algn="ctr">
-              <a:spcBef>
-                <a:spcPts val="0"/>
-              </a:spcBef>
-              <a:spcAft>
-                <a:spcPts val="0"/>
-              </a:spcAft>
-              <a:buNone/>
-            </a:pPr>
-            <a:r>
-              <a:t/>
-            </a:r>
-            <a:endParaRPr sz="1000">
-              <a:solidFill>
-                <a:srgbClr val="701C7F"/>
-              </a:solidFill>
-              <a:latin typeface="Roboto"/>
-              <a:ea typeface="Roboto"/>
-              <a:cs typeface="Roboto"/>
-              <a:sym typeface="Roboto"/>
-            </a:endParaRPr>
-          </a:p>
-        </p:txBody>
-      </p:sp>
-      <p:cxnSp>
-        <p:nvCxnSpPr>
-          <p:cNvPr id="101" name="Google Shape;101;p18"/>
-          <p:cNvCxnSpPr/>
-          <p:nvPr/>
-        </p:nvCxnSpPr>
-        <p:spPr>
-          <a:xfrm>
-            <a:off x="4574650" y="1929825"/>
-            <a:ext cx="0" cy="325500"/>
-          </a:xfrm>
-          <a:prstGeom prst="straightConnector1">
-            <a:avLst/>
-          </a:prstGeom>
-          <a:noFill/>
-          <a:ln cap="flat" cmpd="sng" w="9525">
-            <a:solidFill>
-              <a:schemeClr val="dk2"/>
-            </a:solidFill>
-            <a:prstDash val="solid"/>
-            <a:round/>
-            <a:headEnd len="med" w="med" type="none"/>
-            <a:tailEnd len="med" w="med" type="none"/>
-          </a:ln>
-        </p:spPr>
-      </p:cxnSp>
-      <p:sp>
-        <p:nvSpPr>
-          <p:cNvPr id="102" name="Google Shape;102;p18"/>
-          <p:cNvSpPr txBox="1"/>
-          <p:nvPr/>
-        </p:nvSpPr>
-        <p:spPr>
-          <a:xfrm>
-            <a:off x="4233825" y="2239675"/>
-            <a:ext cx="619800" cy="325500"/>
-          </a:xfrm>
-          <a:prstGeom prst="rect">
-            <a:avLst/>
-          </a:prstGeom>
-          <a:noFill/>
-          <a:ln>
-            <a:noFill/>
-          </a:ln>
-        </p:spPr>
-        <p:txBody>
-          <a:bodyPr anchorCtr="0" anchor="t" bIns="91425" lIns="91425" spcFirstLastPara="1" rIns="91425" wrap="square" tIns="91425">
-            <a:noAutofit/>
-          </a:bodyPr>
-          <a:lstStyle/>
-          <a:p>
-            <a:pPr indent="0" lvl="0" marL="0" rtl="0" algn="l">
-              <a:spcBef>
-                <a:spcPts val="0"/>
-              </a:spcBef>
-              <a:spcAft>
-                <a:spcPts val="0"/>
-              </a:spcAft>
-              <a:buNone/>
-            </a:pPr>
-            <a:r>
-              <a:rPr lang="en">
-                <a:solidFill>
-                  <a:schemeClr val="dk2"/>
-                </a:solidFill>
-              </a:rPr>
-              <a:t>CFO</a:t>
-            </a:r>
-            <a:endParaRPr>
-              <a:solidFill>
-                <a:schemeClr val="dk2"/>
-              </a:solidFill>
-            </a:endParaRPr>
-          </a:p>
-        </p:txBody>
-      </p:sp>
+      </p:pic>
     </p:spTree>
+    <p:extLst>
+      <p:ext uri="{BB962C8B-B14F-4D97-AF65-F5344CB8AC3E}">
+        <p14:creationId xmlns:p14="http://schemas.microsoft.com/office/powerpoint/2010/main" val="2898279879"/>
+      </p:ext>
+    </p:extLst>
   </p:cSld>
   <p:clrMapOvr>
     <a:masterClrMapping/>
@@ -8799,7 +8220,288 @@
 </file>
 
 <file path=ppt/theme/theme1.xml><?xml version="1.0" encoding="utf-8"?>
-<a:theme xmlns:a="http://schemas.openxmlformats.org/drawingml/2006/main" xmlns:r="http://schemas.openxmlformats.org/officeDocument/2006/relationships">
+<a:theme xmlns:a="http://schemas.openxmlformats.org/drawingml/2006/main" name="Simple Light">
+  <a:themeElements>
+    <a:clrScheme name="Simple Light">
+      <a:dk1>
+        <a:srgbClr val="000000"/>
+      </a:dk1>
+      <a:lt1>
+        <a:srgbClr val="FFFFFF"/>
+      </a:lt1>
+      <a:dk2>
+        <a:srgbClr val="595959"/>
+      </a:dk2>
+      <a:lt2>
+        <a:srgbClr val="EEEEEE"/>
+      </a:lt2>
+      <a:accent1>
+        <a:srgbClr val="4285F4"/>
+      </a:accent1>
+      <a:accent2>
+        <a:srgbClr val="212121"/>
+      </a:accent2>
+      <a:accent3>
+        <a:srgbClr val="78909C"/>
+      </a:accent3>
+      <a:accent4>
+        <a:srgbClr val="FFAB40"/>
+      </a:accent4>
+      <a:accent5>
+        <a:srgbClr val="0097A7"/>
+      </a:accent5>
+      <a:accent6>
+        <a:srgbClr val="EEFF41"/>
+      </a:accent6>
+      <a:hlink>
+        <a:srgbClr val="0097A7"/>
+      </a:hlink>
+      <a:folHlink>
+        <a:srgbClr val="0097A7"/>
+      </a:folHlink>
+    </a:clrScheme>
+    <a:fontScheme name="Office">
+      <a:majorFont>
+        <a:latin typeface="Arial"/>
+        <a:ea typeface=""/>
+        <a:cs typeface=""/>
+        <a:font script="Jpan" typeface="ＭＳ Ｐゴシック"/>
+        <a:font script="Hang" typeface="맑은 고딕"/>
+        <a:font script="Hans" typeface="宋体"/>
+        <a:font script="Hant" typeface="新細明體"/>
+        <a:font script="Arab" typeface="Times New Roman"/>
+        <a:font script="Hebr" typeface="Times New Roman"/>
+        <a:font script="Thai" typeface="Angsana New"/>
+        <a:font script="Ethi" typeface="Nyala"/>
+        <a:font script="Beng" typeface="Vrinda"/>
+        <a:font script="Gujr" typeface="Shruti"/>
+        <a:font script="Khmr" typeface="MoolBoran"/>
+        <a:font script="Knda" typeface="Tunga"/>
+        <a:font script="Guru" typeface="Raavi"/>
+        <a:font script="Cans" typeface="Euphemia"/>
+        <a:font script="Cher" typeface="Plantagenet Cherokee"/>
+        <a:font script="Yiii" typeface="Microsoft Yi Baiti"/>
+        <a:font script="Tibt" typeface="Microsoft Himalaya"/>
+        <a:font script="Thaa" typeface="MV Boli"/>
+        <a:font script="Deva" typeface="Mangal"/>
+        <a:font script="Telu" typeface="Gautami"/>
+        <a:font script="Taml" typeface="Latha"/>
+        <a:font script="Syrc" typeface="Estrangelo Edessa"/>
+        <a:font script="Orya" typeface="Kalinga"/>
+        <a:font script="Mlym" typeface="Kartika"/>
+        <a:font script="Laoo" typeface="DokChampa"/>
+        <a:font script="Sinh" typeface="Iskoola Pota"/>
+        <a:font script="Mong" typeface="Mongolian Baiti"/>
+        <a:font script="Viet" typeface="Times New Roman"/>
+        <a:font script="Uigh" typeface="Microsoft Uighur"/>
+        <a:font script="Geor" typeface="Sylfaen"/>
+      </a:majorFont>
+      <a:minorFont>
+        <a:latin typeface="Arial"/>
+        <a:ea typeface=""/>
+        <a:cs typeface=""/>
+        <a:font script="Jpan" typeface="ＭＳ Ｐゴシック"/>
+        <a:font script="Hang" typeface="맑은 고딕"/>
+        <a:font script="Hans" typeface="宋体"/>
+        <a:font script="Hant" typeface="新細明體"/>
+        <a:font script="Arab" typeface="Arial"/>
+        <a:font script="Hebr" typeface="Arial"/>
+        <a:font script="Thai" typeface="Cordia New"/>
+        <a:font script="Ethi" typeface="Nyala"/>
+        <a:font script="Beng" typeface="Vrinda"/>
+        <a:font script="Gujr" typeface="Shruti"/>
+        <a:font script="Khmr" typeface="DaunPenh"/>
+        <a:font script="Knda" typeface="Tunga"/>
+        <a:font script="Guru" typeface="Raavi"/>
+        <a:font script="Cans" typeface="Euphemia"/>
+        <a:font script="Cher" typeface="Plantagenet Cherokee"/>
+        <a:font script="Yiii" typeface="Microsoft Yi Baiti"/>
+        <a:font script="Tibt" typeface="Microsoft Himalaya"/>
+        <a:font script="Thaa" typeface="MV Boli"/>
+        <a:font script="Deva" typeface="Mangal"/>
+        <a:font script="Telu" typeface="Gautami"/>
+        <a:font script="Taml" typeface="Latha"/>
+        <a:font script="Syrc" typeface="Estrangelo Edessa"/>
+        <a:font script="Orya" typeface="Kalinga"/>
+        <a:font script="Mlym" typeface="Kartika"/>
+        <a:font script="Laoo" typeface="DokChampa"/>
+        <a:font script="Sinh" typeface="Iskoola Pota"/>
+        <a:font script="Mong" typeface="Mongolian Baiti"/>
+        <a:font script="Viet" typeface="Arial"/>
+        <a:font script="Uigh" typeface="Microsoft Uighur"/>
+        <a:font script="Geor" typeface="Sylfaen"/>
+      </a:minorFont>
+    </a:fontScheme>
+    <a:fmtScheme name="Office">
+      <a:fillStyleLst>
+        <a:solidFill>
+          <a:schemeClr val="phClr"/>
+        </a:solidFill>
+        <a:gradFill rotWithShape="1">
+          <a:gsLst>
+            <a:gs pos="0">
+              <a:schemeClr val="phClr">
+                <a:tint val="50000"/>
+                <a:satMod val="300000"/>
+              </a:schemeClr>
+            </a:gs>
+            <a:gs pos="35000">
+              <a:schemeClr val="phClr">
+                <a:tint val="37000"/>
+                <a:satMod val="300000"/>
+              </a:schemeClr>
+            </a:gs>
+            <a:gs pos="100000">
+              <a:schemeClr val="phClr">
+                <a:tint val="15000"/>
+                <a:satMod val="350000"/>
+              </a:schemeClr>
+            </a:gs>
+          </a:gsLst>
+          <a:lin ang="16200000" scaled="1"/>
+        </a:gradFill>
+        <a:gradFill rotWithShape="1">
+          <a:gsLst>
+            <a:gs pos="0">
+              <a:schemeClr val="phClr">
+                <a:tint val="100000"/>
+                <a:shade val="100000"/>
+                <a:satMod val="130000"/>
+              </a:schemeClr>
+            </a:gs>
+            <a:gs pos="100000">
+              <a:schemeClr val="phClr">
+                <a:tint val="50000"/>
+                <a:shade val="100000"/>
+                <a:satMod val="350000"/>
+              </a:schemeClr>
+            </a:gs>
+          </a:gsLst>
+          <a:lin ang="16200000" scaled="0"/>
+        </a:gradFill>
+      </a:fillStyleLst>
+      <a:lnStyleLst>
+        <a:ln w="9525" cap="flat" cmpd="sng" algn="ctr">
+          <a:solidFill>
+            <a:schemeClr val="phClr">
+              <a:shade val="95000"/>
+              <a:satMod val="105000"/>
+            </a:schemeClr>
+          </a:solidFill>
+          <a:prstDash val="solid"/>
+        </a:ln>
+        <a:ln w="25400" cap="flat" cmpd="sng" algn="ctr">
+          <a:solidFill>
+            <a:schemeClr val="phClr"/>
+          </a:solidFill>
+          <a:prstDash val="solid"/>
+        </a:ln>
+        <a:ln w="38100" cap="flat" cmpd="sng" algn="ctr">
+          <a:solidFill>
+            <a:schemeClr val="phClr"/>
+          </a:solidFill>
+          <a:prstDash val="solid"/>
+        </a:ln>
+      </a:lnStyleLst>
+      <a:effectStyleLst>
+        <a:effectStyle>
+          <a:effectLst>
+            <a:outerShdw blurRad="40000" dist="20000" dir="5400000" rotWithShape="0">
+              <a:srgbClr val="000000">
+                <a:alpha val="38000"/>
+              </a:srgbClr>
+            </a:outerShdw>
+          </a:effectLst>
+        </a:effectStyle>
+        <a:effectStyle>
+          <a:effectLst>
+            <a:outerShdw blurRad="40000" dist="23000" dir="5400000" rotWithShape="0">
+              <a:srgbClr val="000000">
+                <a:alpha val="35000"/>
+              </a:srgbClr>
+            </a:outerShdw>
+          </a:effectLst>
+        </a:effectStyle>
+        <a:effectStyle>
+          <a:effectLst>
+            <a:outerShdw blurRad="40000" dist="23000" dir="5400000" rotWithShape="0">
+              <a:srgbClr val="000000">
+                <a:alpha val="35000"/>
+              </a:srgbClr>
+            </a:outerShdw>
+          </a:effectLst>
+          <a:scene3d>
+            <a:camera prst="orthographicFront">
+              <a:rot lat="0" lon="0" rev="0"/>
+            </a:camera>
+            <a:lightRig rig="threePt" dir="t">
+              <a:rot lat="0" lon="0" rev="1200000"/>
+            </a:lightRig>
+          </a:scene3d>
+          <a:sp3d>
+            <a:bevelT w="63500" h="25400"/>
+          </a:sp3d>
+        </a:effectStyle>
+      </a:effectStyleLst>
+      <a:bgFillStyleLst>
+        <a:solidFill>
+          <a:schemeClr val="phClr"/>
+        </a:solidFill>
+        <a:gradFill rotWithShape="1">
+          <a:gsLst>
+            <a:gs pos="0">
+              <a:schemeClr val="phClr">
+                <a:tint val="40000"/>
+                <a:satMod val="350000"/>
+              </a:schemeClr>
+            </a:gs>
+            <a:gs pos="40000">
+              <a:schemeClr val="phClr">
+                <a:tint val="45000"/>
+                <a:shade val="99000"/>
+                <a:satMod val="350000"/>
+              </a:schemeClr>
+            </a:gs>
+            <a:gs pos="100000">
+              <a:schemeClr val="phClr">
+                <a:shade val="20000"/>
+                <a:satMod val="255000"/>
+              </a:schemeClr>
+            </a:gs>
+          </a:gsLst>
+          <a:path path="circle">
+            <a:fillToRect l="50000" t="-80000" r="50000" b="180000"/>
+          </a:path>
+        </a:gradFill>
+        <a:gradFill rotWithShape="1">
+          <a:gsLst>
+            <a:gs pos="0">
+              <a:schemeClr val="phClr">
+                <a:tint val="80000"/>
+                <a:satMod val="300000"/>
+              </a:schemeClr>
+            </a:gs>
+            <a:gs pos="100000">
+              <a:schemeClr val="phClr">
+                <a:shade val="30000"/>
+                <a:satMod val="200000"/>
+              </a:schemeClr>
+            </a:gs>
+          </a:gsLst>
+          <a:path path="circle">
+            <a:fillToRect l="50000" t="50000" r="50000" b="50000"/>
+          </a:path>
+        </a:gradFill>
+      </a:bgFillStyleLst>
+    </a:fmtScheme>
+  </a:themeElements>
+  <a:objectDefaults/>
+  <a:extraClrSchemeLst/>
+</a:theme>
+</file>
+
+<file path=ppt/theme/theme2.xml><?xml version="1.0" encoding="utf-8"?>
+<a:theme xmlns:a="http://schemas.openxmlformats.org/drawingml/2006/main">
   <a:themeElements>
     <a:clrScheme name="Default">
       <a:dk1>
@@ -9074,284 +8776,7 @@
       </a:bgFillStyleLst>
     </a:fmtScheme>
   </a:themeElements>
-</a:theme>
-</file>
-
-<file path=ppt/theme/theme2.xml><?xml version="1.0" encoding="utf-8"?>
-<a:theme xmlns:a="http://schemas.openxmlformats.org/drawingml/2006/main" xmlns:r="http://schemas.openxmlformats.org/officeDocument/2006/relationships" name="Simple Light">
-  <a:themeElements>
-    <a:clrScheme name="Simple Light">
-      <a:dk1>
-        <a:srgbClr val="000000"/>
-      </a:dk1>
-      <a:lt1>
-        <a:srgbClr val="FFFFFF"/>
-      </a:lt1>
-      <a:dk2>
-        <a:srgbClr val="595959"/>
-      </a:dk2>
-      <a:lt2>
-        <a:srgbClr val="EEEEEE"/>
-      </a:lt2>
-      <a:accent1>
-        <a:srgbClr val="4285F4"/>
-      </a:accent1>
-      <a:accent2>
-        <a:srgbClr val="212121"/>
-      </a:accent2>
-      <a:accent3>
-        <a:srgbClr val="78909C"/>
-      </a:accent3>
-      <a:accent4>
-        <a:srgbClr val="FFAB40"/>
-      </a:accent4>
-      <a:accent5>
-        <a:srgbClr val="0097A7"/>
-      </a:accent5>
-      <a:accent6>
-        <a:srgbClr val="EEFF41"/>
-      </a:accent6>
-      <a:hlink>
-        <a:srgbClr val="0097A7"/>
-      </a:hlink>
-      <a:folHlink>
-        <a:srgbClr val="0097A7"/>
-      </a:folHlink>
-    </a:clrScheme>
-    <a:fontScheme name="Office">
-      <a:majorFont>
-        <a:latin typeface="Arial"/>
-        <a:ea typeface=""/>
-        <a:cs typeface=""/>
-        <a:font script="Jpan" typeface="ＭＳ Ｐゴシック"/>
-        <a:font script="Hang" typeface="맑은 고딕"/>
-        <a:font script="Hans" typeface="宋体"/>
-        <a:font script="Hant" typeface="新細明體"/>
-        <a:font script="Arab" typeface="Times New Roman"/>
-        <a:font script="Hebr" typeface="Times New Roman"/>
-        <a:font script="Thai" typeface="Angsana New"/>
-        <a:font script="Ethi" typeface="Nyala"/>
-        <a:font script="Beng" typeface="Vrinda"/>
-        <a:font script="Gujr" typeface="Shruti"/>
-        <a:font script="Khmr" typeface="MoolBoran"/>
-        <a:font script="Knda" typeface="Tunga"/>
-        <a:font script="Guru" typeface="Raavi"/>
-        <a:font script="Cans" typeface="Euphemia"/>
-        <a:font script="Cher" typeface="Plantagenet Cherokee"/>
-        <a:font script="Yiii" typeface="Microsoft Yi Baiti"/>
-        <a:font script="Tibt" typeface="Microsoft Himalaya"/>
-        <a:font script="Thaa" typeface="MV Boli"/>
-        <a:font script="Deva" typeface="Mangal"/>
-        <a:font script="Telu" typeface="Gautami"/>
-        <a:font script="Taml" typeface="Latha"/>
-        <a:font script="Syrc" typeface="Estrangelo Edessa"/>
-        <a:font script="Orya" typeface="Kalinga"/>
-        <a:font script="Mlym" typeface="Kartika"/>
-        <a:font script="Laoo" typeface="DokChampa"/>
-        <a:font script="Sinh" typeface="Iskoola Pota"/>
-        <a:font script="Mong" typeface="Mongolian Baiti"/>
-        <a:font script="Viet" typeface="Times New Roman"/>
-        <a:font script="Uigh" typeface="Microsoft Uighur"/>
-        <a:font script="Geor" typeface="Sylfaen"/>
-      </a:majorFont>
-      <a:minorFont>
-        <a:latin typeface="Arial"/>
-        <a:ea typeface=""/>
-        <a:cs typeface=""/>
-        <a:font script="Jpan" typeface="ＭＳ Ｐゴシック"/>
-        <a:font script="Hang" typeface="맑은 고딕"/>
-        <a:font script="Hans" typeface="宋体"/>
-        <a:font script="Hant" typeface="新細明體"/>
-        <a:font script="Arab" typeface="Arial"/>
-        <a:font script="Hebr" typeface="Arial"/>
-        <a:font script="Thai" typeface="Cordia New"/>
-        <a:font script="Ethi" typeface="Nyala"/>
-        <a:font script="Beng" typeface="Vrinda"/>
-        <a:font script="Gujr" typeface="Shruti"/>
-        <a:font script="Khmr" typeface="DaunPenh"/>
-        <a:font script="Knda" typeface="Tunga"/>
-        <a:font script="Guru" typeface="Raavi"/>
-        <a:font script="Cans" typeface="Euphemia"/>
-        <a:font script="Cher" typeface="Plantagenet Cherokee"/>
-        <a:font script="Yiii" typeface="Microsoft Yi Baiti"/>
-        <a:font script="Tibt" typeface="Microsoft Himalaya"/>
-        <a:font script="Thaa" typeface="MV Boli"/>
-        <a:font script="Deva" typeface="Mangal"/>
-        <a:font script="Telu" typeface="Gautami"/>
-        <a:font script="Taml" typeface="Latha"/>
-        <a:font script="Syrc" typeface="Estrangelo Edessa"/>
-        <a:font script="Orya" typeface="Kalinga"/>
-        <a:font script="Mlym" typeface="Kartika"/>
-        <a:font script="Laoo" typeface="DokChampa"/>
-        <a:font script="Sinh" typeface="Iskoola Pota"/>
-        <a:font script="Mong" typeface="Mongolian Baiti"/>
-        <a:font script="Viet" typeface="Arial"/>
-        <a:font script="Uigh" typeface="Microsoft Uighur"/>
-        <a:font script="Geor" typeface="Sylfaen"/>
-      </a:minorFont>
-    </a:fontScheme>
-    <a:fmtScheme name="Office">
-      <a:fillStyleLst>
-        <a:solidFill>
-          <a:schemeClr val="phClr"/>
-        </a:solidFill>
-        <a:gradFill rotWithShape="1">
-          <a:gsLst>
-            <a:gs pos="0">
-              <a:schemeClr val="phClr">
-                <a:tint val="50000"/>
-                <a:satMod val="300000"/>
-              </a:schemeClr>
-            </a:gs>
-            <a:gs pos="35000">
-              <a:schemeClr val="phClr">
-                <a:tint val="37000"/>
-                <a:satMod val="300000"/>
-              </a:schemeClr>
-            </a:gs>
-            <a:gs pos="100000">
-              <a:schemeClr val="phClr">
-                <a:tint val="15000"/>
-                <a:satMod val="350000"/>
-              </a:schemeClr>
-            </a:gs>
-          </a:gsLst>
-          <a:lin ang="16200000" scaled="1"/>
-        </a:gradFill>
-        <a:gradFill rotWithShape="1">
-          <a:gsLst>
-            <a:gs pos="0">
-              <a:schemeClr val="phClr">
-                <a:tint val="100000"/>
-                <a:shade val="100000"/>
-                <a:satMod val="130000"/>
-              </a:schemeClr>
-            </a:gs>
-            <a:gs pos="100000">
-              <a:schemeClr val="phClr">
-                <a:tint val="50000"/>
-                <a:shade val="100000"/>
-                <a:satMod val="350000"/>
-              </a:schemeClr>
-            </a:gs>
-          </a:gsLst>
-          <a:lin ang="16200000" scaled="0"/>
-        </a:gradFill>
-      </a:fillStyleLst>
-      <a:lnStyleLst>
-        <a:ln w="9525" cap="flat" cmpd="sng" algn="ctr">
-          <a:solidFill>
-            <a:schemeClr val="phClr">
-              <a:shade val="95000"/>
-              <a:satMod val="105000"/>
-            </a:schemeClr>
-          </a:solidFill>
-          <a:prstDash val="solid"/>
-        </a:ln>
-        <a:ln w="25400" cap="flat" cmpd="sng" algn="ctr">
-          <a:solidFill>
-            <a:schemeClr val="phClr"/>
-          </a:solidFill>
-          <a:prstDash val="solid"/>
-        </a:ln>
-        <a:ln w="38100" cap="flat" cmpd="sng" algn="ctr">
-          <a:solidFill>
-            <a:schemeClr val="phClr"/>
-          </a:solidFill>
-          <a:prstDash val="solid"/>
-        </a:ln>
-      </a:lnStyleLst>
-      <a:effectStyleLst>
-        <a:effectStyle>
-          <a:effectLst>
-            <a:outerShdw blurRad="40000" dist="20000" dir="5400000" rotWithShape="0">
-              <a:srgbClr val="000000">
-                <a:alpha val="38000"/>
-              </a:srgbClr>
-            </a:outerShdw>
-          </a:effectLst>
-        </a:effectStyle>
-        <a:effectStyle>
-          <a:effectLst>
-            <a:outerShdw blurRad="40000" dist="23000" dir="5400000" rotWithShape="0">
-              <a:srgbClr val="000000">
-                <a:alpha val="35000"/>
-              </a:srgbClr>
-            </a:outerShdw>
-          </a:effectLst>
-        </a:effectStyle>
-        <a:effectStyle>
-          <a:effectLst>
-            <a:outerShdw blurRad="40000" dist="23000" dir="5400000" rotWithShape="0">
-              <a:srgbClr val="000000">
-                <a:alpha val="35000"/>
-              </a:srgbClr>
-            </a:outerShdw>
-          </a:effectLst>
-          <a:scene3d>
-            <a:camera prst="orthographicFront">
-              <a:rot lat="0" lon="0" rev="0"/>
-            </a:camera>
-            <a:lightRig rig="threePt" dir="t">
-              <a:rot lat="0" lon="0" rev="1200000"/>
-            </a:lightRig>
-          </a:scene3d>
-          <a:sp3d>
-            <a:bevelT w="63500" h="25400"/>
-          </a:sp3d>
-        </a:effectStyle>
-      </a:effectStyleLst>
-      <a:bgFillStyleLst>
-        <a:solidFill>
-          <a:schemeClr val="phClr"/>
-        </a:solidFill>
-        <a:gradFill rotWithShape="1">
-          <a:gsLst>
-            <a:gs pos="0">
-              <a:schemeClr val="phClr">
-                <a:tint val="40000"/>
-                <a:satMod val="350000"/>
-              </a:schemeClr>
-            </a:gs>
-            <a:gs pos="40000">
-              <a:schemeClr val="phClr">
-                <a:tint val="45000"/>
-                <a:shade val="99000"/>
-                <a:satMod val="350000"/>
-              </a:schemeClr>
-            </a:gs>
-            <a:gs pos="100000">
-              <a:schemeClr val="phClr">
-                <a:shade val="20000"/>
-                <a:satMod val="255000"/>
-              </a:schemeClr>
-            </a:gs>
-          </a:gsLst>
-          <a:path path="circle">
-            <a:fillToRect l="50000" t="-80000" r="50000" b="180000"/>
-          </a:path>
-        </a:gradFill>
-        <a:gradFill rotWithShape="1">
-          <a:gsLst>
-            <a:gs pos="0">
-              <a:schemeClr val="phClr">
-                <a:tint val="80000"/>
-                <a:satMod val="300000"/>
-              </a:schemeClr>
-            </a:gs>
-            <a:gs pos="100000">
-              <a:schemeClr val="phClr">
-                <a:shade val="30000"/>
-                <a:satMod val="200000"/>
-              </a:schemeClr>
-            </a:gs>
-          </a:gsLst>
-          <a:path path="circle">
-            <a:fillToRect l="50000" t="50000" r="50000" b="50000"/>
-          </a:path>
-        </a:gradFill>
-      </a:bgFillStyleLst>
-    </a:fmtScheme>
-  </a:themeElements>
+  <a:objectDefaults/>
+  <a:extraClrSchemeLst/>
 </a:theme>
 </file>